--- a/TEDxLearn.pptx
+++ b/TEDxLearn.pptx
@@ -7,9 +7,10 @@
   <p:sldIdLst>
     <p:sldId id="256" r:id="rId2"/>
     <p:sldId id="257" r:id="rId3"/>
-    <p:sldId id="258" r:id="rId4"/>
-    <p:sldId id="259" r:id="rId5"/>
-    <p:sldId id="260" r:id="rId6"/>
+    <p:sldId id="261" r:id="rId4"/>
+    <p:sldId id="258" r:id="rId5"/>
+    <p:sldId id="259" r:id="rId6"/>
+    <p:sldId id="260" r:id="rId7"/>
   </p:sldIdLst>
   <p:sldSz cx="12192000" cy="6858000"/>
   <p:notesSz cx="6858000" cy="9144000"/>
@@ -108,7 +109,56 @@
       </a:defRPr>
     </a:lvl9pPr>
   </p:defaultTextStyle>
+  <p:extLst>
+    <p:ext uri="{EFAFB233-063F-42B5-8137-9DF3F51BA10A}">
+      <p15:sldGuideLst xmlns:p15="http://schemas.microsoft.com/office/powerpoint/2012/main"/>
+    </p:ext>
+  </p:extLst>
 </p:presentation>
+</file>
+
+<file path=ppt/changesInfos/changesInfo1.xml><?xml version="1.0" encoding="utf-8"?>
+<pc:chgInfo xmlns:a="http://schemas.openxmlformats.org/drawingml/2006/main" xmlns:r="http://schemas.openxmlformats.org/officeDocument/2006/relationships" xmlns:ac="http://schemas.microsoft.com/office/drawing/2013/main/command" xmlns:pc="http://schemas.microsoft.com/office/powerpoint/2013/main/command">
+  <pc:docChgLst>
+    <pc:chgData name="FEDERICO CARRARA" userId="e93417db-f703-4389-ad82-be8964ade4b4" providerId="ADAL" clId="{DF25A3CD-B347-45D1-885B-44B740A88AAD}"/>
+    <pc:docChg chg="custSel addSld modSld">
+      <pc:chgData name="FEDERICO CARRARA" userId="e93417db-f703-4389-ad82-be8964ade4b4" providerId="ADAL" clId="{DF25A3CD-B347-45D1-885B-44B740A88AAD}" dt="2024-04-13T08:16:20.275" v="648" actId="20577"/>
+      <pc:docMkLst>
+        <pc:docMk/>
+      </pc:docMkLst>
+      <pc:sldChg chg="modSp mod">
+        <pc:chgData name="FEDERICO CARRARA" userId="e93417db-f703-4389-ad82-be8964ade4b4" providerId="ADAL" clId="{DF25A3CD-B347-45D1-885B-44B740A88AAD}" dt="2024-04-13T08:16:20.275" v="648" actId="20577"/>
+        <pc:sldMkLst>
+          <pc:docMk/>
+          <pc:sldMk cId="1622469523" sldId="257"/>
+        </pc:sldMkLst>
+        <pc:spChg chg="mod">
+          <ac:chgData name="FEDERICO CARRARA" userId="e93417db-f703-4389-ad82-be8964ade4b4" providerId="ADAL" clId="{DF25A3CD-B347-45D1-885B-44B740A88AAD}" dt="2024-04-13T08:16:20.275" v="648" actId="20577"/>
+          <ac:spMkLst>
+            <pc:docMk/>
+            <pc:sldMk cId="1622469523" sldId="257"/>
+            <ac:spMk id="3" creationId="{A697BD04-19C4-F9F7-806D-D56106A22005}"/>
+          </ac:spMkLst>
+        </pc:spChg>
+      </pc:sldChg>
+      <pc:sldChg chg="modSp new mod">
+        <pc:chgData name="FEDERICO CARRARA" userId="e93417db-f703-4389-ad82-be8964ade4b4" providerId="ADAL" clId="{DF25A3CD-B347-45D1-885B-44B740A88AAD}" dt="2024-04-13T08:02:40.213" v="9" actId="20577"/>
+        <pc:sldMkLst>
+          <pc:docMk/>
+          <pc:sldMk cId="601410788" sldId="261"/>
+        </pc:sldMkLst>
+        <pc:spChg chg="mod">
+          <ac:chgData name="FEDERICO CARRARA" userId="e93417db-f703-4389-ad82-be8964ade4b4" providerId="ADAL" clId="{DF25A3CD-B347-45D1-885B-44B740A88AAD}" dt="2024-04-13T08:02:40.213" v="9" actId="20577"/>
+          <ac:spMkLst>
+            <pc:docMk/>
+            <pc:sldMk cId="601410788" sldId="261"/>
+            <ac:spMk id="2" creationId="{C9463FA4-93BA-60FA-8479-F29818E96EE1}"/>
+          </ac:spMkLst>
+        </pc:spChg>
+      </pc:sldChg>
+    </pc:docChg>
+  </pc:docChgLst>
+</pc:chgInfo>
 </file>
 
 <file path=ppt/slideLayouts/slideLayout1.xml><?xml version="1.0" encoding="utf-8"?>
@@ -3467,7 +3517,30 @@
           <a:bodyPr/>
           <a:lstStyle/>
           <a:p>
-            <a:endParaRPr lang="it-IT" dirty="0"/>
+            <a:pPr marL="0" indent="0">
+              <a:buNone/>
+            </a:pPr>
+            <a:r>
+              <a:rPr lang="it-IT" dirty="0"/>
+              <a:t>L’applicazione </a:t>
+            </a:r>
+            <a:r>
+              <a:rPr lang="it-IT" dirty="0" err="1"/>
+              <a:t>TEDxLearn</a:t>
+            </a:r>
+            <a:r>
+              <a:rPr lang="it-IT" dirty="0"/>
+              <a:t> permetterà di accedere a numerosi video relativi a svariate categorie e argomenti, sostenendo alla fine di ognuno un piccolo quiz inerente i contenuti esposti, in modo da rafforzare la memorizzazione e la comprensione degli argomenti appena fruiti.</a:t>
+            </a:r>
+          </a:p>
+          <a:p>
+            <a:pPr marL="0" indent="0">
+              <a:buNone/>
+            </a:pPr>
+            <a:r>
+              <a:rPr lang="it-IT" dirty="0"/>
+              <a:t>Sarà inoltre possibile </a:t>
+            </a:r>
           </a:p>
         </p:txBody>
       </p:sp>
@@ -3506,7 +3579,7 @@
           <p:cNvPr id="2" name="Titolo 1">
             <a:extLst>
               <a:ext uri="{FF2B5EF4-FFF2-40B4-BE49-F238E27FC236}">
-                <a16:creationId xmlns:a16="http://schemas.microsoft.com/office/drawing/2014/main" id="{0D1437A9-8BC0-26DE-5E3F-BB793EC52448}"/>
+                <a16:creationId xmlns:a16="http://schemas.microsoft.com/office/drawing/2014/main" id="{C9463FA4-93BA-60FA-8479-F29818E96EE1}"/>
               </a:ext>
             </a:extLst>
           </p:cNvPr>
@@ -3524,7 +3597,7 @@
           <a:p>
             <a:r>
               <a:rPr lang="it-IT" dirty="0"/>
-              <a:t>A CHI È RIVOLTA, IL SUO VALORE</a:t>
+              <a:t>OBIETTIVO</a:t>
             </a:r>
           </a:p>
         </p:txBody>
@@ -3534,7 +3607,7 @@
           <p:cNvPr id="3" name="Segnaposto contenuto 2">
             <a:extLst>
               <a:ext uri="{FF2B5EF4-FFF2-40B4-BE49-F238E27FC236}">
-                <a16:creationId xmlns:a16="http://schemas.microsoft.com/office/drawing/2014/main" id="{4FC8A105-E71B-D264-F38D-DDB86FA8BE04}"/>
+                <a16:creationId xmlns:a16="http://schemas.microsoft.com/office/drawing/2014/main" id="{7F0D7F65-12BA-078C-1A94-035CBA6077ED}"/>
               </a:ext>
             </a:extLst>
           </p:cNvPr>
@@ -3550,23 +3623,14 @@
           <a:bodyPr/>
           <a:lstStyle/>
           <a:p>
-            <a:r>
-              <a:rPr lang="it-IT" dirty="0"/>
-              <a:t>L’applicazione è rivolta a chiunque sia interessato ad espandere la propria conoscenza relativa ad argomenti di attualità</a:t>
-            </a:r>
-          </a:p>
-          <a:p>
-            <a:r>
-              <a:rPr lang="it-IT" dirty="0"/>
-              <a:t>Il valore è di permettere all’utente di </a:t>
-            </a:r>
+            <a:endParaRPr lang="it-IT"/>
           </a:p>
         </p:txBody>
       </p:sp>
     </p:spTree>
     <p:extLst>
       <p:ext uri="{BB962C8B-B14F-4D97-AF65-F5344CB8AC3E}">
-        <p14:creationId xmlns:p14="http://schemas.microsoft.com/office/powerpoint/2010/main" val="378339886"/>
+        <p14:creationId xmlns:p14="http://schemas.microsoft.com/office/powerpoint/2010/main" val="601410788"/>
       </p:ext>
     </p:extLst>
   </p:cSld>
@@ -3598,6 +3662,98 @@
           <p:cNvPr id="2" name="Titolo 1">
             <a:extLst>
               <a:ext uri="{FF2B5EF4-FFF2-40B4-BE49-F238E27FC236}">
+                <a16:creationId xmlns:a16="http://schemas.microsoft.com/office/drawing/2014/main" id="{0D1437A9-8BC0-26DE-5E3F-BB793EC52448}"/>
+              </a:ext>
+            </a:extLst>
+          </p:cNvPr>
+          <p:cNvSpPr>
+            <a:spLocks noGrp="1"/>
+          </p:cNvSpPr>
+          <p:nvPr>
+            <p:ph type="title"/>
+          </p:nvPr>
+        </p:nvSpPr>
+        <p:spPr/>
+        <p:txBody>
+          <a:bodyPr/>
+          <a:lstStyle/>
+          <a:p>
+            <a:r>
+              <a:rPr lang="it-IT" dirty="0"/>
+              <a:t>A CHI È RIVOLTA, IL SUO VALORE</a:t>
+            </a:r>
+          </a:p>
+        </p:txBody>
+      </p:sp>
+      <p:sp>
+        <p:nvSpPr>
+          <p:cNvPr id="3" name="Segnaposto contenuto 2">
+            <a:extLst>
+              <a:ext uri="{FF2B5EF4-FFF2-40B4-BE49-F238E27FC236}">
+                <a16:creationId xmlns:a16="http://schemas.microsoft.com/office/drawing/2014/main" id="{4FC8A105-E71B-D264-F38D-DDB86FA8BE04}"/>
+              </a:ext>
+            </a:extLst>
+          </p:cNvPr>
+          <p:cNvSpPr>
+            <a:spLocks noGrp="1"/>
+          </p:cNvSpPr>
+          <p:nvPr>
+            <p:ph idx="1"/>
+          </p:nvPr>
+        </p:nvSpPr>
+        <p:spPr/>
+        <p:txBody>
+          <a:bodyPr/>
+          <a:lstStyle/>
+          <a:p>
+            <a:r>
+              <a:rPr lang="it-IT" dirty="0"/>
+              <a:t>L’applicazione è rivolta a chiunque sia interessato ad espandere la propria conoscenza relativa ad argomenti di attualità</a:t>
+            </a:r>
+          </a:p>
+          <a:p>
+            <a:r>
+              <a:rPr lang="it-IT" dirty="0"/>
+              <a:t>Il valore è di permettere all’utente di </a:t>
+            </a:r>
+          </a:p>
+        </p:txBody>
+      </p:sp>
+    </p:spTree>
+    <p:extLst>
+      <p:ext uri="{BB962C8B-B14F-4D97-AF65-F5344CB8AC3E}">
+        <p14:creationId xmlns:p14="http://schemas.microsoft.com/office/powerpoint/2010/main" val="378339886"/>
+      </p:ext>
+    </p:extLst>
+  </p:cSld>
+  <p:clrMapOvr>
+    <a:masterClrMapping/>
+  </p:clrMapOvr>
+</p:sld>
+</file>
+
+<file path=ppt/slides/slide5.xml><?xml version="1.0" encoding="utf-8"?>
+<p:sld xmlns:a="http://schemas.openxmlformats.org/drawingml/2006/main" xmlns:r="http://schemas.openxmlformats.org/officeDocument/2006/relationships" xmlns:p="http://schemas.openxmlformats.org/presentationml/2006/main">
+  <p:cSld>
+    <p:spTree>
+      <p:nvGrpSpPr>
+        <p:cNvPr id="1" name=""/>
+        <p:cNvGrpSpPr/>
+        <p:nvPr/>
+      </p:nvGrpSpPr>
+      <p:grpSpPr>
+        <a:xfrm>
+          <a:off x="0" y="0"/>
+          <a:ext cx="0" cy="0"/>
+          <a:chOff x="0" y="0"/>
+          <a:chExt cx="0" cy="0"/>
+        </a:xfrm>
+      </p:grpSpPr>
+      <p:sp>
+        <p:nvSpPr>
+          <p:cNvPr id="2" name="Titolo 1">
+            <a:extLst>
+              <a:ext uri="{FF2B5EF4-FFF2-40B4-BE49-F238E27FC236}">
                 <a16:creationId xmlns:a16="http://schemas.microsoft.com/office/drawing/2014/main" id="{89EAE5BE-41A4-EEB3-3BE2-704553BF1E87}"/>
               </a:ext>
             </a:extLst>
@@ -3659,7 +3815,7 @@
 </p:sld>
 </file>
 
-<file path=ppt/slides/slide5.xml><?xml version="1.0" encoding="utf-8"?>
+<file path=ppt/slides/slide6.xml><?xml version="1.0" encoding="utf-8"?>
 <p:sld xmlns:a="http://schemas.openxmlformats.org/drawingml/2006/main" xmlns:r="http://schemas.openxmlformats.org/officeDocument/2006/relationships" xmlns:p="http://schemas.openxmlformats.org/presentationml/2006/main">
   <p:cSld>
     <p:spTree>

--- a/TEDxLearn.pptx
+++ b/TEDxLearn.pptx
@@ -121,19 +121,19 @@
 <pc:chgInfo xmlns:a="http://schemas.openxmlformats.org/drawingml/2006/main" xmlns:r="http://schemas.openxmlformats.org/officeDocument/2006/relationships" xmlns:ac="http://schemas.microsoft.com/office/drawing/2013/main/command" xmlns:pc="http://schemas.microsoft.com/office/powerpoint/2013/main/command">
   <pc:docChgLst>
     <pc:chgData name="FEDERICO CARRARA" userId="e93417db-f703-4389-ad82-be8964ade4b4" providerId="ADAL" clId="{DF25A3CD-B347-45D1-885B-44B740A88AAD}"/>
-    <pc:docChg chg="custSel addSld modSld">
-      <pc:chgData name="FEDERICO CARRARA" userId="e93417db-f703-4389-ad82-be8964ade4b4" providerId="ADAL" clId="{DF25A3CD-B347-45D1-885B-44B740A88AAD}" dt="2024-04-13T08:16:20.275" v="648" actId="20577"/>
+    <pc:docChg chg="custSel addSld modSld sldOrd">
+      <pc:chgData name="FEDERICO CARRARA" userId="e93417db-f703-4389-ad82-be8964ade4b4" providerId="ADAL" clId="{DF25A3CD-B347-45D1-885B-44B740A88AAD}" dt="2024-04-13T08:39:08.833" v="971" actId="5793"/>
       <pc:docMkLst>
         <pc:docMk/>
       </pc:docMkLst>
       <pc:sldChg chg="modSp mod">
-        <pc:chgData name="FEDERICO CARRARA" userId="e93417db-f703-4389-ad82-be8964ade4b4" providerId="ADAL" clId="{DF25A3CD-B347-45D1-885B-44B740A88AAD}" dt="2024-04-13T08:16:20.275" v="648" actId="20577"/>
+        <pc:chgData name="FEDERICO CARRARA" userId="e93417db-f703-4389-ad82-be8964ade4b4" providerId="ADAL" clId="{DF25A3CD-B347-45D1-885B-44B740A88AAD}" dt="2024-04-13T08:37:47.685" v="886" actId="20577"/>
         <pc:sldMkLst>
           <pc:docMk/>
           <pc:sldMk cId="1622469523" sldId="257"/>
         </pc:sldMkLst>
         <pc:spChg chg="mod">
-          <ac:chgData name="FEDERICO CARRARA" userId="e93417db-f703-4389-ad82-be8964ade4b4" providerId="ADAL" clId="{DF25A3CD-B347-45D1-885B-44B740A88AAD}" dt="2024-04-13T08:16:20.275" v="648" actId="20577"/>
+          <ac:chgData name="FEDERICO CARRARA" userId="e93417db-f703-4389-ad82-be8964ade4b4" providerId="ADAL" clId="{DF25A3CD-B347-45D1-885B-44B740A88AAD}" dt="2024-04-13T08:37:47.685" v="886" actId="20577"/>
           <ac:spMkLst>
             <pc:docMk/>
             <pc:sldMk cId="1622469523" sldId="257"/>
@@ -141,8 +141,23 @@
           </ac:spMkLst>
         </pc:spChg>
       </pc:sldChg>
+      <pc:sldChg chg="modSp mod ord">
+        <pc:chgData name="FEDERICO CARRARA" userId="e93417db-f703-4389-ad82-be8964ade4b4" providerId="ADAL" clId="{DF25A3CD-B347-45D1-885B-44B740A88AAD}" dt="2024-04-13T08:38:18.634" v="945" actId="20577"/>
+        <pc:sldMkLst>
+          <pc:docMk/>
+          <pc:sldMk cId="378339886" sldId="258"/>
+        </pc:sldMkLst>
+        <pc:spChg chg="mod">
+          <ac:chgData name="FEDERICO CARRARA" userId="e93417db-f703-4389-ad82-be8964ade4b4" providerId="ADAL" clId="{DF25A3CD-B347-45D1-885B-44B740A88AAD}" dt="2024-04-13T08:38:18.634" v="945" actId="20577"/>
+          <ac:spMkLst>
+            <pc:docMk/>
+            <pc:sldMk cId="378339886" sldId="258"/>
+            <ac:spMk id="3" creationId="{4FC8A105-E71B-D264-F38D-DDB86FA8BE04}"/>
+          </ac:spMkLst>
+        </pc:spChg>
+      </pc:sldChg>
       <pc:sldChg chg="modSp new mod">
-        <pc:chgData name="FEDERICO CARRARA" userId="e93417db-f703-4389-ad82-be8964ade4b4" providerId="ADAL" clId="{DF25A3CD-B347-45D1-885B-44B740A88AAD}" dt="2024-04-13T08:02:40.213" v="9" actId="20577"/>
+        <pc:chgData name="FEDERICO CARRARA" userId="e93417db-f703-4389-ad82-be8964ade4b4" providerId="ADAL" clId="{DF25A3CD-B347-45D1-885B-44B740A88AAD}" dt="2024-04-13T08:39:08.833" v="971" actId="5793"/>
         <pc:sldMkLst>
           <pc:docMk/>
           <pc:sldMk cId="601410788" sldId="261"/>
@@ -153,6 +168,14 @@
             <pc:docMk/>
             <pc:sldMk cId="601410788" sldId="261"/>
             <ac:spMk id="2" creationId="{C9463FA4-93BA-60FA-8479-F29818E96EE1}"/>
+          </ac:spMkLst>
+        </pc:spChg>
+        <pc:spChg chg="mod">
+          <ac:chgData name="FEDERICO CARRARA" userId="e93417db-f703-4389-ad82-be8964ade4b4" providerId="ADAL" clId="{DF25A3CD-B347-45D1-885B-44B740A88AAD}" dt="2024-04-13T08:39:08.833" v="971" actId="5793"/>
+          <ac:spMkLst>
+            <pc:docMk/>
+            <pc:sldMk cId="601410788" sldId="261"/>
+            <ac:spMk id="3" creationId="{7F0D7F65-12BA-078C-1A94-035CBA6077ED}"/>
           </ac:spMkLst>
         </pc:spChg>
       </pc:sldChg>
@@ -3539,7 +3562,7 @@
             </a:pPr>
             <a:r>
               <a:rPr lang="it-IT" dirty="0"/>
-              <a:t>Sarà inoltre possibile </a:t>
+              <a:t>Sarà inoltre possibile prendere delle note relative al video e i risultati conseguiti nei quiz andranno a posizionare l’utente in una classifica generale.</a:t>
             </a:r>
           </a:p>
         </p:txBody>
@@ -3623,7 +3646,10 @@
           <a:bodyPr/>
           <a:lstStyle/>
           <a:p>
-            <a:endParaRPr lang="it-IT"/>
+            <a:pPr marL="0" indent="0">
+              <a:buNone/>
+            </a:pPr>
+            <a:endParaRPr lang="it-IT" dirty="0"/>
           </a:p>
         </p:txBody>
       </p:sp>
@@ -3714,7 +3740,7 @@
           <a:p>
             <a:r>
               <a:rPr lang="it-IT" dirty="0"/>
-              <a:t>Il valore è di permettere all’utente di </a:t>
+              <a:t>Il valore è di permettere all’utente di apprendere in modo efficacie e allo stesso tempo leggero </a:t>
             </a:r>
           </a:p>
         </p:txBody>

--- a/TEDxLearn.pptx
+++ b/TEDxLearn.pptx
@@ -117,23 +117,31 @@
 </p:presentation>
 </file>
 
+<file path=ppt/revisionInfo.xml><?xml version="1.0" encoding="utf-8"?>
+<p1510:revInfo xmlns:a="http://schemas.openxmlformats.org/drawingml/2006/main" xmlns:r="http://schemas.openxmlformats.org/officeDocument/2006/relationships" xmlns:p1510="http://schemas.microsoft.com/office/powerpoint/2015/10/main">
+  <p1510:revLst>
+    <p1510:client id="{DF25A3CD-B347-45D1-885B-44B740A88AAD}" v="3" dt="2024-04-13T12:36:47.080"/>
+  </p1510:revLst>
+</p1510:revInfo>
+</file>
+
 <file path=ppt/changesInfos/changesInfo1.xml><?xml version="1.0" encoding="utf-8"?>
 <pc:chgInfo xmlns:a="http://schemas.openxmlformats.org/drawingml/2006/main" xmlns:r="http://schemas.openxmlformats.org/officeDocument/2006/relationships" xmlns:ac="http://schemas.microsoft.com/office/drawing/2013/main/command" xmlns:pc="http://schemas.microsoft.com/office/powerpoint/2013/main/command">
   <pc:docChgLst>
     <pc:chgData name="FEDERICO CARRARA" userId="e93417db-f703-4389-ad82-be8964ade4b4" providerId="ADAL" clId="{DF25A3CD-B347-45D1-885B-44B740A88AAD}"/>
     <pc:docChg chg="custSel addSld modSld sldOrd">
-      <pc:chgData name="FEDERICO CARRARA" userId="e93417db-f703-4389-ad82-be8964ade4b4" providerId="ADAL" clId="{DF25A3CD-B347-45D1-885B-44B740A88AAD}" dt="2024-04-13T08:39:08.833" v="971" actId="5793"/>
+      <pc:chgData name="FEDERICO CARRARA" userId="e93417db-f703-4389-ad82-be8964ade4b4" providerId="ADAL" clId="{DF25A3CD-B347-45D1-885B-44B740A88AAD}" dt="2024-04-13T12:36:47.079" v="1154" actId="1076"/>
       <pc:docMkLst>
         <pc:docMk/>
       </pc:docMkLst>
       <pc:sldChg chg="modSp mod">
-        <pc:chgData name="FEDERICO CARRARA" userId="e93417db-f703-4389-ad82-be8964ade4b4" providerId="ADAL" clId="{DF25A3CD-B347-45D1-885B-44B740A88AAD}" dt="2024-04-13T08:37:47.685" v="886" actId="20577"/>
+        <pc:chgData name="FEDERICO CARRARA" userId="e93417db-f703-4389-ad82-be8964ade4b4" providerId="ADAL" clId="{DF25A3CD-B347-45D1-885B-44B740A88AAD}" dt="2024-04-13T12:11:38.057" v="1058" actId="20577"/>
         <pc:sldMkLst>
           <pc:docMk/>
           <pc:sldMk cId="1622469523" sldId="257"/>
         </pc:sldMkLst>
         <pc:spChg chg="mod">
-          <ac:chgData name="FEDERICO CARRARA" userId="e93417db-f703-4389-ad82-be8964ade4b4" providerId="ADAL" clId="{DF25A3CD-B347-45D1-885B-44B740A88AAD}" dt="2024-04-13T08:37:47.685" v="886" actId="20577"/>
+          <ac:chgData name="FEDERICO CARRARA" userId="e93417db-f703-4389-ad82-be8964ade4b4" providerId="ADAL" clId="{DF25A3CD-B347-45D1-885B-44B740A88AAD}" dt="2024-04-13T12:11:38.057" v="1058" actId="20577"/>
           <ac:spMkLst>
             <pc:docMk/>
             <pc:sldMk cId="1622469523" sldId="257"/>
@@ -142,13 +150,21 @@
         </pc:spChg>
       </pc:sldChg>
       <pc:sldChg chg="modSp mod ord">
-        <pc:chgData name="FEDERICO CARRARA" userId="e93417db-f703-4389-ad82-be8964ade4b4" providerId="ADAL" clId="{DF25A3CD-B347-45D1-885B-44B740A88AAD}" dt="2024-04-13T08:38:18.634" v="945" actId="20577"/>
+        <pc:chgData name="FEDERICO CARRARA" userId="e93417db-f703-4389-ad82-be8964ade4b4" providerId="ADAL" clId="{DF25A3CD-B347-45D1-885B-44B740A88AAD}" dt="2024-04-13T12:13:51.250" v="1122" actId="21"/>
         <pc:sldMkLst>
           <pc:docMk/>
           <pc:sldMk cId="378339886" sldId="258"/>
         </pc:sldMkLst>
         <pc:spChg chg="mod">
-          <ac:chgData name="FEDERICO CARRARA" userId="e93417db-f703-4389-ad82-be8964ade4b4" providerId="ADAL" clId="{DF25A3CD-B347-45D1-885B-44B740A88AAD}" dt="2024-04-13T08:38:18.634" v="945" actId="20577"/>
+          <ac:chgData name="FEDERICO CARRARA" userId="e93417db-f703-4389-ad82-be8964ade4b4" providerId="ADAL" clId="{DF25A3CD-B347-45D1-885B-44B740A88AAD}" dt="2024-04-13T12:13:39.192" v="1108" actId="20577"/>
+          <ac:spMkLst>
+            <pc:docMk/>
+            <pc:sldMk cId="378339886" sldId="258"/>
+            <ac:spMk id="2" creationId="{0D1437A9-8BC0-26DE-5E3F-BB793EC52448}"/>
+          </ac:spMkLst>
+        </pc:spChg>
+        <pc:spChg chg="mod">
+          <ac:chgData name="FEDERICO CARRARA" userId="e93417db-f703-4389-ad82-be8964ade4b4" providerId="ADAL" clId="{DF25A3CD-B347-45D1-885B-44B740A88AAD}" dt="2024-04-13T12:13:51.250" v="1122" actId="21"/>
           <ac:spMkLst>
             <pc:docMk/>
             <pc:sldMk cId="378339886" sldId="258"/>
@@ -156,8 +172,46 @@
           </ac:spMkLst>
         </pc:spChg>
       </pc:sldChg>
+      <pc:sldChg chg="addSp delSp modSp">
+        <pc:chgData name="FEDERICO CARRARA" userId="e93417db-f703-4389-ad82-be8964ade4b4" providerId="ADAL" clId="{DF25A3CD-B347-45D1-885B-44B740A88AAD}" dt="2024-04-13T12:36:47.079" v="1154" actId="1076"/>
+        <pc:sldMkLst>
+          <pc:docMk/>
+          <pc:sldMk cId="4190918352" sldId="259"/>
+        </pc:sldMkLst>
+        <pc:spChg chg="del">
+          <ac:chgData name="FEDERICO CARRARA" userId="e93417db-f703-4389-ad82-be8964ade4b4" providerId="ADAL" clId="{DF25A3CD-B347-45D1-885B-44B740A88AAD}" dt="2024-04-13T12:36:36.920" v="1152"/>
+          <ac:spMkLst>
+            <pc:docMk/>
+            <pc:sldMk cId="4190918352" sldId="259"/>
+            <ac:spMk id="3" creationId="{92447BFE-EF12-AD37-8DFD-2343FF33B3FF}"/>
+          </ac:spMkLst>
+        </pc:spChg>
+        <pc:picChg chg="add mod">
+          <ac:chgData name="FEDERICO CARRARA" userId="e93417db-f703-4389-ad82-be8964ade4b4" providerId="ADAL" clId="{DF25A3CD-B347-45D1-885B-44B740A88AAD}" dt="2024-04-13T12:36:47.079" v="1154" actId="1076"/>
+          <ac:picMkLst>
+            <pc:docMk/>
+            <pc:sldMk cId="4190918352" sldId="259"/>
+            <ac:picMk id="1026" creationId="{A1EF953C-127B-720D-53CA-2DB28D62FDD1}"/>
+          </ac:picMkLst>
+        </pc:picChg>
+      </pc:sldChg>
+      <pc:sldChg chg="modSp mod">
+        <pc:chgData name="FEDERICO CARRARA" userId="e93417db-f703-4389-ad82-be8964ade4b4" providerId="ADAL" clId="{DF25A3CD-B347-45D1-885B-44B740A88AAD}" dt="2024-04-13T12:12:46.904" v="1105" actId="20577"/>
+        <pc:sldMkLst>
+          <pc:docMk/>
+          <pc:sldMk cId="622854331" sldId="260"/>
+        </pc:sldMkLst>
+        <pc:spChg chg="mod">
+          <ac:chgData name="FEDERICO CARRARA" userId="e93417db-f703-4389-ad82-be8964ade4b4" providerId="ADAL" clId="{DF25A3CD-B347-45D1-885B-44B740A88AAD}" dt="2024-04-13T12:12:46.904" v="1105" actId="20577"/>
+          <ac:spMkLst>
+            <pc:docMk/>
+            <pc:sldMk cId="622854331" sldId="260"/>
+            <ac:spMk id="3" creationId="{4B3B2798-807C-2221-7F40-8554BC62BD34}"/>
+          </ac:spMkLst>
+        </pc:spChg>
+      </pc:sldChg>
       <pc:sldChg chg="modSp new mod">
-        <pc:chgData name="FEDERICO CARRARA" userId="e93417db-f703-4389-ad82-be8964ade4b4" providerId="ADAL" clId="{DF25A3CD-B347-45D1-885B-44B740A88AAD}" dt="2024-04-13T08:39:08.833" v="971" actId="5793"/>
+        <pc:chgData name="FEDERICO CARRARA" userId="e93417db-f703-4389-ad82-be8964ade4b4" providerId="ADAL" clId="{DF25A3CD-B347-45D1-885B-44B740A88AAD}" dt="2024-04-13T12:14:43.985" v="1151" actId="20577"/>
         <pc:sldMkLst>
           <pc:docMk/>
           <pc:sldMk cId="601410788" sldId="261"/>
@@ -171,7 +225,7 @@
           </ac:spMkLst>
         </pc:spChg>
         <pc:spChg chg="mod">
-          <ac:chgData name="FEDERICO CARRARA" userId="e93417db-f703-4389-ad82-be8964ade4b4" providerId="ADAL" clId="{DF25A3CD-B347-45D1-885B-44B740A88AAD}" dt="2024-04-13T08:39:08.833" v="971" actId="5793"/>
+          <ac:chgData name="FEDERICO CARRARA" userId="e93417db-f703-4389-ad82-be8964ade4b4" providerId="ADAL" clId="{DF25A3CD-B347-45D1-885B-44B740A88AAD}" dt="2024-04-13T12:14:43.985" v="1151" actId="20577"/>
           <ac:spMkLst>
             <pc:docMk/>
             <pc:sldMk cId="601410788" sldId="261"/>
@@ -3553,7 +3607,7 @@
             </a:r>
             <a:r>
               <a:rPr lang="it-IT" dirty="0"/>
-              <a:t> permetterà di accedere a numerosi video relativi a svariate categorie e argomenti, sostenendo alla fine di ognuno un piccolo quiz inerente i contenuti esposti, in modo da rafforzare la memorizzazione e la comprensione degli argomenti appena fruiti.</a:t>
+              <a:t> permetterà di accedere a numerosi video relativi a svariate categorie e argomenti, sostenendo alla fine di ognuno un piccolo quiz inerente ai contenuti esposti, in modo da rafforzare la memorizzazione e la comprensione degli argomenti appena fruiti.</a:t>
             </a:r>
           </a:p>
           <a:p>
@@ -3562,7 +3616,7 @@
             </a:pPr>
             <a:r>
               <a:rPr lang="it-IT" dirty="0"/>
-              <a:t>Sarà inoltre possibile prendere delle note relative al video e i risultati conseguiti nei quiz andranno a posizionare l’utente in una classifica generale.</a:t>
+              <a:t>Sarà inoltre possibile prendere delle note relative al video e l’utente può verificare la sua posizione nella classifica generale sulla base dei risultati conseguiti nei quiz.</a:t>
             </a:r>
           </a:p>
         </p:txBody>
@@ -3649,6 +3703,24 @@
             <a:pPr marL="0" indent="0">
               <a:buNone/>
             </a:pPr>
+            <a:r>
+              <a:rPr lang="it-IT" dirty="0"/>
+              <a:t>Permettere all’utente di </a:t>
+            </a:r>
+          </a:p>
+          <a:p>
+            <a:pPr marL="0" indent="0">
+              <a:buNone/>
+            </a:pPr>
+            <a:r>
+              <a:rPr lang="it-IT" dirty="0"/>
+              <a:t>L’obiettivo è di permettere all’utente di apprendere in modo efficace e allo stesso tempo leggero </a:t>
+            </a:r>
+          </a:p>
+          <a:p>
+            <a:pPr marL="0" indent="0">
+              <a:buNone/>
+            </a:pPr>
             <a:endParaRPr lang="it-IT" dirty="0"/>
           </a:p>
         </p:txBody>
@@ -3706,7 +3778,7 @@
           <a:p>
             <a:r>
               <a:rPr lang="it-IT" dirty="0"/>
-              <a:t>A CHI È RIVOLTA, IL SUO VALORE</a:t>
+              <a:t>A CHI È RIVOLTA</a:t>
             </a:r>
           </a:p>
         </p:txBody>
@@ -3735,12 +3807,6 @@
             <a:r>
               <a:rPr lang="it-IT" dirty="0"/>
               <a:t>L’applicazione è rivolta a chiunque sia interessato ad espandere la propria conoscenza relativa ad argomenti di attualità</a:t>
-            </a:r>
-          </a:p>
-          <a:p>
-            <a:r>
-              <a:rPr lang="it-IT" dirty="0"/>
-              <a:t>Il valore è di permettere all’utente di apprendere in modo efficacie e allo stesso tempo leggero </a:t>
             </a:r>
           </a:p>
         </p:txBody>
@@ -3803,31 +3869,55 @@
           </a:p>
         </p:txBody>
       </p:sp>
-      <p:sp>
-        <p:nvSpPr>
-          <p:cNvPr id="3" name="Segnaposto contenuto 2">
-            <a:extLst>
-              <a:ext uri="{FF2B5EF4-FFF2-40B4-BE49-F238E27FC236}">
-                <a16:creationId xmlns:a16="http://schemas.microsoft.com/office/drawing/2014/main" id="{92447BFE-EF12-AD37-8DFD-2343FF33B3FF}"/>
-              </a:ext>
-            </a:extLst>
-          </p:cNvPr>
-          <p:cNvSpPr>
-            <a:spLocks noGrp="1"/>
-          </p:cNvSpPr>
+      <p:pic>
+        <p:nvPicPr>
+          <p:cNvPr id="1026" name="Picture 2">
+            <a:extLst>
+              <a:ext uri="{FF2B5EF4-FFF2-40B4-BE49-F238E27FC236}">
+                <a16:creationId xmlns:a16="http://schemas.microsoft.com/office/drawing/2014/main" id="{A1EF953C-127B-720D-53CA-2DB28D62FDD1}"/>
+              </a:ext>
+            </a:extLst>
+          </p:cNvPr>
+          <p:cNvPicPr>
+            <a:picLocks noGrp="1" noChangeAspect="1" noChangeArrowheads="1"/>
+          </p:cNvPicPr>
           <p:nvPr>
             <p:ph idx="1"/>
           </p:nvPr>
-        </p:nvSpPr>
-        <p:spPr/>
-        <p:txBody>
-          <a:bodyPr/>
-          <a:lstStyle/>
-          <a:p>
-            <a:endParaRPr lang="it-IT"/>
-          </a:p>
-        </p:txBody>
-      </p:sp>
+        </p:nvPicPr>
+        <p:blipFill>
+          <a:blip r:embed="rId2">
+            <a:extLst>
+              <a:ext uri="{28A0092B-C50C-407E-A947-70E740481C1C}">
+                <a14:useLocalDpi xmlns:a14="http://schemas.microsoft.com/office/drawing/2010/main" val="0"/>
+              </a:ext>
+            </a:extLst>
+          </a:blip>
+          <a:srcRect/>
+          <a:stretch>
+            <a:fillRect/>
+          </a:stretch>
+        </p:blipFill>
+        <p:spPr bwMode="auto">
+          <a:xfrm>
+            <a:off x="2142810" y="1314348"/>
+            <a:ext cx="7906380" cy="5348124"/>
+          </a:xfrm>
+          <a:prstGeom prst="rect">
+            <a:avLst/>
+          </a:prstGeom>
+          <a:noFill/>
+          <a:extLst>
+            <a:ext uri="{909E8E84-426E-40DD-AFC4-6F175D3DCCD1}">
+              <a14:hiddenFill xmlns:a14="http://schemas.microsoft.com/office/drawing/2010/main">
+                <a:solidFill>
+                  <a:srgbClr val="FFFFFF"/>
+                </a:solidFill>
+              </a14:hiddenFill>
+            </a:ext>
+          </a:extLst>
+        </p:spPr>
+      </p:pic>
     </p:spTree>
     <p:extLst>
       <p:ext uri="{BB962C8B-B14F-4D97-AF65-F5344CB8AC3E}">
@@ -3921,7 +4011,7 @@
           <a:p>
             <a:r>
               <a:rPr lang="it-IT" dirty="0"/>
-              <a:t>Gestire le privacy policy relative ai dati dell’utente</a:t>
+              <a:t>Sicurezza dei dati dell’utente</a:t>
             </a:r>
           </a:p>
         </p:txBody>

--- a/TEDxLearn.pptx
+++ b/TEDxLearn.pptx
@@ -130,7 +130,7 @@
   <pc:docChgLst>
     <pc:chgData name="FEDERICO CARRARA" userId="e93417db-f703-4389-ad82-be8964ade4b4" providerId="ADAL" clId="{DF25A3CD-B347-45D1-885B-44B740A88AAD}"/>
     <pc:docChg chg="custSel addSld modSld sldOrd">
-      <pc:chgData name="FEDERICO CARRARA" userId="e93417db-f703-4389-ad82-be8964ade4b4" providerId="ADAL" clId="{DF25A3CD-B347-45D1-885B-44B740A88AAD}" dt="2024-04-13T12:36:47.079" v="1154" actId="1076"/>
+      <pc:chgData name="FEDERICO CARRARA" userId="e93417db-f703-4389-ad82-be8964ade4b4" providerId="ADAL" clId="{DF25A3CD-B347-45D1-885B-44B740A88AAD}" dt="2024-04-13T12:46:49.446" v="1597" actId="20577"/>
       <pc:docMkLst>
         <pc:docMk/>
       </pc:docMkLst>
@@ -150,7 +150,7 @@
         </pc:spChg>
       </pc:sldChg>
       <pc:sldChg chg="modSp mod ord">
-        <pc:chgData name="FEDERICO CARRARA" userId="e93417db-f703-4389-ad82-be8964ade4b4" providerId="ADAL" clId="{DF25A3CD-B347-45D1-885B-44B740A88AAD}" dt="2024-04-13T12:13:51.250" v="1122" actId="21"/>
+        <pc:chgData name="FEDERICO CARRARA" userId="e93417db-f703-4389-ad82-be8964ade4b4" providerId="ADAL" clId="{DF25A3CD-B347-45D1-885B-44B740A88AAD}" dt="2024-04-13T12:46:49.446" v="1597" actId="20577"/>
         <pc:sldMkLst>
           <pc:docMk/>
           <pc:sldMk cId="378339886" sldId="258"/>
@@ -164,7 +164,7 @@
           </ac:spMkLst>
         </pc:spChg>
         <pc:spChg chg="mod">
-          <ac:chgData name="FEDERICO CARRARA" userId="e93417db-f703-4389-ad82-be8964ade4b4" providerId="ADAL" clId="{DF25A3CD-B347-45D1-885B-44B740A88AAD}" dt="2024-04-13T12:13:51.250" v="1122" actId="21"/>
+          <ac:chgData name="FEDERICO CARRARA" userId="e93417db-f703-4389-ad82-be8964ade4b4" providerId="ADAL" clId="{DF25A3CD-B347-45D1-885B-44B740A88AAD}" dt="2024-04-13T12:46:49.446" v="1597" actId="20577"/>
           <ac:spMkLst>
             <pc:docMk/>
             <pc:sldMk cId="378339886" sldId="258"/>
@@ -211,7 +211,7 @@
         </pc:spChg>
       </pc:sldChg>
       <pc:sldChg chg="modSp new mod">
-        <pc:chgData name="FEDERICO CARRARA" userId="e93417db-f703-4389-ad82-be8964ade4b4" providerId="ADAL" clId="{DF25A3CD-B347-45D1-885B-44B740A88AAD}" dt="2024-04-13T12:14:43.985" v="1151" actId="20577"/>
+        <pc:chgData name="FEDERICO CARRARA" userId="e93417db-f703-4389-ad82-be8964ade4b4" providerId="ADAL" clId="{DF25A3CD-B347-45D1-885B-44B740A88AAD}" dt="2024-04-13T12:45:06.539" v="1463" actId="20577"/>
         <pc:sldMkLst>
           <pc:docMk/>
           <pc:sldMk cId="601410788" sldId="261"/>
@@ -225,7 +225,7 @@
           </ac:spMkLst>
         </pc:spChg>
         <pc:spChg chg="mod">
-          <ac:chgData name="FEDERICO CARRARA" userId="e93417db-f703-4389-ad82-be8964ade4b4" providerId="ADAL" clId="{DF25A3CD-B347-45D1-885B-44B740A88AAD}" dt="2024-04-13T12:14:43.985" v="1151" actId="20577"/>
+          <ac:chgData name="FEDERICO CARRARA" userId="e93417db-f703-4389-ad82-be8964ade4b4" providerId="ADAL" clId="{DF25A3CD-B347-45D1-885B-44B740A88AAD}" dt="2024-04-13T12:45:06.539" v="1463" actId="20577"/>
           <ac:spMkLst>
             <pc:docMk/>
             <pc:sldMk cId="601410788" sldId="261"/>
@@ -3705,16 +3705,7 @@
             </a:pPr>
             <a:r>
               <a:rPr lang="it-IT" dirty="0"/>
-              <a:t>Permettere all’utente di </a:t>
-            </a:r>
-          </a:p>
-          <a:p>
-            <a:pPr marL="0" indent="0">
-              <a:buNone/>
-            </a:pPr>
-            <a:r>
-              <a:rPr lang="it-IT" dirty="0"/>
-              <a:t>L’obiettivo è di permettere all’utente di apprendere in modo efficace e allo stesso tempo leggero </a:t>
+              <a:t>Permettere all’utente di informarsi su temi di attualità e sviluppare nuove competenze su varie tematiche, in modo efficace e allo stesso divertente, tramite convegni di esperti e i quiz proposti.</a:t>
             </a:r>
           </a:p>
           <a:p>
@@ -3804,10 +3795,23 @@
           <a:bodyPr/>
           <a:lstStyle/>
           <a:p>
+            <a:pPr marL="0" indent="0">
+              <a:buNone/>
+            </a:pPr>
             <a:r>
               <a:rPr lang="it-IT" dirty="0"/>
-              <a:t>L’applicazione è rivolta a chiunque sia interessato ad espandere la propria conoscenza relativa ad argomenti di attualità</a:t>
-            </a:r>
+              <a:t>L’applicazione è rivolta a chiunque sia interessato ad espandere la propria conoscenza relativa ad argomenti di attualità, in particolar modo a studenti </a:t>
+            </a:r>
+            <a:r>
+              <a:rPr lang="it-IT"/>
+              <a:t>e giovani.</a:t>
+            </a:r>
+          </a:p>
+          <a:p>
+            <a:pPr marL="0" indent="0">
+              <a:buNone/>
+            </a:pPr>
+            <a:endParaRPr lang="it-IT" dirty="0"/>
           </a:p>
         </p:txBody>
       </p:sp>

--- a/TEDxLearn.pptx
+++ b/TEDxLearn.pptx
@@ -120,7 +120,7 @@
 <file path=ppt/revisionInfo.xml><?xml version="1.0" encoding="utf-8"?>
 <p1510:revInfo xmlns:a="http://schemas.openxmlformats.org/drawingml/2006/main" xmlns:r="http://schemas.openxmlformats.org/officeDocument/2006/relationships" xmlns:p1510="http://schemas.microsoft.com/office/powerpoint/2015/10/main">
   <p1510:revLst>
-    <p1510:client id="{DF25A3CD-B347-45D1-885B-44B740A88AAD}" v="3" dt="2024-04-13T12:36:47.080"/>
+    <p1510:client id="{DF25A3CD-B347-45D1-885B-44B740A88AAD}" v="19" dt="2024-04-15T09:05:23.145"/>
   </p1510:revLst>
 </p1510:revInfo>
 </file>
@@ -130,12 +130,12 @@
   <pc:docChgLst>
     <pc:chgData name="FEDERICO CARRARA" userId="e93417db-f703-4389-ad82-be8964ade4b4" providerId="ADAL" clId="{DF25A3CD-B347-45D1-885B-44B740A88AAD}"/>
     <pc:docChg chg="custSel addSld modSld sldOrd">
-      <pc:chgData name="FEDERICO CARRARA" userId="e93417db-f703-4389-ad82-be8964ade4b4" providerId="ADAL" clId="{DF25A3CD-B347-45D1-885B-44B740A88AAD}" dt="2024-04-13T12:46:49.446" v="1597" actId="20577"/>
+      <pc:chgData name="FEDERICO CARRARA" userId="e93417db-f703-4389-ad82-be8964ade4b4" providerId="ADAL" clId="{DF25A3CD-B347-45D1-885B-44B740A88AAD}" dt="2024-04-15T09:13:28.790" v="1632" actId="20577"/>
       <pc:docMkLst>
         <pc:docMk/>
       </pc:docMkLst>
       <pc:sldChg chg="modSp mod">
-        <pc:chgData name="FEDERICO CARRARA" userId="e93417db-f703-4389-ad82-be8964ade4b4" providerId="ADAL" clId="{DF25A3CD-B347-45D1-885B-44B740A88AAD}" dt="2024-04-13T12:11:38.057" v="1058" actId="20577"/>
+        <pc:chgData name="FEDERICO CARRARA" userId="e93417db-f703-4389-ad82-be8964ade4b4" providerId="ADAL" clId="{DF25A3CD-B347-45D1-885B-44B740A88AAD}" dt="2024-04-15T09:05:23.145" v="1613" actId="20577"/>
         <pc:sldMkLst>
           <pc:docMk/>
           <pc:sldMk cId="1622469523" sldId="257"/>
@@ -148,9 +148,17 @@
             <ac:spMk id="3" creationId="{A697BD04-19C4-F9F7-806D-D56106A22005}"/>
           </ac:spMkLst>
         </pc:spChg>
+        <pc:graphicFrameChg chg="mod">
+          <ac:chgData name="FEDERICO CARRARA" userId="e93417db-f703-4389-ad82-be8964ade4b4" providerId="ADAL" clId="{DF25A3CD-B347-45D1-885B-44B740A88AAD}" dt="2024-04-15T09:05:23.145" v="1613" actId="20577"/>
+          <ac:graphicFrameMkLst>
+            <pc:docMk/>
+            <pc:sldMk cId="1622469523" sldId="257"/>
+            <ac:graphicFrameMk id="5" creationId="{5D3B90DE-0468-D792-DBD6-0758F0A499CC}"/>
+          </ac:graphicFrameMkLst>
+        </pc:graphicFrameChg>
       </pc:sldChg>
       <pc:sldChg chg="modSp mod ord">
-        <pc:chgData name="FEDERICO CARRARA" userId="e93417db-f703-4389-ad82-be8964ade4b4" providerId="ADAL" clId="{DF25A3CD-B347-45D1-885B-44B740A88AAD}" dt="2024-04-13T12:46:49.446" v="1597" actId="20577"/>
+        <pc:chgData name="FEDERICO CARRARA" userId="e93417db-f703-4389-ad82-be8964ade4b4" providerId="ADAL" clId="{DF25A3CD-B347-45D1-885B-44B740A88AAD}" dt="2024-04-15T09:13:28.790" v="1632" actId="20577"/>
         <pc:sldMkLst>
           <pc:docMk/>
           <pc:sldMk cId="378339886" sldId="258"/>
@@ -164,7 +172,7 @@
           </ac:spMkLst>
         </pc:spChg>
         <pc:spChg chg="mod">
-          <ac:chgData name="FEDERICO CARRARA" userId="e93417db-f703-4389-ad82-be8964ade4b4" providerId="ADAL" clId="{DF25A3CD-B347-45D1-885B-44B740A88AAD}" dt="2024-04-13T12:46:49.446" v="1597" actId="20577"/>
+          <ac:chgData name="FEDERICO CARRARA" userId="e93417db-f703-4389-ad82-be8964ade4b4" providerId="ADAL" clId="{DF25A3CD-B347-45D1-885B-44B740A88AAD}" dt="2024-04-15T09:13:28.790" v="1632" actId="20577"/>
           <ac:spMkLst>
             <pc:docMk/>
             <pc:sldMk cId="378339886" sldId="258"/>
@@ -211,7 +219,7 @@
         </pc:spChg>
       </pc:sldChg>
       <pc:sldChg chg="modSp new mod">
-        <pc:chgData name="FEDERICO CARRARA" userId="e93417db-f703-4389-ad82-be8964ade4b4" providerId="ADAL" clId="{DF25A3CD-B347-45D1-885B-44B740A88AAD}" dt="2024-04-13T12:45:06.539" v="1463" actId="20577"/>
+        <pc:chgData name="FEDERICO CARRARA" userId="e93417db-f703-4389-ad82-be8964ade4b4" providerId="ADAL" clId="{DF25A3CD-B347-45D1-885B-44B740A88AAD}" dt="2024-04-15T09:11:28.780" v="1629" actId="20577"/>
         <pc:sldMkLst>
           <pc:docMk/>
           <pc:sldMk cId="601410788" sldId="261"/>
@@ -225,7 +233,7 @@
           </ac:spMkLst>
         </pc:spChg>
         <pc:spChg chg="mod">
-          <ac:chgData name="FEDERICO CARRARA" userId="e93417db-f703-4389-ad82-be8964ade4b4" providerId="ADAL" clId="{DF25A3CD-B347-45D1-885B-44B740A88AAD}" dt="2024-04-13T12:45:06.539" v="1463" actId="20577"/>
+          <ac:chgData name="FEDERICO CARRARA" userId="e93417db-f703-4389-ad82-be8964ade4b4" providerId="ADAL" clId="{DF25A3CD-B347-45D1-885B-44B740A88AAD}" dt="2024-04-15T09:11:28.780" v="1629" actId="20577"/>
           <ac:spMkLst>
             <pc:docMk/>
             <pc:sldMk cId="601410788" sldId="261"/>
@@ -1931,10 +1939,10 @@
         <a:lstStyle/>
         <a:p>
           <a:r>
-            <a:rPr lang="it-IT"/>
-            <a:t>Sarà inoltre possibile prendere delle note relative al video e l’utente può verificare la sua posizione nella classifica generale sulla base dei risultati conseguiti nei quiz.</a:t>
+            <a:rPr lang="it-IT" dirty="0"/>
+            <a:t>Sarà inoltre possibile prendere delle note relative al video e l’utente potrà verificare la sua posizione nella classifica generale calcolata sulla base dei risultati conseguiti nei quiz.</a:t>
           </a:r>
-          <a:endParaRPr lang="en-US"/>
+          <a:endParaRPr lang="en-US" dirty="0"/>
         </a:p>
       </dgm:t>
     </dgm:pt>
@@ -2651,10 +2659,10 @@
             <a:buNone/>
           </a:pPr>
           <a:r>
-            <a:rPr lang="it-IT" sz="2100" kern="1200"/>
-            <a:t>Sarà inoltre possibile prendere delle note relative al video e l’utente può verificare la sua posizione nella classifica generale sulla base dei risultati conseguiti nei quiz.</a:t>
+            <a:rPr lang="it-IT" sz="2100" kern="1200" dirty="0"/>
+            <a:t>Sarà inoltre possibile prendere delle note relative al video e l’utente potrà verificare la sua posizione nella classifica generale calcolata sulla base dei risultati conseguiti nei quiz.</a:t>
           </a:r>
-          <a:endParaRPr lang="en-US" sz="2100" kern="1200"/>
+          <a:endParaRPr lang="en-US" sz="2100" kern="1200" dirty="0"/>
         </a:p>
       </dsp:txBody>
       <dsp:txXfrm>
@@ -6104,7 +6112,7 @@
           <a:noFill/>
           <a:extLst>
             <a:ext uri="{909E8E84-426E-40dd-AFC4-6F175D3DCCD1}">
-              <a14:hiddenFill xmlns:a14="http://schemas.microsoft.com/office/drawing/2010/main" xmlns="">
+              <a14:hiddenFill xmlns="" xmlns:a14="http://schemas.microsoft.com/office/drawing/2010/main">
                 <a:solidFill>
                   <a:srgbClr val="FFFFFF"/>
                 </a:solidFill>
@@ -6163,7 +6171,7 @@
             </a:ln>
             <a:extLst>
               <a:ext uri="{91240B29-F687-4f45-9708-019B960494DF}">
-                <a14:hiddenLine xmlns:a14="http://schemas.microsoft.com/office/drawing/2010/main" xmlns="" w="9525">
+                <a14:hiddenLine xmlns="" xmlns:a14="http://schemas.microsoft.com/office/drawing/2010/main" w="9525">
                   <a:solidFill>
                     <a:srgbClr val="000000"/>
                   </a:solidFill>
@@ -6253,7 +6261,7 @@
             </a:ln>
             <a:extLst>
               <a:ext uri="{91240B29-F687-4f45-9708-019B960494DF}">
-                <a14:hiddenLine xmlns:a14="http://schemas.microsoft.com/office/drawing/2010/main" xmlns="" w="9525">
+                <a14:hiddenLine xmlns="" xmlns:a14="http://schemas.microsoft.com/office/drawing/2010/main" w="9525">
                   <a:solidFill>
                     <a:srgbClr val="000000"/>
                   </a:solidFill>
@@ -6343,7 +6351,7 @@
             </a:ln>
             <a:extLst>
               <a:ext uri="{91240B29-F687-4f45-9708-019B960494DF}">
-                <a14:hiddenLine xmlns:a14="http://schemas.microsoft.com/office/drawing/2010/main" xmlns="" w="9525">
+                <a14:hiddenLine xmlns="" xmlns:a14="http://schemas.microsoft.com/office/drawing/2010/main" w="9525">
                   <a:solidFill>
                     <a:srgbClr val="000000"/>
                   </a:solidFill>
@@ -6377,7 +6385,7 @@
             </a:ln>
             <a:extLst>
               <a:ext uri="{91240B29-F687-4f45-9708-019B960494DF}">
-                <a14:hiddenLine xmlns:a14="http://schemas.microsoft.com/office/drawing/2010/main" xmlns="" w="9525">
+                <a14:hiddenLine xmlns="" xmlns:a14="http://schemas.microsoft.com/office/drawing/2010/main" w="9525">
                   <a:solidFill>
                     <a:srgbClr val="000000"/>
                   </a:solidFill>
@@ -6467,7 +6475,7 @@
             </a:ln>
             <a:extLst>
               <a:ext uri="{91240B29-F687-4f45-9708-019B960494DF}">
-                <a14:hiddenLine xmlns:a14="http://schemas.microsoft.com/office/drawing/2010/main" xmlns="" w="9525">
+                <a14:hiddenLine xmlns="" xmlns:a14="http://schemas.microsoft.com/office/drawing/2010/main" w="9525">
                   <a:solidFill>
                     <a:srgbClr val="000000"/>
                   </a:solidFill>
@@ -6529,7 +6537,7 @@
             </a:ln>
             <a:extLst>
               <a:ext uri="{91240B29-F687-4f45-9708-019B960494DF}">
-                <a14:hiddenLine xmlns:a14="http://schemas.microsoft.com/office/drawing/2010/main" xmlns="" w="9525">
+                <a14:hiddenLine xmlns="" xmlns:a14="http://schemas.microsoft.com/office/drawing/2010/main" w="9525">
                   <a:solidFill>
                     <a:srgbClr val="000000"/>
                   </a:solidFill>
@@ -6591,7 +6599,7 @@
             </a:ln>
             <a:extLst>
               <a:ext uri="{91240B29-F687-4f45-9708-019B960494DF}">
-                <a14:hiddenLine xmlns:a14="http://schemas.microsoft.com/office/drawing/2010/main" xmlns="" w="9525">
+                <a14:hiddenLine xmlns="" xmlns:a14="http://schemas.microsoft.com/office/drawing/2010/main" w="9525">
                   <a:solidFill>
                     <a:srgbClr val="000000"/>
                   </a:solidFill>
@@ -6681,7 +6689,7 @@
             </a:ln>
             <a:extLst>
               <a:ext uri="{91240B29-F687-4f45-9708-019B960494DF}">
-                <a14:hiddenLine xmlns:a14="http://schemas.microsoft.com/office/drawing/2010/main" xmlns="" w="9525">
+                <a14:hiddenLine xmlns="" xmlns:a14="http://schemas.microsoft.com/office/drawing/2010/main" w="9525">
                   <a:solidFill>
                     <a:srgbClr val="000000"/>
                   </a:solidFill>
@@ -6743,7 +6751,7 @@
             </a:ln>
             <a:extLst>
               <a:ext uri="{91240B29-F687-4f45-9708-019B960494DF}">
-                <a14:hiddenLine xmlns:a14="http://schemas.microsoft.com/office/drawing/2010/main" xmlns="" w="9525">
+                <a14:hiddenLine xmlns="" xmlns:a14="http://schemas.microsoft.com/office/drawing/2010/main" w="9525">
                   <a:solidFill>
                     <a:srgbClr val="000000"/>
                   </a:solidFill>
@@ -6805,7 +6813,7 @@
             </a:ln>
             <a:extLst>
               <a:ext uri="{91240B29-F687-4f45-9708-019B960494DF}">
-                <a14:hiddenLine xmlns:a14="http://schemas.microsoft.com/office/drawing/2010/main" xmlns="" w="9525">
+                <a14:hiddenLine xmlns="" xmlns:a14="http://schemas.microsoft.com/office/drawing/2010/main" w="9525">
                   <a:solidFill>
                     <a:srgbClr val="000000"/>
                   </a:solidFill>
@@ -6895,7 +6903,7 @@
             </a:ln>
             <a:extLst>
               <a:ext uri="{91240B29-F687-4f45-9708-019B960494DF}">
-                <a14:hiddenLine xmlns:a14="http://schemas.microsoft.com/office/drawing/2010/main" xmlns="" w="9525">
+                <a14:hiddenLine xmlns="" xmlns:a14="http://schemas.microsoft.com/office/drawing/2010/main" w="9525">
                   <a:solidFill>
                     <a:srgbClr val="000000"/>
                   </a:solidFill>
@@ -6985,7 +6993,7 @@
             </a:ln>
             <a:extLst>
               <a:ext uri="{91240B29-F687-4f45-9708-019B960494DF}">
-                <a14:hiddenLine xmlns:a14="http://schemas.microsoft.com/office/drawing/2010/main" xmlns="" w="9525">
+                <a14:hiddenLine xmlns="" xmlns:a14="http://schemas.microsoft.com/office/drawing/2010/main" w="9525">
                   <a:solidFill>
                     <a:srgbClr val="000000"/>
                   </a:solidFill>
@@ -7047,7 +7055,7 @@
             </a:ln>
             <a:extLst>
               <a:ext uri="{91240B29-F687-4f45-9708-019B960494DF}">
-                <a14:hiddenLine xmlns:a14="http://schemas.microsoft.com/office/drawing/2010/main" xmlns="" w="9525">
+                <a14:hiddenLine xmlns="" xmlns:a14="http://schemas.microsoft.com/office/drawing/2010/main" w="9525">
                   <a:solidFill>
                     <a:srgbClr val="000000"/>
                   </a:solidFill>
@@ -7157,7 +7165,7 @@
             </a:ln>
             <a:extLst>
               <a:ext uri="{91240B29-F687-4f45-9708-019B960494DF}">
-                <a14:hiddenLine xmlns:a14="http://schemas.microsoft.com/office/drawing/2010/main" xmlns="" w="9525">
+                <a14:hiddenLine xmlns="" xmlns:a14="http://schemas.microsoft.com/office/drawing/2010/main" w="9525">
                   <a:solidFill>
                     <a:srgbClr val="000000"/>
                   </a:solidFill>
@@ -7219,7 +7227,7 @@
             </a:ln>
             <a:extLst>
               <a:ext uri="{91240B29-F687-4f45-9708-019B960494DF}">
-                <a14:hiddenLine xmlns:a14="http://schemas.microsoft.com/office/drawing/2010/main" xmlns="" w="9525">
+                <a14:hiddenLine xmlns="" xmlns:a14="http://schemas.microsoft.com/office/drawing/2010/main" w="9525">
                   <a:solidFill>
                     <a:srgbClr val="000000"/>
                   </a:solidFill>
@@ -7309,7 +7317,7 @@
             </a:ln>
             <a:extLst>
               <a:ext uri="{91240B29-F687-4f45-9708-019B960494DF}">
-                <a14:hiddenLine xmlns:a14="http://schemas.microsoft.com/office/drawing/2010/main" xmlns="" w="9525">
+                <a14:hiddenLine xmlns="" xmlns:a14="http://schemas.microsoft.com/office/drawing/2010/main" w="9525">
                   <a:solidFill>
                     <a:srgbClr val="000000"/>
                   </a:solidFill>
@@ -7399,7 +7407,7 @@
             </a:ln>
             <a:extLst>
               <a:ext uri="{91240B29-F687-4f45-9708-019B960494DF}">
-                <a14:hiddenLine xmlns:a14="http://schemas.microsoft.com/office/drawing/2010/main" xmlns="" w="9525">
+                <a14:hiddenLine xmlns="" xmlns:a14="http://schemas.microsoft.com/office/drawing/2010/main" w="9525">
                   <a:solidFill>
                     <a:srgbClr val="000000"/>
                   </a:solidFill>
@@ -7461,7 +7469,7 @@
             </a:ln>
             <a:extLst>
               <a:ext uri="{91240B29-F687-4f45-9708-019B960494DF}">
-                <a14:hiddenLine xmlns:a14="http://schemas.microsoft.com/office/drawing/2010/main" xmlns="" w="9525">
+                <a14:hiddenLine xmlns="" xmlns:a14="http://schemas.microsoft.com/office/drawing/2010/main" w="9525">
                   <a:solidFill>
                     <a:srgbClr val="000000"/>
                   </a:solidFill>
@@ -7551,7 +7559,7 @@
             </a:ln>
             <a:extLst>
               <a:ext uri="{91240B29-F687-4f45-9708-019B960494DF}">
-                <a14:hiddenLine xmlns:a14="http://schemas.microsoft.com/office/drawing/2010/main" xmlns="" w="9525">
+                <a14:hiddenLine xmlns="" xmlns:a14="http://schemas.microsoft.com/office/drawing/2010/main" w="9525">
                   <a:solidFill>
                     <a:srgbClr val="000000"/>
                   </a:solidFill>
@@ -7641,7 +7649,7 @@
             </a:ln>
             <a:extLst>
               <a:ext uri="{91240B29-F687-4f45-9708-019B960494DF}">
-                <a14:hiddenLine xmlns:a14="http://schemas.microsoft.com/office/drawing/2010/main" xmlns="" w="9525">
+                <a14:hiddenLine xmlns="" xmlns:a14="http://schemas.microsoft.com/office/drawing/2010/main" w="9525">
                   <a:solidFill>
                     <a:srgbClr val="000000"/>
                   </a:solidFill>
@@ -7697,7 +7705,7 @@
             </a:ln>
             <a:extLst>
               <a:ext uri="{91240B29-F687-4f45-9708-019B960494DF}">
-                <a14:hiddenLine xmlns:a14="http://schemas.microsoft.com/office/drawing/2010/main" xmlns="" w="9525">
+                <a14:hiddenLine xmlns="" xmlns:a14="http://schemas.microsoft.com/office/drawing/2010/main" w="9525">
                   <a:solidFill>
                     <a:srgbClr val="000000"/>
                   </a:solidFill>
@@ -7787,7 +7795,7 @@
             </a:ln>
             <a:extLst>
               <a:ext uri="{91240B29-F687-4f45-9708-019B960494DF}">
-                <a14:hiddenLine xmlns:a14="http://schemas.microsoft.com/office/drawing/2010/main" xmlns="" w="9525">
+                <a14:hiddenLine xmlns="" xmlns:a14="http://schemas.microsoft.com/office/drawing/2010/main" w="9525">
                   <a:solidFill>
                     <a:srgbClr val="000000"/>
                   </a:solidFill>
@@ -7843,7 +7851,7 @@
             </a:ln>
             <a:extLst>
               <a:ext uri="{91240B29-F687-4f45-9708-019B960494DF}">
-                <a14:hiddenLine xmlns:a14="http://schemas.microsoft.com/office/drawing/2010/main" xmlns="" w="9525">
+                <a14:hiddenLine xmlns="" xmlns:a14="http://schemas.microsoft.com/office/drawing/2010/main" w="9525">
                   <a:solidFill>
                     <a:srgbClr val="000000"/>
                   </a:solidFill>
@@ -7933,7 +7941,7 @@
             </a:ln>
             <a:extLst>
               <a:ext uri="{91240B29-F687-4f45-9708-019B960494DF}">
-                <a14:hiddenLine xmlns:a14="http://schemas.microsoft.com/office/drawing/2010/main" xmlns="" w="9525">
+                <a14:hiddenLine xmlns="" xmlns:a14="http://schemas.microsoft.com/office/drawing/2010/main" w="9525">
                   <a:solidFill>
                     <a:srgbClr val="000000"/>
                   </a:solidFill>
@@ -8001,7 +8009,7 @@
             </a:ln>
             <a:extLst>
               <a:ext uri="{91240B29-F687-4f45-9708-019B960494DF}">
-                <a14:hiddenLine xmlns:a14="http://schemas.microsoft.com/office/drawing/2010/main" xmlns="" w="9525">
+                <a14:hiddenLine xmlns="" xmlns:a14="http://schemas.microsoft.com/office/drawing/2010/main" w="9525">
                   <a:solidFill>
                     <a:srgbClr val="000000"/>
                   </a:solidFill>
@@ -8091,7 +8099,7 @@
             </a:ln>
             <a:extLst>
               <a:ext uri="{91240B29-F687-4f45-9708-019B960494DF}">
-                <a14:hiddenLine xmlns:a14="http://schemas.microsoft.com/office/drawing/2010/main" xmlns="" w="9525">
+                <a14:hiddenLine xmlns="" xmlns:a14="http://schemas.microsoft.com/office/drawing/2010/main" w="9525">
                   <a:solidFill>
                     <a:srgbClr val="000000"/>
                   </a:solidFill>
@@ -8159,7 +8167,7 @@
             </a:ln>
             <a:extLst>
               <a:ext uri="{91240B29-F687-4f45-9708-019B960494DF}">
-                <a14:hiddenLine xmlns:a14="http://schemas.microsoft.com/office/drawing/2010/main" xmlns="" w="9525">
+                <a14:hiddenLine xmlns="" xmlns:a14="http://schemas.microsoft.com/office/drawing/2010/main" w="9525">
                   <a:solidFill>
                     <a:srgbClr val="000000"/>
                   </a:solidFill>
@@ -8249,7 +8257,7 @@
             </a:ln>
             <a:extLst>
               <a:ext uri="{91240B29-F687-4f45-9708-019B960494DF}">
-                <a14:hiddenLine xmlns:a14="http://schemas.microsoft.com/office/drawing/2010/main" xmlns="" w="9525">
+                <a14:hiddenLine xmlns="" xmlns:a14="http://schemas.microsoft.com/office/drawing/2010/main" w="9525">
                   <a:solidFill>
                     <a:srgbClr val="000000"/>
                   </a:solidFill>
@@ -8283,7 +8291,7 @@
             </a:ln>
             <a:extLst>
               <a:ext uri="{91240B29-F687-4f45-9708-019B960494DF}">
-                <a14:hiddenLine xmlns:a14="http://schemas.microsoft.com/office/drawing/2010/main" xmlns="" w="9525">
+                <a14:hiddenLine xmlns="" xmlns:a14="http://schemas.microsoft.com/office/drawing/2010/main" w="9525">
                   <a:solidFill>
                     <a:srgbClr val="000000"/>
                   </a:solidFill>
@@ -8373,7 +8381,7 @@
             </a:ln>
             <a:extLst>
               <a:ext uri="{91240B29-F687-4f45-9708-019B960494DF}">
-                <a14:hiddenLine xmlns:a14="http://schemas.microsoft.com/office/drawing/2010/main" xmlns="" w="9525">
+                <a14:hiddenLine xmlns="" xmlns:a14="http://schemas.microsoft.com/office/drawing/2010/main" w="9525">
                   <a:solidFill>
                     <a:srgbClr val="000000"/>
                   </a:solidFill>
@@ -8435,7 +8443,7 @@
             </a:ln>
             <a:extLst>
               <a:ext uri="{91240B29-F687-4f45-9708-019B960494DF}">
-                <a14:hiddenLine xmlns:a14="http://schemas.microsoft.com/office/drawing/2010/main" xmlns="" w="9525">
+                <a14:hiddenLine xmlns="" xmlns:a14="http://schemas.microsoft.com/office/drawing/2010/main" w="9525">
                   <a:solidFill>
                     <a:srgbClr val="000000"/>
                   </a:solidFill>
@@ -8497,7 +8505,7 @@
             </a:ln>
             <a:extLst>
               <a:ext uri="{91240B29-F687-4f45-9708-019B960494DF}">
-                <a14:hiddenLine xmlns:a14="http://schemas.microsoft.com/office/drawing/2010/main" xmlns="" w="9525">
+                <a14:hiddenLine xmlns="" xmlns:a14="http://schemas.microsoft.com/office/drawing/2010/main" w="9525">
                   <a:solidFill>
                     <a:srgbClr val="000000"/>
                   </a:solidFill>
@@ -8587,7 +8595,7 @@
             </a:ln>
             <a:extLst>
               <a:ext uri="{91240B29-F687-4f45-9708-019B960494DF}">
-                <a14:hiddenLine xmlns:a14="http://schemas.microsoft.com/office/drawing/2010/main" xmlns="" w="9525">
+                <a14:hiddenLine xmlns="" xmlns:a14="http://schemas.microsoft.com/office/drawing/2010/main" w="9525">
                   <a:solidFill>
                     <a:srgbClr val="000000"/>
                   </a:solidFill>
@@ -8655,7 +8663,7 @@
             </a:ln>
             <a:extLst>
               <a:ext uri="{91240B29-F687-4f45-9708-019B960494DF}">
-                <a14:hiddenLine xmlns:a14="http://schemas.microsoft.com/office/drawing/2010/main" xmlns="" w="9525">
+                <a14:hiddenLine xmlns="" xmlns:a14="http://schemas.microsoft.com/office/drawing/2010/main" w="9525">
                   <a:solidFill>
                     <a:srgbClr val="000000"/>
                   </a:solidFill>
@@ -8717,7 +8725,7 @@
             </a:ln>
             <a:extLst>
               <a:ext uri="{91240B29-F687-4f45-9708-019B960494DF}">
-                <a14:hiddenLine xmlns:a14="http://schemas.microsoft.com/office/drawing/2010/main" xmlns="" w="9525">
+                <a14:hiddenLine xmlns="" xmlns:a14="http://schemas.microsoft.com/office/drawing/2010/main" w="9525">
                   <a:solidFill>
                     <a:srgbClr val="000000"/>
                   </a:solidFill>
@@ -8807,7 +8815,7 @@
             </a:ln>
             <a:extLst>
               <a:ext uri="{91240B29-F687-4f45-9708-019B960494DF}">
-                <a14:hiddenLine xmlns:a14="http://schemas.microsoft.com/office/drawing/2010/main" xmlns="" w="9525">
+                <a14:hiddenLine xmlns="" xmlns:a14="http://schemas.microsoft.com/office/drawing/2010/main" w="9525">
                   <a:solidFill>
                     <a:srgbClr val="000000"/>
                   </a:solidFill>
@@ -8869,7 +8877,7 @@
             </a:ln>
             <a:extLst>
               <a:ext uri="{91240B29-F687-4f45-9708-019B960494DF}">
-                <a14:hiddenLine xmlns:a14="http://schemas.microsoft.com/office/drawing/2010/main" xmlns="" w="9525">
+                <a14:hiddenLine xmlns="" xmlns:a14="http://schemas.microsoft.com/office/drawing/2010/main" w="9525">
                   <a:solidFill>
                     <a:srgbClr val="000000"/>
                   </a:solidFill>
@@ -8959,7 +8967,7 @@
             </a:ln>
             <a:extLst>
               <a:ext uri="{91240B29-F687-4f45-9708-019B960494DF}">
-                <a14:hiddenLine xmlns:a14="http://schemas.microsoft.com/office/drawing/2010/main" xmlns="" w="9525">
+                <a14:hiddenLine xmlns="" xmlns:a14="http://schemas.microsoft.com/office/drawing/2010/main" w="9525">
                   <a:solidFill>
                     <a:srgbClr val="000000"/>
                   </a:solidFill>
@@ -9021,7 +9029,7 @@
             </a:ln>
             <a:extLst>
               <a:ext uri="{91240B29-F687-4f45-9708-019B960494DF}">
-                <a14:hiddenLine xmlns:a14="http://schemas.microsoft.com/office/drawing/2010/main" xmlns="" w="9525">
+                <a14:hiddenLine xmlns="" xmlns:a14="http://schemas.microsoft.com/office/drawing/2010/main" w="9525">
                   <a:solidFill>
                     <a:srgbClr val="000000"/>
                   </a:solidFill>
@@ -9111,7 +9119,7 @@
             </a:ln>
             <a:extLst>
               <a:ext uri="{91240B29-F687-4f45-9708-019B960494DF}">
-                <a14:hiddenLine xmlns:a14="http://schemas.microsoft.com/office/drawing/2010/main" xmlns="" w="9525">
+                <a14:hiddenLine xmlns="" xmlns:a14="http://schemas.microsoft.com/office/drawing/2010/main" w="9525">
                   <a:solidFill>
                     <a:srgbClr val="000000"/>
                   </a:solidFill>
@@ -9145,7 +9153,7 @@
             </a:ln>
             <a:extLst>
               <a:ext uri="{91240B29-F687-4f45-9708-019B960494DF}">
-                <a14:hiddenLine xmlns:a14="http://schemas.microsoft.com/office/drawing/2010/main" xmlns="" w="9525">
+                <a14:hiddenLine xmlns="" xmlns:a14="http://schemas.microsoft.com/office/drawing/2010/main" w="9525">
                   <a:solidFill>
                     <a:srgbClr val="000000"/>
                   </a:solidFill>
@@ -9210,7 +9218,7 @@
             </a:ln>
             <a:extLst>
               <a:ext uri="{91240B29-F687-4f45-9708-019B960494DF}">
-                <a14:hiddenLine xmlns:a14="http://schemas.microsoft.com/office/drawing/2010/main" xmlns="" w="9525">
+                <a14:hiddenLine xmlns="" xmlns:a14="http://schemas.microsoft.com/office/drawing/2010/main" w="9525">
                   <a:solidFill>
                     <a:srgbClr val="000000"/>
                   </a:solidFill>
@@ -9300,7 +9308,7 @@
             </a:ln>
             <a:extLst>
               <a:ext uri="{91240B29-F687-4f45-9708-019B960494DF}">
-                <a14:hiddenLine xmlns:a14="http://schemas.microsoft.com/office/drawing/2010/main" xmlns="" w="9525">
+                <a14:hiddenLine xmlns="" xmlns:a14="http://schemas.microsoft.com/office/drawing/2010/main" w="9525">
                   <a:solidFill>
                     <a:srgbClr val="000000"/>
                   </a:solidFill>
@@ -9362,7 +9370,7 @@
             </a:ln>
             <a:extLst>
               <a:ext uri="{91240B29-F687-4f45-9708-019B960494DF}">
-                <a14:hiddenLine xmlns:a14="http://schemas.microsoft.com/office/drawing/2010/main" xmlns="" w="9525">
+                <a14:hiddenLine xmlns="" xmlns:a14="http://schemas.microsoft.com/office/drawing/2010/main" w="9525">
                   <a:solidFill>
                     <a:srgbClr val="000000"/>
                   </a:solidFill>
@@ -9452,7 +9460,7 @@
             </a:ln>
             <a:extLst>
               <a:ext uri="{91240B29-F687-4f45-9708-019B960494DF}">
-                <a14:hiddenLine xmlns:a14="http://schemas.microsoft.com/office/drawing/2010/main" xmlns="" w="9525">
+                <a14:hiddenLine xmlns="" xmlns:a14="http://schemas.microsoft.com/office/drawing/2010/main" w="9525">
                   <a:solidFill>
                     <a:srgbClr val="000000"/>
                   </a:solidFill>
@@ -9542,7 +9550,7 @@
             </a:ln>
             <a:extLst>
               <a:ext uri="{91240B29-F687-4f45-9708-019B960494DF}">
-                <a14:hiddenLine xmlns:a14="http://schemas.microsoft.com/office/drawing/2010/main" xmlns="" w="9525">
+                <a14:hiddenLine xmlns="" xmlns:a14="http://schemas.microsoft.com/office/drawing/2010/main" w="9525">
                   <a:solidFill>
                     <a:srgbClr val="000000"/>
                   </a:solidFill>
@@ -9607,7 +9615,7 @@
             </a:ln>
             <a:extLst>
               <a:ext uri="{91240B29-F687-4f45-9708-019B960494DF}">
-                <a14:hiddenLine xmlns:a14="http://schemas.microsoft.com/office/drawing/2010/main" xmlns="" w="9525">
+                <a14:hiddenLine xmlns="" xmlns:a14="http://schemas.microsoft.com/office/drawing/2010/main" w="9525">
                   <a:solidFill>
                     <a:srgbClr val="000000"/>
                   </a:solidFill>
@@ -9669,7 +9677,7 @@
             </a:ln>
             <a:extLst>
               <a:ext uri="{91240B29-F687-4f45-9708-019B960494DF}">
-                <a14:hiddenLine xmlns:a14="http://schemas.microsoft.com/office/drawing/2010/main" xmlns="" w="9525">
+                <a14:hiddenLine xmlns="" xmlns:a14="http://schemas.microsoft.com/office/drawing/2010/main" w="9525">
                   <a:solidFill>
                     <a:srgbClr val="000000"/>
                   </a:solidFill>
@@ -9759,7 +9767,7 @@
             </a:ln>
             <a:extLst>
               <a:ext uri="{91240B29-F687-4f45-9708-019B960494DF}">
-                <a14:hiddenLine xmlns:a14="http://schemas.microsoft.com/office/drawing/2010/main" xmlns="" w="9525">
+                <a14:hiddenLine xmlns="" xmlns:a14="http://schemas.microsoft.com/office/drawing/2010/main" w="9525">
                   <a:solidFill>
                     <a:srgbClr val="000000"/>
                   </a:solidFill>
@@ -9849,7 +9857,7 @@
             </a:ln>
             <a:extLst>
               <a:ext uri="{91240B29-F687-4f45-9708-019B960494DF}">
-                <a14:hiddenLine xmlns:a14="http://schemas.microsoft.com/office/drawing/2010/main" xmlns="" w="9525">
+                <a14:hiddenLine xmlns="" xmlns:a14="http://schemas.microsoft.com/office/drawing/2010/main" w="9525">
                   <a:solidFill>
                     <a:srgbClr val="000000"/>
                   </a:solidFill>
@@ -9911,7 +9919,7 @@
             </a:ln>
             <a:extLst>
               <a:ext uri="{91240B29-F687-4f45-9708-019B960494DF}">
-                <a14:hiddenLine xmlns:a14="http://schemas.microsoft.com/office/drawing/2010/main" xmlns="" w="9525">
+                <a14:hiddenLine xmlns="" xmlns:a14="http://schemas.microsoft.com/office/drawing/2010/main" w="9525">
                   <a:solidFill>
                     <a:srgbClr val="000000"/>
                   </a:solidFill>
@@ -10031,7 +10039,7 @@
             </a:ln>
             <a:extLst>
               <a:ext uri="{91240B29-F687-4f45-9708-019B960494DF}">
-                <a14:hiddenLine xmlns:a14="http://schemas.microsoft.com/office/drawing/2010/main" xmlns="" w="9525">
+                <a14:hiddenLine xmlns="" xmlns:a14="http://schemas.microsoft.com/office/drawing/2010/main" w="9525">
                   <a:solidFill>
                     <a:srgbClr val="000000"/>
                   </a:solidFill>
@@ -10099,7 +10107,7 @@
             </a:ln>
             <a:extLst>
               <a:ext uri="{91240B29-F687-4f45-9708-019B960494DF}">
-                <a14:hiddenLine xmlns:a14="http://schemas.microsoft.com/office/drawing/2010/main" xmlns="" w="9525">
+                <a14:hiddenLine xmlns="" xmlns:a14="http://schemas.microsoft.com/office/drawing/2010/main" w="9525">
                   <a:solidFill>
                     <a:srgbClr val="000000"/>
                   </a:solidFill>
@@ -10189,7 +10197,7 @@
             </a:ln>
             <a:extLst>
               <a:ext uri="{91240B29-F687-4f45-9708-019B960494DF}">
-                <a14:hiddenLine xmlns:a14="http://schemas.microsoft.com/office/drawing/2010/main" xmlns="" w="9525">
+                <a14:hiddenLine xmlns="" xmlns:a14="http://schemas.microsoft.com/office/drawing/2010/main" w="9525">
                   <a:solidFill>
                     <a:srgbClr val="000000"/>
                   </a:solidFill>
@@ -15003,7 +15011,7 @@
           <a:noFill/>
           <a:extLst>
             <a:ext uri="{909E8E84-426E-40dd-AFC4-6F175D3DCCD1}">
-              <a14:hiddenFill xmlns:a14="http://schemas.microsoft.com/office/drawing/2010/main" xmlns="">
+              <a14:hiddenFill xmlns="" xmlns:a14="http://schemas.microsoft.com/office/drawing/2010/main">
                 <a:solidFill>
                   <a:srgbClr val="FFFFFF"/>
                 </a:solidFill>
@@ -15077,7 +15085,7 @@
               </a:ln>
               <a:extLst>
                 <a:ext uri="{91240B29-F687-4f45-9708-019B960494DF}">
-                  <a14:hiddenLine xmlns:a14="http://schemas.microsoft.com/office/drawing/2010/main" xmlns="" w="9525">
+                  <a14:hiddenLine xmlns="" xmlns:a14="http://schemas.microsoft.com/office/drawing/2010/main" w="9525">
                     <a:solidFill>
                       <a:srgbClr val="000000"/>
                     </a:solidFill>
@@ -15167,7 +15175,7 @@
               </a:ln>
               <a:extLst>
                 <a:ext uri="{91240B29-F687-4f45-9708-019B960494DF}">
-                  <a14:hiddenLine xmlns:a14="http://schemas.microsoft.com/office/drawing/2010/main" xmlns="" w="9525">
+                  <a14:hiddenLine xmlns="" xmlns:a14="http://schemas.microsoft.com/office/drawing/2010/main" w="9525">
                     <a:solidFill>
                       <a:srgbClr val="000000"/>
                     </a:solidFill>
@@ -15257,7 +15265,7 @@
               </a:ln>
               <a:extLst>
                 <a:ext uri="{91240B29-F687-4f45-9708-019B960494DF}">
-                  <a14:hiddenLine xmlns:a14="http://schemas.microsoft.com/office/drawing/2010/main" xmlns="" w="9525">
+                  <a14:hiddenLine xmlns="" xmlns:a14="http://schemas.microsoft.com/office/drawing/2010/main" w="9525">
                     <a:solidFill>
                       <a:srgbClr val="000000"/>
                     </a:solidFill>
@@ -15319,7 +15327,7 @@
               </a:ln>
               <a:extLst>
                 <a:ext uri="{91240B29-F687-4f45-9708-019B960494DF}">
-                  <a14:hiddenLine xmlns:a14="http://schemas.microsoft.com/office/drawing/2010/main" xmlns="" w="9525">
+                  <a14:hiddenLine xmlns="" xmlns:a14="http://schemas.microsoft.com/office/drawing/2010/main" w="9525">
                     <a:solidFill>
                       <a:srgbClr val="000000"/>
                     </a:solidFill>
@@ -15409,7 +15417,7 @@
               </a:ln>
               <a:extLst>
                 <a:ext uri="{91240B29-F687-4f45-9708-019B960494DF}">
-                  <a14:hiddenLine xmlns:a14="http://schemas.microsoft.com/office/drawing/2010/main" xmlns="" w="9525">
+                  <a14:hiddenLine xmlns="" xmlns:a14="http://schemas.microsoft.com/office/drawing/2010/main" w="9525">
                     <a:solidFill>
                       <a:srgbClr val="000000"/>
                     </a:solidFill>
@@ -15471,7 +15479,7 @@
               </a:ln>
               <a:extLst>
                 <a:ext uri="{91240B29-F687-4f45-9708-019B960494DF}">
-                  <a14:hiddenLine xmlns:a14="http://schemas.microsoft.com/office/drawing/2010/main" xmlns="" w="9525">
+                  <a14:hiddenLine xmlns="" xmlns:a14="http://schemas.microsoft.com/office/drawing/2010/main" w="9525">
                     <a:solidFill>
                       <a:srgbClr val="000000"/>
                     </a:solidFill>
@@ -15533,7 +15541,7 @@
               </a:ln>
               <a:extLst>
                 <a:ext uri="{91240B29-F687-4f45-9708-019B960494DF}">
-                  <a14:hiddenLine xmlns:a14="http://schemas.microsoft.com/office/drawing/2010/main" xmlns="" w="9525">
+                  <a14:hiddenLine xmlns="" xmlns:a14="http://schemas.microsoft.com/office/drawing/2010/main" w="9525">
                     <a:solidFill>
                       <a:srgbClr val="000000"/>
                     </a:solidFill>
@@ -15623,7 +15631,7 @@
               </a:ln>
               <a:extLst>
                 <a:ext uri="{91240B29-F687-4f45-9708-019B960494DF}">
-                  <a14:hiddenLine xmlns:a14="http://schemas.microsoft.com/office/drawing/2010/main" xmlns="" w="9525">
+                  <a14:hiddenLine xmlns="" xmlns:a14="http://schemas.microsoft.com/office/drawing/2010/main" w="9525">
                     <a:solidFill>
                       <a:srgbClr val="000000"/>
                     </a:solidFill>
@@ -15713,7 +15721,7 @@
               </a:ln>
               <a:extLst>
                 <a:ext uri="{91240B29-F687-4f45-9708-019B960494DF}">
-                  <a14:hiddenLine xmlns:a14="http://schemas.microsoft.com/office/drawing/2010/main" xmlns="" w="9525">
+                  <a14:hiddenLine xmlns="" xmlns:a14="http://schemas.microsoft.com/office/drawing/2010/main" w="9525">
                     <a:solidFill>
                       <a:srgbClr val="000000"/>
                     </a:solidFill>
@@ -15775,7 +15783,7 @@
               </a:ln>
               <a:extLst>
                 <a:ext uri="{91240B29-F687-4f45-9708-019B960494DF}">
-                  <a14:hiddenLine xmlns:a14="http://schemas.microsoft.com/office/drawing/2010/main" xmlns="" w="9525">
+                  <a14:hiddenLine xmlns="" xmlns:a14="http://schemas.microsoft.com/office/drawing/2010/main" w="9525">
                     <a:solidFill>
                       <a:srgbClr val="000000"/>
                     </a:solidFill>
@@ -15885,7 +15893,7 @@
               </a:ln>
               <a:extLst>
                 <a:ext uri="{91240B29-F687-4f45-9708-019B960494DF}">
-                  <a14:hiddenLine xmlns:a14="http://schemas.microsoft.com/office/drawing/2010/main" xmlns="" w="9525">
+                  <a14:hiddenLine xmlns="" xmlns:a14="http://schemas.microsoft.com/office/drawing/2010/main" w="9525">
                     <a:solidFill>
                       <a:srgbClr val="000000"/>
                     </a:solidFill>
@@ -15969,7 +15977,7 @@
               </a:ln>
               <a:extLst>
                 <a:ext uri="{91240B29-F687-4f45-9708-019B960494DF}">
-                  <a14:hiddenLine xmlns:a14="http://schemas.microsoft.com/office/drawing/2010/main" xmlns="" w="9525">
+                  <a14:hiddenLine xmlns="" xmlns:a14="http://schemas.microsoft.com/office/drawing/2010/main" w="9525">
                     <a:solidFill>
                       <a:srgbClr val="000000"/>
                     </a:solidFill>
@@ -16031,7 +16039,7 @@
               </a:ln>
               <a:extLst>
                 <a:ext uri="{91240B29-F687-4f45-9708-019B960494DF}">
-                  <a14:hiddenLine xmlns:a14="http://schemas.microsoft.com/office/drawing/2010/main" xmlns="" w="9525">
+                  <a14:hiddenLine xmlns="" xmlns:a14="http://schemas.microsoft.com/office/drawing/2010/main" w="9525">
                     <a:solidFill>
                       <a:srgbClr val="000000"/>
                     </a:solidFill>
@@ -16093,7 +16101,7 @@
               </a:ln>
               <a:extLst>
                 <a:ext uri="{91240B29-F687-4f45-9708-019B960494DF}">
-                  <a14:hiddenLine xmlns:a14="http://schemas.microsoft.com/office/drawing/2010/main" xmlns="" w="9525">
+                  <a14:hiddenLine xmlns="" xmlns:a14="http://schemas.microsoft.com/office/drawing/2010/main" w="9525">
                     <a:solidFill>
                       <a:srgbClr val="000000"/>
                     </a:solidFill>
@@ -16183,7 +16191,7 @@
               </a:ln>
               <a:extLst>
                 <a:ext uri="{91240B29-F687-4f45-9708-019B960494DF}">
-                  <a14:hiddenLine xmlns:a14="http://schemas.microsoft.com/office/drawing/2010/main" xmlns="" w="9525">
+                  <a14:hiddenLine xmlns="" xmlns:a14="http://schemas.microsoft.com/office/drawing/2010/main" w="9525">
                     <a:solidFill>
                       <a:srgbClr val="000000"/>
                     </a:solidFill>
@@ -16217,7 +16225,7 @@
               </a:ln>
               <a:extLst>
                 <a:ext uri="{91240B29-F687-4f45-9708-019B960494DF}">
-                  <a14:hiddenLine xmlns:a14="http://schemas.microsoft.com/office/drawing/2010/main" xmlns="" w="9525">
+                  <a14:hiddenLine xmlns="" xmlns:a14="http://schemas.microsoft.com/office/drawing/2010/main" w="9525">
                     <a:solidFill>
                       <a:srgbClr val="000000"/>
                     </a:solidFill>
@@ -16282,7 +16290,7 @@
               </a:ln>
               <a:extLst>
                 <a:ext uri="{91240B29-F687-4f45-9708-019B960494DF}">
-                  <a14:hiddenLine xmlns:a14="http://schemas.microsoft.com/office/drawing/2010/main" xmlns="" w="9525">
+                  <a14:hiddenLine xmlns="" xmlns:a14="http://schemas.microsoft.com/office/drawing/2010/main" w="9525">
                     <a:solidFill>
                       <a:srgbClr val="000000"/>
                     </a:solidFill>
@@ -16372,7 +16380,7 @@
               </a:ln>
               <a:extLst>
                 <a:ext uri="{91240B29-F687-4f45-9708-019B960494DF}">
-                  <a14:hiddenLine xmlns:a14="http://schemas.microsoft.com/office/drawing/2010/main" xmlns="" w="9525">
+                  <a14:hiddenLine xmlns="" xmlns:a14="http://schemas.microsoft.com/office/drawing/2010/main" w="9525">
                     <a:solidFill>
                       <a:srgbClr val="000000"/>
                     </a:solidFill>
@@ -16434,7 +16442,7 @@
               </a:ln>
               <a:extLst>
                 <a:ext uri="{91240B29-F687-4f45-9708-019B960494DF}">
-                  <a14:hiddenLine xmlns:a14="http://schemas.microsoft.com/office/drawing/2010/main" xmlns="" w="9525">
+                  <a14:hiddenLine xmlns="" xmlns:a14="http://schemas.microsoft.com/office/drawing/2010/main" w="9525">
                     <a:solidFill>
                       <a:srgbClr val="000000"/>
                     </a:solidFill>
@@ -16524,7 +16532,7 @@
               </a:ln>
               <a:extLst>
                 <a:ext uri="{91240B29-F687-4f45-9708-019B960494DF}">
-                  <a14:hiddenLine xmlns:a14="http://schemas.microsoft.com/office/drawing/2010/main" xmlns="" w="9525">
+                  <a14:hiddenLine xmlns="" xmlns:a14="http://schemas.microsoft.com/office/drawing/2010/main" w="9525">
                     <a:solidFill>
                       <a:srgbClr val="000000"/>
                     </a:solidFill>
@@ -16589,7 +16597,7 @@
               </a:ln>
               <a:extLst>
                 <a:ext uri="{91240B29-F687-4f45-9708-019B960494DF}">
-                  <a14:hiddenLine xmlns:a14="http://schemas.microsoft.com/office/drawing/2010/main" xmlns="" w="9525">
+                  <a14:hiddenLine xmlns="" xmlns:a14="http://schemas.microsoft.com/office/drawing/2010/main" w="9525">
                     <a:solidFill>
                       <a:srgbClr val="000000"/>
                     </a:solidFill>
@@ -16651,7 +16659,7 @@
               </a:ln>
               <a:extLst>
                 <a:ext uri="{91240B29-F687-4f45-9708-019B960494DF}">
-                  <a14:hiddenLine xmlns:a14="http://schemas.microsoft.com/office/drawing/2010/main" xmlns="" w="9525">
+                  <a14:hiddenLine xmlns="" xmlns:a14="http://schemas.microsoft.com/office/drawing/2010/main" w="9525">
                     <a:solidFill>
                       <a:srgbClr val="000000"/>
                     </a:solidFill>
@@ -16741,7 +16749,7 @@
               </a:ln>
               <a:extLst>
                 <a:ext uri="{91240B29-F687-4f45-9708-019B960494DF}">
-                  <a14:hiddenLine xmlns:a14="http://schemas.microsoft.com/office/drawing/2010/main" xmlns="" w="9525">
+                  <a14:hiddenLine xmlns="" xmlns:a14="http://schemas.microsoft.com/office/drawing/2010/main" w="9525">
                     <a:solidFill>
                       <a:srgbClr val="000000"/>
                     </a:solidFill>
@@ -16831,7 +16839,7 @@
               </a:ln>
               <a:extLst>
                 <a:ext uri="{91240B29-F687-4f45-9708-019B960494DF}">
-                  <a14:hiddenLine xmlns:a14="http://schemas.microsoft.com/office/drawing/2010/main" xmlns="" w="9525">
+                  <a14:hiddenLine xmlns="" xmlns:a14="http://schemas.microsoft.com/office/drawing/2010/main" w="9525">
                     <a:solidFill>
                       <a:srgbClr val="000000"/>
                     </a:solidFill>
@@ -16896,7 +16904,7 @@
               </a:ln>
               <a:extLst>
                 <a:ext uri="{91240B29-F687-4f45-9708-019B960494DF}">
-                  <a14:hiddenLine xmlns:a14="http://schemas.microsoft.com/office/drawing/2010/main" xmlns="" w="9525">
+                  <a14:hiddenLine xmlns="" xmlns:a14="http://schemas.microsoft.com/office/drawing/2010/main" w="9525">
                     <a:solidFill>
                       <a:srgbClr val="000000"/>
                     </a:solidFill>
@@ -17016,7 +17024,7 @@
               </a:ln>
               <a:extLst>
                 <a:ext uri="{91240B29-F687-4f45-9708-019B960494DF}">
-                  <a14:hiddenLine xmlns:a14="http://schemas.microsoft.com/office/drawing/2010/main" xmlns="" w="9525">
+                  <a14:hiddenLine xmlns="" xmlns:a14="http://schemas.microsoft.com/office/drawing/2010/main" w="9525">
                     <a:solidFill>
                       <a:srgbClr val="000000"/>
                     </a:solidFill>
@@ -17097,7 +17105,7 @@
               </a:ln>
               <a:extLst>
                 <a:ext uri="{91240B29-F687-4f45-9708-019B960494DF}">
-                  <a14:hiddenLine xmlns:a14="http://schemas.microsoft.com/office/drawing/2010/main" xmlns="" w="9525">
+                  <a14:hiddenLine xmlns="" xmlns:a14="http://schemas.microsoft.com/office/drawing/2010/main" w="9525">
                     <a:solidFill>
                       <a:srgbClr val="000000"/>
                     </a:solidFill>
@@ -17212,7 +17220,7 @@
               </a:ln>
               <a:extLst>
                 <a:ext uri="{91240B29-F687-4f45-9708-019B960494DF}">
-                  <a14:hiddenLine xmlns:a14="http://schemas.microsoft.com/office/drawing/2010/main" xmlns="" w="9525">
+                  <a14:hiddenLine xmlns="" xmlns:a14="http://schemas.microsoft.com/office/drawing/2010/main" w="9525">
                     <a:solidFill>
                       <a:srgbClr val="000000"/>
                     </a:solidFill>
@@ -17302,7 +17310,7 @@
               </a:ln>
               <a:extLst>
                 <a:ext uri="{91240B29-F687-4f45-9708-019B960494DF}">
-                  <a14:hiddenLine xmlns:a14="http://schemas.microsoft.com/office/drawing/2010/main" xmlns="" w="9525">
+                  <a14:hiddenLine xmlns="" xmlns:a14="http://schemas.microsoft.com/office/drawing/2010/main" w="9525">
                     <a:solidFill>
                       <a:srgbClr val="000000"/>
                     </a:solidFill>
@@ -17367,7 +17375,7 @@
               </a:ln>
               <a:extLst>
                 <a:ext uri="{91240B29-F687-4f45-9708-019B960494DF}">
-                  <a14:hiddenLine xmlns:a14="http://schemas.microsoft.com/office/drawing/2010/main" xmlns="" w="9525">
+                  <a14:hiddenLine xmlns="" xmlns:a14="http://schemas.microsoft.com/office/drawing/2010/main" w="9525">
                     <a:solidFill>
                       <a:srgbClr val="000000"/>
                     </a:solidFill>
@@ -17457,7 +17465,7 @@
               </a:ln>
               <a:extLst>
                 <a:ext uri="{91240B29-F687-4f45-9708-019B960494DF}">
-                  <a14:hiddenLine xmlns:a14="http://schemas.microsoft.com/office/drawing/2010/main" xmlns="" w="9525">
+                  <a14:hiddenLine xmlns="" xmlns:a14="http://schemas.microsoft.com/office/drawing/2010/main" w="9525">
                     <a:solidFill>
                       <a:srgbClr val="000000"/>
                     </a:solidFill>
@@ -17525,7 +17533,7 @@
               </a:ln>
               <a:extLst>
                 <a:ext uri="{91240B29-F687-4f45-9708-019B960494DF}">
-                  <a14:hiddenLine xmlns:a14="http://schemas.microsoft.com/office/drawing/2010/main" xmlns="" w="9525">
+                  <a14:hiddenLine xmlns="" xmlns:a14="http://schemas.microsoft.com/office/drawing/2010/main" w="9525">
                     <a:solidFill>
                       <a:srgbClr val="000000"/>
                     </a:solidFill>
@@ -17615,7 +17623,7 @@
               </a:ln>
               <a:extLst>
                 <a:ext uri="{91240B29-F687-4f45-9708-019B960494DF}">
-                  <a14:hiddenLine xmlns:a14="http://schemas.microsoft.com/office/drawing/2010/main" xmlns="" w="9525">
+                  <a14:hiddenLine xmlns="" xmlns:a14="http://schemas.microsoft.com/office/drawing/2010/main" w="9525">
                     <a:solidFill>
                       <a:srgbClr val="000000"/>
                     </a:solidFill>
@@ -17683,7 +17691,7 @@
               </a:ln>
               <a:extLst>
                 <a:ext uri="{91240B29-F687-4f45-9708-019B960494DF}">
-                  <a14:hiddenLine xmlns:a14="http://schemas.microsoft.com/office/drawing/2010/main" xmlns="" w="9525">
+                  <a14:hiddenLine xmlns="" xmlns:a14="http://schemas.microsoft.com/office/drawing/2010/main" w="9525">
                     <a:solidFill>
                       <a:srgbClr val="000000"/>
                     </a:solidFill>
@@ -17773,7 +17781,7 @@
               </a:ln>
               <a:extLst>
                 <a:ext uri="{91240B29-F687-4f45-9708-019B960494DF}">
-                  <a14:hiddenLine xmlns:a14="http://schemas.microsoft.com/office/drawing/2010/main" xmlns="" w="9525">
+                  <a14:hiddenLine xmlns="" xmlns:a14="http://schemas.microsoft.com/office/drawing/2010/main" w="9525">
                     <a:solidFill>
                       <a:srgbClr val="000000"/>
                     </a:solidFill>
@@ -17807,7 +17815,7 @@
               </a:ln>
               <a:extLst>
                 <a:ext uri="{91240B29-F687-4f45-9708-019B960494DF}">
-                  <a14:hiddenLine xmlns:a14="http://schemas.microsoft.com/office/drawing/2010/main" xmlns="" w="9525">
+                  <a14:hiddenLine xmlns="" xmlns:a14="http://schemas.microsoft.com/office/drawing/2010/main" w="9525">
                     <a:solidFill>
                       <a:srgbClr val="000000"/>
                     </a:solidFill>
@@ -18537,7 +18545,7 @@
             <a:noFill/>
             <a:extLst>
               <a:ext uri="{909E8E84-426E-40dd-AFC4-6F175D3DCCD1}">
-                <a14:hiddenFill xmlns="" xmlns:a16="http://schemas.microsoft.com/office/drawing/2014/main" xmlns:p14="http://schemas.microsoft.com/office/powerpoint/2010/main" xmlns:a14="http://schemas.microsoft.com/office/drawing/2010/main">
+                <a14:hiddenFill xmlns:a14="http://schemas.microsoft.com/office/drawing/2010/main" xmlns:p14="http://schemas.microsoft.com/office/powerpoint/2010/main" xmlns:a16="http://schemas.microsoft.com/office/drawing/2014/main" xmlns="">
                   <a:solidFill>
                     <a:srgbClr val="FFFFFF"/>
                   </a:solidFill>
@@ -21021,7 +21029,7 @@
             <p:ph idx="1"/>
             <p:extLst>
               <p:ext uri="{D42A27DB-BD31-4B8C-83A1-F6EECF244321}">
-                <p14:modId xmlns:p14="http://schemas.microsoft.com/office/powerpoint/2010/main" val="2788357570"/>
+                <p14:modId xmlns:p14="http://schemas.microsoft.com/office/powerpoint/2010/main" val="580556015"/>
               </p:ext>
             </p:extLst>
           </p:nvPr>
@@ -21120,7 +21128,7 @@
             </a:pPr>
             <a:r>
               <a:rPr lang="it-IT" dirty="0"/>
-              <a:t>Permettere all’utente di informarsi su temi di attualità e sviluppare nuove competenze su varie tematiche, in modo efficace e allo stesso divertente, tramite convegni di esperti e i quiz proposti.</a:t>
+              <a:t>Permettere all’utente di informarsi su temi di attualità e sviluppare nuove competenze su varie tematiche, in modo efficace e allo stesso divertente, tramite talks tenuti da esperti e i quiz proposti.</a:t>
             </a:r>
           </a:p>
           <a:p>
@@ -21215,11 +21223,7 @@
             </a:pPr>
             <a:r>
               <a:rPr lang="it-IT" dirty="0"/>
-              <a:t>L’applicazione è rivolta a chiunque sia interessato ad espandere la propria conoscenza relativa ad argomenti di attualità, in particolar modo a studenti </a:t>
-            </a:r>
-            <a:r>
-              <a:rPr lang="it-IT"/>
-              <a:t>e giovani.</a:t>
+              <a:t>L’applicazione è rivolta a chiunque sia interessato ad espandere la propria conoscenza relativa ad argomenti di attualità, ed in particolar modo a studenti e giovani.</a:t>
             </a:r>
           </a:p>
           <a:p>

--- a/TEDxLearn.pptx
+++ b/TEDxLearn.pptx
@@ -6104,7 +6104,7 @@
           <a:noFill/>
           <a:extLst>
             <a:ext uri="{909E8E84-426E-40dd-AFC4-6F175D3DCCD1}">
-              <a14:hiddenFill xmlns:a14="http://schemas.microsoft.com/office/drawing/2010/main" xmlns="">
+              <a14:hiddenFill xmlns="" xmlns:a14="http://schemas.microsoft.com/office/drawing/2010/main">
                 <a:solidFill>
                   <a:srgbClr val="FFFFFF"/>
                 </a:solidFill>
@@ -6163,7 +6163,7 @@
             </a:ln>
             <a:extLst>
               <a:ext uri="{91240B29-F687-4f45-9708-019B960494DF}">
-                <a14:hiddenLine xmlns:a14="http://schemas.microsoft.com/office/drawing/2010/main" xmlns="" w="9525">
+                <a14:hiddenLine xmlns="" xmlns:a14="http://schemas.microsoft.com/office/drawing/2010/main" w="9525">
                   <a:solidFill>
                     <a:srgbClr val="000000"/>
                   </a:solidFill>
@@ -6253,7 +6253,7 @@
             </a:ln>
             <a:extLst>
               <a:ext uri="{91240B29-F687-4f45-9708-019B960494DF}">
-                <a14:hiddenLine xmlns:a14="http://schemas.microsoft.com/office/drawing/2010/main" xmlns="" w="9525">
+                <a14:hiddenLine xmlns="" xmlns:a14="http://schemas.microsoft.com/office/drawing/2010/main" w="9525">
                   <a:solidFill>
                     <a:srgbClr val="000000"/>
                   </a:solidFill>
@@ -6343,7 +6343,7 @@
             </a:ln>
             <a:extLst>
               <a:ext uri="{91240B29-F687-4f45-9708-019B960494DF}">
-                <a14:hiddenLine xmlns:a14="http://schemas.microsoft.com/office/drawing/2010/main" xmlns="" w="9525">
+                <a14:hiddenLine xmlns="" xmlns:a14="http://schemas.microsoft.com/office/drawing/2010/main" w="9525">
                   <a:solidFill>
                     <a:srgbClr val="000000"/>
                   </a:solidFill>
@@ -6377,7 +6377,7 @@
             </a:ln>
             <a:extLst>
               <a:ext uri="{91240B29-F687-4f45-9708-019B960494DF}">
-                <a14:hiddenLine xmlns:a14="http://schemas.microsoft.com/office/drawing/2010/main" xmlns="" w="9525">
+                <a14:hiddenLine xmlns="" xmlns:a14="http://schemas.microsoft.com/office/drawing/2010/main" w="9525">
                   <a:solidFill>
                     <a:srgbClr val="000000"/>
                   </a:solidFill>
@@ -6467,7 +6467,7 @@
             </a:ln>
             <a:extLst>
               <a:ext uri="{91240B29-F687-4f45-9708-019B960494DF}">
-                <a14:hiddenLine xmlns:a14="http://schemas.microsoft.com/office/drawing/2010/main" xmlns="" w="9525">
+                <a14:hiddenLine xmlns="" xmlns:a14="http://schemas.microsoft.com/office/drawing/2010/main" w="9525">
                   <a:solidFill>
                     <a:srgbClr val="000000"/>
                   </a:solidFill>
@@ -6529,7 +6529,7 @@
             </a:ln>
             <a:extLst>
               <a:ext uri="{91240B29-F687-4f45-9708-019B960494DF}">
-                <a14:hiddenLine xmlns:a14="http://schemas.microsoft.com/office/drawing/2010/main" xmlns="" w="9525">
+                <a14:hiddenLine xmlns="" xmlns:a14="http://schemas.microsoft.com/office/drawing/2010/main" w="9525">
                   <a:solidFill>
                     <a:srgbClr val="000000"/>
                   </a:solidFill>
@@ -6591,7 +6591,7 @@
             </a:ln>
             <a:extLst>
               <a:ext uri="{91240B29-F687-4f45-9708-019B960494DF}">
-                <a14:hiddenLine xmlns:a14="http://schemas.microsoft.com/office/drawing/2010/main" xmlns="" w="9525">
+                <a14:hiddenLine xmlns="" xmlns:a14="http://schemas.microsoft.com/office/drawing/2010/main" w="9525">
                   <a:solidFill>
                     <a:srgbClr val="000000"/>
                   </a:solidFill>
@@ -6681,7 +6681,7 @@
             </a:ln>
             <a:extLst>
               <a:ext uri="{91240B29-F687-4f45-9708-019B960494DF}">
-                <a14:hiddenLine xmlns:a14="http://schemas.microsoft.com/office/drawing/2010/main" xmlns="" w="9525">
+                <a14:hiddenLine xmlns="" xmlns:a14="http://schemas.microsoft.com/office/drawing/2010/main" w="9525">
                   <a:solidFill>
                     <a:srgbClr val="000000"/>
                   </a:solidFill>
@@ -6743,7 +6743,7 @@
             </a:ln>
             <a:extLst>
               <a:ext uri="{91240B29-F687-4f45-9708-019B960494DF}">
-                <a14:hiddenLine xmlns:a14="http://schemas.microsoft.com/office/drawing/2010/main" xmlns="" w="9525">
+                <a14:hiddenLine xmlns="" xmlns:a14="http://schemas.microsoft.com/office/drawing/2010/main" w="9525">
                   <a:solidFill>
                     <a:srgbClr val="000000"/>
                   </a:solidFill>
@@ -6805,7 +6805,7 @@
             </a:ln>
             <a:extLst>
               <a:ext uri="{91240B29-F687-4f45-9708-019B960494DF}">
-                <a14:hiddenLine xmlns:a14="http://schemas.microsoft.com/office/drawing/2010/main" xmlns="" w="9525">
+                <a14:hiddenLine xmlns="" xmlns:a14="http://schemas.microsoft.com/office/drawing/2010/main" w="9525">
                   <a:solidFill>
                     <a:srgbClr val="000000"/>
                   </a:solidFill>
@@ -6895,7 +6895,7 @@
             </a:ln>
             <a:extLst>
               <a:ext uri="{91240B29-F687-4f45-9708-019B960494DF}">
-                <a14:hiddenLine xmlns:a14="http://schemas.microsoft.com/office/drawing/2010/main" xmlns="" w="9525">
+                <a14:hiddenLine xmlns="" xmlns:a14="http://schemas.microsoft.com/office/drawing/2010/main" w="9525">
                   <a:solidFill>
                     <a:srgbClr val="000000"/>
                   </a:solidFill>
@@ -6985,7 +6985,7 @@
             </a:ln>
             <a:extLst>
               <a:ext uri="{91240B29-F687-4f45-9708-019B960494DF}">
-                <a14:hiddenLine xmlns:a14="http://schemas.microsoft.com/office/drawing/2010/main" xmlns="" w="9525">
+                <a14:hiddenLine xmlns="" xmlns:a14="http://schemas.microsoft.com/office/drawing/2010/main" w="9525">
                   <a:solidFill>
                     <a:srgbClr val="000000"/>
                   </a:solidFill>
@@ -7047,7 +7047,7 @@
             </a:ln>
             <a:extLst>
               <a:ext uri="{91240B29-F687-4f45-9708-019B960494DF}">
-                <a14:hiddenLine xmlns:a14="http://schemas.microsoft.com/office/drawing/2010/main" xmlns="" w="9525">
+                <a14:hiddenLine xmlns="" xmlns:a14="http://schemas.microsoft.com/office/drawing/2010/main" w="9525">
                   <a:solidFill>
                     <a:srgbClr val="000000"/>
                   </a:solidFill>
@@ -7157,7 +7157,7 @@
             </a:ln>
             <a:extLst>
               <a:ext uri="{91240B29-F687-4f45-9708-019B960494DF}">
-                <a14:hiddenLine xmlns:a14="http://schemas.microsoft.com/office/drawing/2010/main" xmlns="" w="9525">
+                <a14:hiddenLine xmlns="" xmlns:a14="http://schemas.microsoft.com/office/drawing/2010/main" w="9525">
                   <a:solidFill>
                     <a:srgbClr val="000000"/>
                   </a:solidFill>
@@ -7219,7 +7219,7 @@
             </a:ln>
             <a:extLst>
               <a:ext uri="{91240B29-F687-4f45-9708-019B960494DF}">
-                <a14:hiddenLine xmlns:a14="http://schemas.microsoft.com/office/drawing/2010/main" xmlns="" w="9525">
+                <a14:hiddenLine xmlns="" xmlns:a14="http://schemas.microsoft.com/office/drawing/2010/main" w="9525">
                   <a:solidFill>
                     <a:srgbClr val="000000"/>
                   </a:solidFill>
@@ -7309,7 +7309,7 @@
             </a:ln>
             <a:extLst>
               <a:ext uri="{91240B29-F687-4f45-9708-019B960494DF}">
-                <a14:hiddenLine xmlns:a14="http://schemas.microsoft.com/office/drawing/2010/main" xmlns="" w="9525">
+                <a14:hiddenLine xmlns="" xmlns:a14="http://schemas.microsoft.com/office/drawing/2010/main" w="9525">
                   <a:solidFill>
                     <a:srgbClr val="000000"/>
                   </a:solidFill>
@@ -7399,7 +7399,7 @@
             </a:ln>
             <a:extLst>
               <a:ext uri="{91240B29-F687-4f45-9708-019B960494DF}">
-                <a14:hiddenLine xmlns:a14="http://schemas.microsoft.com/office/drawing/2010/main" xmlns="" w="9525">
+                <a14:hiddenLine xmlns="" xmlns:a14="http://schemas.microsoft.com/office/drawing/2010/main" w="9525">
                   <a:solidFill>
                     <a:srgbClr val="000000"/>
                   </a:solidFill>
@@ -7461,7 +7461,7 @@
             </a:ln>
             <a:extLst>
               <a:ext uri="{91240B29-F687-4f45-9708-019B960494DF}">
-                <a14:hiddenLine xmlns:a14="http://schemas.microsoft.com/office/drawing/2010/main" xmlns="" w="9525">
+                <a14:hiddenLine xmlns="" xmlns:a14="http://schemas.microsoft.com/office/drawing/2010/main" w="9525">
                   <a:solidFill>
                     <a:srgbClr val="000000"/>
                   </a:solidFill>
@@ -7551,7 +7551,7 @@
             </a:ln>
             <a:extLst>
               <a:ext uri="{91240B29-F687-4f45-9708-019B960494DF}">
-                <a14:hiddenLine xmlns:a14="http://schemas.microsoft.com/office/drawing/2010/main" xmlns="" w="9525">
+                <a14:hiddenLine xmlns="" xmlns:a14="http://schemas.microsoft.com/office/drawing/2010/main" w="9525">
                   <a:solidFill>
                     <a:srgbClr val="000000"/>
                   </a:solidFill>
@@ -7641,7 +7641,7 @@
             </a:ln>
             <a:extLst>
               <a:ext uri="{91240B29-F687-4f45-9708-019B960494DF}">
-                <a14:hiddenLine xmlns:a14="http://schemas.microsoft.com/office/drawing/2010/main" xmlns="" w="9525">
+                <a14:hiddenLine xmlns="" xmlns:a14="http://schemas.microsoft.com/office/drawing/2010/main" w="9525">
                   <a:solidFill>
                     <a:srgbClr val="000000"/>
                   </a:solidFill>
@@ -7697,7 +7697,7 @@
             </a:ln>
             <a:extLst>
               <a:ext uri="{91240B29-F687-4f45-9708-019B960494DF}">
-                <a14:hiddenLine xmlns:a14="http://schemas.microsoft.com/office/drawing/2010/main" xmlns="" w="9525">
+                <a14:hiddenLine xmlns="" xmlns:a14="http://schemas.microsoft.com/office/drawing/2010/main" w="9525">
                   <a:solidFill>
                     <a:srgbClr val="000000"/>
                   </a:solidFill>
@@ -7787,7 +7787,7 @@
             </a:ln>
             <a:extLst>
               <a:ext uri="{91240B29-F687-4f45-9708-019B960494DF}">
-                <a14:hiddenLine xmlns:a14="http://schemas.microsoft.com/office/drawing/2010/main" xmlns="" w="9525">
+                <a14:hiddenLine xmlns="" xmlns:a14="http://schemas.microsoft.com/office/drawing/2010/main" w="9525">
                   <a:solidFill>
                     <a:srgbClr val="000000"/>
                   </a:solidFill>
@@ -7843,7 +7843,7 @@
             </a:ln>
             <a:extLst>
               <a:ext uri="{91240B29-F687-4f45-9708-019B960494DF}">
-                <a14:hiddenLine xmlns:a14="http://schemas.microsoft.com/office/drawing/2010/main" xmlns="" w="9525">
+                <a14:hiddenLine xmlns="" xmlns:a14="http://schemas.microsoft.com/office/drawing/2010/main" w="9525">
                   <a:solidFill>
                     <a:srgbClr val="000000"/>
                   </a:solidFill>
@@ -7933,7 +7933,7 @@
             </a:ln>
             <a:extLst>
               <a:ext uri="{91240B29-F687-4f45-9708-019B960494DF}">
-                <a14:hiddenLine xmlns:a14="http://schemas.microsoft.com/office/drawing/2010/main" xmlns="" w="9525">
+                <a14:hiddenLine xmlns="" xmlns:a14="http://schemas.microsoft.com/office/drawing/2010/main" w="9525">
                   <a:solidFill>
                     <a:srgbClr val="000000"/>
                   </a:solidFill>
@@ -8001,7 +8001,7 @@
             </a:ln>
             <a:extLst>
               <a:ext uri="{91240B29-F687-4f45-9708-019B960494DF}">
-                <a14:hiddenLine xmlns:a14="http://schemas.microsoft.com/office/drawing/2010/main" xmlns="" w="9525">
+                <a14:hiddenLine xmlns="" xmlns:a14="http://schemas.microsoft.com/office/drawing/2010/main" w="9525">
                   <a:solidFill>
                     <a:srgbClr val="000000"/>
                   </a:solidFill>
@@ -8091,7 +8091,7 @@
             </a:ln>
             <a:extLst>
               <a:ext uri="{91240B29-F687-4f45-9708-019B960494DF}">
-                <a14:hiddenLine xmlns:a14="http://schemas.microsoft.com/office/drawing/2010/main" xmlns="" w="9525">
+                <a14:hiddenLine xmlns="" xmlns:a14="http://schemas.microsoft.com/office/drawing/2010/main" w="9525">
                   <a:solidFill>
                     <a:srgbClr val="000000"/>
                   </a:solidFill>
@@ -8159,7 +8159,7 @@
             </a:ln>
             <a:extLst>
               <a:ext uri="{91240B29-F687-4f45-9708-019B960494DF}">
-                <a14:hiddenLine xmlns:a14="http://schemas.microsoft.com/office/drawing/2010/main" xmlns="" w="9525">
+                <a14:hiddenLine xmlns="" xmlns:a14="http://schemas.microsoft.com/office/drawing/2010/main" w="9525">
                   <a:solidFill>
                     <a:srgbClr val="000000"/>
                   </a:solidFill>
@@ -8249,7 +8249,7 @@
             </a:ln>
             <a:extLst>
               <a:ext uri="{91240B29-F687-4f45-9708-019B960494DF}">
-                <a14:hiddenLine xmlns:a14="http://schemas.microsoft.com/office/drawing/2010/main" xmlns="" w="9525">
+                <a14:hiddenLine xmlns="" xmlns:a14="http://schemas.microsoft.com/office/drawing/2010/main" w="9525">
                   <a:solidFill>
                     <a:srgbClr val="000000"/>
                   </a:solidFill>
@@ -8283,7 +8283,7 @@
             </a:ln>
             <a:extLst>
               <a:ext uri="{91240B29-F687-4f45-9708-019B960494DF}">
-                <a14:hiddenLine xmlns:a14="http://schemas.microsoft.com/office/drawing/2010/main" xmlns="" w="9525">
+                <a14:hiddenLine xmlns="" xmlns:a14="http://schemas.microsoft.com/office/drawing/2010/main" w="9525">
                   <a:solidFill>
                     <a:srgbClr val="000000"/>
                   </a:solidFill>
@@ -8373,7 +8373,7 @@
             </a:ln>
             <a:extLst>
               <a:ext uri="{91240B29-F687-4f45-9708-019B960494DF}">
-                <a14:hiddenLine xmlns:a14="http://schemas.microsoft.com/office/drawing/2010/main" xmlns="" w="9525">
+                <a14:hiddenLine xmlns="" xmlns:a14="http://schemas.microsoft.com/office/drawing/2010/main" w="9525">
                   <a:solidFill>
                     <a:srgbClr val="000000"/>
                   </a:solidFill>
@@ -8435,7 +8435,7 @@
             </a:ln>
             <a:extLst>
               <a:ext uri="{91240B29-F687-4f45-9708-019B960494DF}">
-                <a14:hiddenLine xmlns:a14="http://schemas.microsoft.com/office/drawing/2010/main" xmlns="" w="9525">
+                <a14:hiddenLine xmlns="" xmlns:a14="http://schemas.microsoft.com/office/drawing/2010/main" w="9525">
                   <a:solidFill>
                     <a:srgbClr val="000000"/>
                   </a:solidFill>
@@ -8497,7 +8497,7 @@
             </a:ln>
             <a:extLst>
               <a:ext uri="{91240B29-F687-4f45-9708-019B960494DF}">
-                <a14:hiddenLine xmlns:a14="http://schemas.microsoft.com/office/drawing/2010/main" xmlns="" w="9525">
+                <a14:hiddenLine xmlns="" xmlns:a14="http://schemas.microsoft.com/office/drawing/2010/main" w="9525">
                   <a:solidFill>
                     <a:srgbClr val="000000"/>
                   </a:solidFill>
@@ -8587,7 +8587,7 @@
             </a:ln>
             <a:extLst>
               <a:ext uri="{91240B29-F687-4f45-9708-019B960494DF}">
-                <a14:hiddenLine xmlns:a14="http://schemas.microsoft.com/office/drawing/2010/main" xmlns="" w="9525">
+                <a14:hiddenLine xmlns="" xmlns:a14="http://schemas.microsoft.com/office/drawing/2010/main" w="9525">
                   <a:solidFill>
                     <a:srgbClr val="000000"/>
                   </a:solidFill>
@@ -8655,7 +8655,7 @@
             </a:ln>
             <a:extLst>
               <a:ext uri="{91240B29-F687-4f45-9708-019B960494DF}">
-                <a14:hiddenLine xmlns:a14="http://schemas.microsoft.com/office/drawing/2010/main" xmlns="" w="9525">
+                <a14:hiddenLine xmlns="" xmlns:a14="http://schemas.microsoft.com/office/drawing/2010/main" w="9525">
                   <a:solidFill>
                     <a:srgbClr val="000000"/>
                   </a:solidFill>
@@ -8717,7 +8717,7 @@
             </a:ln>
             <a:extLst>
               <a:ext uri="{91240B29-F687-4f45-9708-019B960494DF}">
-                <a14:hiddenLine xmlns:a14="http://schemas.microsoft.com/office/drawing/2010/main" xmlns="" w="9525">
+                <a14:hiddenLine xmlns="" xmlns:a14="http://schemas.microsoft.com/office/drawing/2010/main" w="9525">
                   <a:solidFill>
                     <a:srgbClr val="000000"/>
                   </a:solidFill>
@@ -8807,7 +8807,7 @@
             </a:ln>
             <a:extLst>
               <a:ext uri="{91240B29-F687-4f45-9708-019B960494DF}">
-                <a14:hiddenLine xmlns:a14="http://schemas.microsoft.com/office/drawing/2010/main" xmlns="" w="9525">
+                <a14:hiddenLine xmlns="" xmlns:a14="http://schemas.microsoft.com/office/drawing/2010/main" w="9525">
                   <a:solidFill>
                     <a:srgbClr val="000000"/>
                   </a:solidFill>
@@ -8869,7 +8869,7 @@
             </a:ln>
             <a:extLst>
               <a:ext uri="{91240B29-F687-4f45-9708-019B960494DF}">
-                <a14:hiddenLine xmlns:a14="http://schemas.microsoft.com/office/drawing/2010/main" xmlns="" w="9525">
+                <a14:hiddenLine xmlns="" xmlns:a14="http://schemas.microsoft.com/office/drawing/2010/main" w="9525">
                   <a:solidFill>
                     <a:srgbClr val="000000"/>
                   </a:solidFill>
@@ -8959,7 +8959,7 @@
             </a:ln>
             <a:extLst>
               <a:ext uri="{91240B29-F687-4f45-9708-019B960494DF}">
-                <a14:hiddenLine xmlns:a14="http://schemas.microsoft.com/office/drawing/2010/main" xmlns="" w="9525">
+                <a14:hiddenLine xmlns="" xmlns:a14="http://schemas.microsoft.com/office/drawing/2010/main" w="9525">
                   <a:solidFill>
                     <a:srgbClr val="000000"/>
                   </a:solidFill>
@@ -9021,7 +9021,7 @@
             </a:ln>
             <a:extLst>
               <a:ext uri="{91240B29-F687-4f45-9708-019B960494DF}">
-                <a14:hiddenLine xmlns:a14="http://schemas.microsoft.com/office/drawing/2010/main" xmlns="" w="9525">
+                <a14:hiddenLine xmlns="" xmlns:a14="http://schemas.microsoft.com/office/drawing/2010/main" w="9525">
                   <a:solidFill>
                     <a:srgbClr val="000000"/>
                   </a:solidFill>
@@ -9111,7 +9111,7 @@
             </a:ln>
             <a:extLst>
               <a:ext uri="{91240B29-F687-4f45-9708-019B960494DF}">
-                <a14:hiddenLine xmlns:a14="http://schemas.microsoft.com/office/drawing/2010/main" xmlns="" w="9525">
+                <a14:hiddenLine xmlns="" xmlns:a14="http://schemas.microsoft.com/office/drawing/2010/main" w="9525">
                   <a:solidFill>
                     <a:srgbClr val="000000"/>
                   </a:solidFill>
@@ -9145,7 +9145,7 @@
             </a:ln>
             <a:extLst>
               <a:ext uri="{91240B29-F687-4f45-9708-019B960494DF}">
-                <a14:hiddenLine xmlns:a14="http://schemas.microsoft.com/office/drawing/2010/main" xmlns="" w="9525">
+                <a14:hiddenLine xmlns="" xmlns:a14="http://schemas.microsoft.com/office/drawing/2010/main" w="9525">
                   <a:solidFill>
                     <a:srgbClr val="000000"/>
                   </a:solidFill>
@@ -9210,7 +9210,7 @@
             </a:ln>
             <a:extLst>
               <a:ext uri="{91240B29-F687-4f45-9708-019B960494DF}">
-                <a14:hiddenLine xmlns:a14="http://schemas.microsoft.com/office/drawing/2010/main" xmlns="" w="9525">
+                <a14:hiddenLine xmlns="" xmlns:a14="http://schemas.microsoft.com/office/drawing/2010/main" w="9525">
                   <a:solidFill>
                     <a:srgbClr val="000000"/>
                   </a:solidFill>
@@ -9300,7 +9300,7 @@
             </a:ln>
             <a:extLst>
               <a:ext uri="{91240B29-F687-4f45-9708-019B960494DF}">
-                <a14:hiddenLine xmlns:a14="http://schemas.microsoft.com/office/drawing/2010/main" xmlns="" w="9525">
+                <a14:hiddenLine xmlns="" xmlns:a14="http://schemas.microsoft.com/office/drawing/2010/main" w="9525">
                   <a:solidFill>
                     <a:srgbClr val="000000"/>
                   </a:solidFill>
@@ -9362,7 +9362,7 @@
             </a:ln>
             <a:extLst>
               <a:ext uri="{91240B29-F687-4f45-9708-019B960494DF}">
-                <a14:hiddenLine xmlns:a14="http://schemas.microsoft.com/office/drawing/2010/main" xmlns="" w="9525">
+                <a14:hiddenLine xmlns="" xmlns:a14="http://schemas.microsoft.com/office/drawing/2010/main" w="9525">
                   <a:solidFill>
                     <a:srgbClr val="000000"/>
                   </a:solidFill>
@@ -9452,7 +9452,7 @@
             </a:ln>
             <a:extLst>
               <a:ext uri="{91240B29-F687-4f45-9708-019B960494DF}">
-                <a14:hiddenLine xmlns:a14="http://schemas.microsoft.com/office/drawing/2010/main" xmlns="" w="9525">
+                <a14:hiddenLine xmlns="" xmlns:a14="http://schemas.microsoft.com/office/drawing/2010/main" w="9525">
                   <a:solidFill>
                     <a:srgbClr val="000000"/>
                   </a:solidFill>
@@ -9542,7 +9542,7 @@
             </a:ln>
             <a:extLst>
               <a:ext uri="{91240B29-F687-4f45-9708-019B960494DF}">
-                <a14:hiddenLine xmlns:a14="http://schemas.microsoft.com/office/drawing/2010/main" xmlns="" w="9525">
+                <a14:hiddenLine xmlns="" xmlns:a14="http://schemas.microsoft.com/office/drawing/2010/main" w="9525">
                   <a:solidFill>
                     <a:srgbClr val="000000"/>
                   </a:solidFill>
@@ -9607,7 +9607,7 @@
             </a:ln>
             <a:extLst>
               <a:ext uri="{91240B29-F687-4f45-9708-019B960494DF}">
-                <a14:hiddenLine xmlns:a14="http://schemas.microsoft.com/office/drawing/2010/main" xmlns="" w="9525">
+                <a14:hiddenLine xmlns="" xmlns:a14="http://schemas.microsoft.com/office/drawing/2010/main" w="9525">
                   <a:solidFill>
                     <a:srgbClr val="000000"/>
                   </a:solidFill>
@@ -9669,7 +9669,7 @@
             </a:ln>
             <a:extLst>
               <a:ext uri="{91240B29-F687-4f45-9708-019B960494DF}">
-                <a14:hiddenLine xmlns:a14="http://schemas.microsoft.com/office/drawing/2010/main" xmlns="" w="9525">
+                <a14:hiddenLine xmlns="" xmlns:a14="http://schemas.microsoft.com/office/drawing/2010/main" w="9525">
                   <a:solidFill>
                     <a:srgbClr val="000000"/>
                   </a:solidFill>
@@ -9759,7 +9759,7 @@
             </a:ln>
             <a:extLst>
               <a:ext uri="{91240B29-F687-4f45-9708-019B960494DF}">
-                <a14:hiddenLine xmlns:a14="http://schemas.microsoft.com/office/drawing/2010/main" xmlns="" w="9525">
+                <a14:hiddenLine xmlns="" xmlns:a14="http://schemas.microsoft.com/office/drawing/2010/main" w="9525">
                   <a:solidFill>
                     <a:srgbClr val="000000"/>
                   </a:solidFill>
@@ -9849,7 +9849,7 @@
             </a:ln>
             <a:extLst>
               <a:ext uri="{91240B29-F687-4f45-9708-019B960494DF}">
-                <a14:hiddenLine xmlns:a14="http://schemas.microsoft.com/office/drawing/2010/main" xmlns="" w="9525">
+                <a14:hiddenLine xmlns="" xmlns:a14="http://schemas.microsoft.com/office/drawing/2010/main" w="9525">
                   <a:solidFill>
                     <a:srgbClr val="000000"/>
                   </a:solidFill>
@@ -9911,7 +9911,7 @@
             </a:ln>
             <a:extLst>
               <a:ext uri="{91240B29-F687-4f45-9708-019B960494DF}">
-                <a14:hiddenLine xmlns:a14="http://schemas.microsoft.com/office/drawing/2010/main" xmlns="" w="9525">
+                <a14:hiddenLine xmlns="" xmlns:a14="http://schemas.microsoft.com/office/drawing/2010/main" w="9525">
                   <a:solidFill>
                     <a:srgbClr val="000000"/>
                   </a:solidFill>
@@ -10031,7 +10031,7 @@
             </a:ln>
             <a:extLst>
               <a:ext uri="{91240B29-F687-4f45-9708-019B960494DF}">
-                <a14:hiddenLine xmlns:a14="http://schemas.microsoft.com/office/drawing/2010/main" xmlns="" w="9525">
+                <a14:hiddenLine xmlns="" xmlns:a14="http://schemas.microsoft.com/office/drawing/2010/main" w="9525">
                   <a:solidFill>
                     <a:srgbClr val="000000"/>
                   </a:solidFill>
@@ -10099,7 +10099,7 @@
             </a:ln>
             <a:extLst>
               <a:ext uri="{91240B29-F687-4f45-9708-019B960494DF}">
-                <a14:hiddenLine xmlns:a14="http://schemas.microsoft.com/office/drawing/2010/main" xmlns="" w="9525">
+                <a14:hiddenLine xmlns="" xmlns:a14="http://schemas.microsoft.com/office/drawing/2010/main" w="9525">
                   <a:solidFill>
                     <a:srgbClr val="000000"/>
                   </a:solidFill>
@@ -10189,7 +10189,7 @@
             </a:ln>
             <a:extLst>
               <a:ext uri="{91240B29-F687-4f45-9708-019B960494DF}">
-                <a14:hiddenLine xmlns:a14="http://schemas.microsoft.com/office/drawing/2010/main" xmlns="" w="9525">
+                <a14:hiddenLine xmlns="" xmlns:a14="http://schemas.microsoft.com/office/drawing/2010/main" w="9525">
                   <a:solidFill>
                     <a:srgbClr val="000000"/>
                   </a:solidFill>
@@ -10329,7 +10329,7 @@
           <a:p>
             <a:fld id="{76CF0794-4B23-4231-8A4A-0B8130EE2095}" type="datetimeFigureOut">
               <a:rPr lang="it-IT" smtClean="0"/>
-              <a:t>15/04/2024</a:t>
+              <a:t>20/04/2024</a:t>
             </a:fld>
             <a:endParaRPr lang="it-IT"/>
           </a:p>
@@ -10596,7 +10596,7 @@
           <a:p>
             <a:fld id="{76CF0794-4B23-4231-8A4A-0B8130EE2095}" type="datetimeFigureOut">
               <a:rPr lang="it-IT" smtClean="0"/>
-              <a:t>15/04/2024</a:t>
+              <a:t>20/04/2024</a:t>
             </a:fld>
             <a:endParaRPr lang="it-IT"/>
           </a:p>
@@ -10792,7 +10792,7 @@
           <a:p>
             <a:fld id="{76CF0794-4B23-4231-8A4A-0B8130EE2095}" type="datetimeFigureOut">
               <a:rPr lang="it-IT" smtClean="0"/>
-              <a:t>15/04/2024</a:t>
+              <a:t>20/04/2024</a:t>
             </a:fld>
             <a:endParaRPr lang="it-IT"/>
           </a:p>
@@ -11055,7 +11055,7 @@
           <a:p>
             <a:fld id="{76CF0794-4B23-4231-8A4A-0B8130EE2095}" type="datetimeFigureOut">
               <a:rPr lang="it-IT" smtClean="0"/>
-              <a:t>15/04/2024</a:t>
+              <a:t>20/04/2024</a:t>
             </a:fld>
             <a:endParaRPr lang="it-IT"/>
           </a:p>
@@ -11489,7 +11489,7 @@
           <a:p>
             <a:fld id="{76CF0794-4B23-4231-8A4A-0B8130EE2095}" type="datetimeFigureOut">
               <a:rPr lang="it-IT" smtClean="0"/>
-              <a:t>15/04/2024</a:t>
+              <a:t>20/04/2024</a:t>
             </a:fld>
             <a:endParaRPr lang="it-IT"/>
           </a:p>
@@ -12035,7 +12035,7 @@
           <a:p>
             <a:fld id="{76CF0794-4B23-4231-8A4A-0B8130EE2095}" type="datetimeFigureOut">
               <a:rPr lang="it-IT" smtClean="0"/>
-              <a:t>15/04/2024</a:t>
+              <a:t>20/04/2024</a:t>
             </a:fld>
             <a:endParaRPr lang="it-IT"/>
           </a:p>
@@ -12755,7 +12755,7 @@
           <a:p>
             <a:fld id="{76CF0794-4B23-4231-8A4A-0B8130EE2095}" type="datetimeFigureOut">
               <a:rPr lang="it-IT" smtClean="0"/>
-              <a:t>15/04/2024</a:t>
+              <a:t>20/04/2024</a:t>
             </a:fld>
             <a:endParaRPr lang="it-IT"/>
           </a:p>
@@ -12925,7 +12925,7 @@
           <a:p>
             <a:fld id="{76CF0794-4B23-4231-8A4A-0B8130EE2095}" type="datetimeFigureOut">
               <a:rPr lang="it-IT" smtClean="0"/>
-              <a:t>15/04/2024</a:t>
+              <a:t>20/04/2024</a:t>
             </a:fld>
             <a:endParaRPr lang="it-IT"/>
           </a:p>
@@ -13105,7 +13105,7 @@
           <a:p>
             <a:fld id="{76CF0794-4B23-4231-8A4A-0B8130EE2095}" type="datetimeFigureOut">
               <a:rPr lang="it-IT" smtClean="0"/>
-              <a:t>15/04/2024</a:t>
+              <a:t>20/04/2024</a:t>
             </a:fld>
             <a:endParaRPr lang="it-IT"/>
           </a:p>
@@ -13275,7 +13275,7 @@
           <a:p>
             <a:fld id="{76CF0794-4B23-4231-8A4A-0B8130EE2095}" type="datetimeFigureOut">
               <a:rPr lang="it-IT" smtClean="0"/>
-              <a:t>15/04/2024</a:t>
+              <a:t>20/04/2024</a:t>
             </a:fld>
             <a:endParaRPr lang="it-IT"/>
           </a:p>
@@ -13525,7 +13525,7 @@
           <a:p>
             <a:fld id="{76CF0794-4B23-4231-8A4A-0B8130EE2095}" type="datetimeFigureOut">
               <a:rPr lang="it-IT" smtClean="0"/>
-              <a:t>15/04/2024</a:t>
+              <a:t>20/04/2024</a:t>
             </a:fld>
             <a:endParaRPr lang="it-IT"/>
           </a:p>
@@ -13757,7 +13757,7 @@
           <a:p>
             <a:fld id="{76CF0794-4B23-4231-8A4A-0B8130EE2095}" type="datetimeFigureOut">
               <a:rPr lang="it-IT" smtClean="0"/>
-              <a:t>15/04/2024</a:t>
+              <a:t>20/04/2024</a:t>
             </a:fld>
             <a:endParaRPr lang="it-IT"/>
           </a:p>
@@ -14138,7 +14138,7 @@
           <a:p>
             <a:fld id="{76CF0794-4B23-4231-8A4A-0B8130EE2095}" type="datetimeFigureOut">
               <a:rPr lang="it-IT" smtClean="0"/>
-              <a:t>15/04/2024</a:t>
+              <a:t>20/04/2024</a:t>
             </a:fld>
             <a:endParaRPr lang="it-IT"/>
           </a:p>
@@ -14256,7 +14256,7 @@
           <a:p>
             <a:fld id="{76CF0794-4B23-4231-8A4A-0B8130EE2095}" type="datetimeFigureOut">
               <a:rPr lang="it-IT" smtClean="0"/>
-              <a:t>15/04/2024</a:t>
+              <a:t>20/04/2024</a:t>
             </a:fld>
             <a:endParaRPr lang="it-IT"/>
           </a:p>
@@ -14351,7 +14351,7 @@
           <a:p>
             <a:fld id="{76CF0794-4B23-4231-8A4A-0B8130EE2095}" type="datetimeFigureOut">
               <a:rPr lang="it-IT" smtClean="0"/>
-              <a:t>15/04/2024</a:t>
+              <a:t>20/04/2024</a:t>
             </a:fld>
             <a:endParaRPr lang="it-IT"/>
           </a:p>
@@ -14600,7 +14600,7 @@
           <a:p>
             <a:fld id="{76CF0794-4B23-4231-8A4A-0B8130EE2095}" type="datetimeFigureOut">
               <a:rPr lang="it-IT" smtClean="0"/>
-              <a:t>15/04/2024</a:t>
+              <a:t>20/04/2024</a:t>
             </a:fld>
             <a:endParaRPr lang="it-IT"/>
           </a:p>
@@ -14880,7 +14880,7 @@
           <a:p>
             <a:fld id="{76CF0794-4B23-4231-8A4A-0B8130EE2095}" type="datetimeFigureOut">
               <a:rPr lang="it-IT" smtClean="0"/>
-              <a:t>15/04/2024</a:t>
+              <a:t>20/04/2024</a:t>
             </a:fld>
             <a:endParaRPr lang="it-IT"/>
           </a:p>
@@ -15003,7 +15003,7 @@
           <a:noFill/>
           <a:extLst>
             <a:ext uri="{909E8E84-426E-40dd-AFC4-6F175D3DCCD1}">
-              <a14:hiddenFill xmlns:a14="http://schemas.microsoft.com/office/drawing/2010/main" xmlns="">
+              <a14:hiddenFill xmlns="" xmlns:a14="http://schemas.microsoft.com/office/drawing/2010/main">
                 <a:solidFill>
                   <a:srgbClr val="FFFFFF"/>
                 </a:solidFill>
@@ -15077,7 +15077,7 @@
               </a:ln>
               <a:extLst>
                 <a:ext uri="{91240B29-F687-4f45-9708-019B960494DF}">
-                  <a14:hiddenLine xmlns:a14="http://schemas.microsoft.com/office/drawing/2010/main" xmlns="" w="9525">
+                  <a14:hiddenLine xmlns="" xmlns:a14="http://schemas.microsoft.com/office/drawing/2010/main" w="9525">
                     <a:solidFill>
                       <a:srgbClr val="000000"/>
                     </a:solidFill>
@@ -15167,7 +15167,7 @@
               </a:ln>
               <a:extLst>
                 <a:ext uri="{91240B29-F687-4f45-9708-019B960494DF}">
-                  <a14:hiddenLine xmlns:a14="http://schemas.microsoft.com/office/drawing/2010/main" xmlns="" w="9525">
+                  <a14:hiddenLine xmlns="" xmlns:a14="http://schemas.microsoft.com/office/drawing/2010/main" w="9525">
                     <a:solidFill>
                       <a:srgbClr val="000000"/>
                     </a:solidFill>
@@ -15257,7 +15257,7 @@
               </a:ln>
               <a:extLst>
                 <a:ext uri="{91240B29-F687-4f45-9708-019B960494DF}">
-                  <a14:hiddenLine xmlns:a14="http://schemas.microsoft.com/office/drawing/2010/main" xmlns="" w="9525">
+                  <a14:hiddenLine xmlns="" xmlns:a14="http://schemas.microsoft.com/office/drawing/2010/main" w="9525">
                     <a:solidFill>
                       <a:srgbClr val="000000"/>
                     </a:solidFill>
@@ -15319,7 +15319,7 @@
               </a:ln>
               <a:extLst>
                 <a:ext uri="{91240B29-F687-4f45-9708-019B960494DF}">
-                  <a14:hiddenLine xmlns:a14="http://schemas.microsoft.com/office/drawing/2010/main" xmlns="" w="9525">
+                  <a14:hiddenLine xmlns="" xmlns:a14="http://schemas.microsoft.com/office/drawing/2010/main" w="9525">
                     <a:solidFill>
                       <a:srgbClr val="000000"/>
                     </a:solidFill>
@@ -15409,7 +15409,7 @@
               </a:ln>
               <a:extLst>
                 <a:ext uri="{91240B29-F687-4f45-9708-019B960494DF}">
-                  <a14:hiddenLine xmlns:a14="http://schemas.microsoft.com/office/drawing/2010/main" xmlns="" w="9525">
+                  <a14:hiddenLine xmlns="" xmlns:a14="http://schemas.microsoft.com/office/drawing/2010/main" w="9525">
                     <a:solidFill>
                       <a:srgbClr val="000000"/>
                     </a:solidFill>
@@ -15471,7 +15471,7 @@
               </a:ln>
               <a:extLst>
                 <a:ext uri="{91240B29-F687-4f45-9708-019B960494DF}">
-                  <a14:hiddenLine xmlns:a14="http://schemas.microsoft.com/office/drawing/2010/main" xmlns="" w="9525">
+                  <a14:hiddenLine xmlns="" xmlns:a14="http://schemas.microsoft.com/office/drawing/2010/main" w="9525">
                     <a:solidFill>
                       <a:srgbClr val="000000"/>
                     </a:solidFill>
@@ -15533,7 +15533,7 @@
               </a:ln>
               <a:extLst>
                 <a:ext uri="{91240B29-F687-4f45-9708-019B960494DF}">
-                  <a14:hiddenLine xmlns:a14="http://schemas.microsoft.com/office/drawing/2010/main" xmlns="" w="9525">
+                  <a14:hiddenLine xmlns="" xmlns:a14="http://schemas.microsoft.com/office/drawing/2010/main" w="9525">
                     <a:solidFill>
                       <a:srgbClr val="000000"/>
                     </a:solidFill>
@@ -15623,7 +15623,7 @@
               </a:ln>
               <a:extLst>
                 <a:ext uri="{91240B29-F687-4f45-9708-019B960494DF}">
-                  <a14:hiddenLine xmlns:a14="http://schemas.microsoft.com/office/drawing/2010/main" xmlns="" w="9525">
+                  <a14:hiddenLine xmlns="" xmlns:a14="http://schemas.microsoft.com/office/drawing/2010/main" w="9525">
                     <a:solidFill>
                       <a:srgbClr val="000000"/>
                     </a:solidFill>
@@ -15713,7 +15713,7 @@
               </a:ln>
               <a:extLst>
                 <a:ext uri="{91240B29-F687-4f45-9708-019B960494DF}">
-                  <a14:hiddenLine xmlns:a14="http://schemas.microsoft.com/office/drawing/2010/main" xmlns="" w="9525">
+                  <a14:hiddenLine xmlns="" xmlns:a14="http://schemas.microsoft.com/office/drawing/2010/main" w="9525">
                     <a:solidFill>
                       <a:srgbClr val="000000"/>
                     </a:solidFill>
@@ -15775,7 +15775,7 @@
               </a:ln>
               <a:extLst>
                 <a:ext uri="{91240B29-F687-4f45-9708-019B960494DF}">
-                  <a14:hiddenLine xmlns:a14="http://schemas.microsoft.com/office/drawing/2010/main" xmlns="" w="9525">
+                  <a14:hiddenLine xmlns="" xmlns:a14="http://schemas.microsoft.com/office/drawing/2010/main" w="9525">
                     <a:solidFill>
                       <a:srgbClr val="000000"/>
                     </a:solidFill>
@@ -15885,7 +15885,7 @@
               </a:ln>
               <a:extLst>
                 <a:ext uri="{91240B29-F687-4f45-9708-019B960494DF}">
-                  <a14:hiddenLine xmlns:a14="http://schemas.microsoft.com/office/drawing/2010/main" xmlns="" w="9525">
+                  <a14:hiddenLine xmlns="" xmlns:a14="http://schemas.microsoft.com/office/drawing/2010/main" w="9525">
                     <a:solidFill>
                       <a:srgbClr val="000000"/>
                     </a:solidFill>
@@ -15969,7 +15969,7 @@
               </a:ln>
               <a:extLst>
                 <a:ext uri="{91240B29-F687-4f45-9708-019B960494DF}">
-                  <a14:hiddenLine xmlns:a14="http://schemas.microsoft.com/office/drawing/2010/main" xmlns="" w="9525">
+                  <a14:hiddenLine xmlns="" xmlns:a14="http://schemas.microsoft.com/office/drawing/2010/main" w="9525">
                     <a:solidFill>
                       <a:srgbClr val="000000"/>
                     </a:solidFill>
@@ -16031,7 +16031,7 @@
               </a:ln>
               <a:extLst>
                 <a:ext uri="{91240B29-F687-4f45-9708-019B960494DF}">
-                  <a14:hiddenLine xmlns:a14="http://schemas.microsoft.com/office/drawing/2010/main" xmlns="" w="9525">
+                  <a14:hiddenLine xmlns="" xmlns:a14="http://schemas.microsoft.com/office/drawing/2010/main" w="9525">
                     <a:solidFill>
                       <a:srgbClr val="000000"/>
                     </a:solidFill>
@@ -16093,7 +16093,7 @@
               </a:ln>
               <a:extLst>
                 <a:ext uri="{91240B29-F687-4f45-9708-019B960494DF}">
-                  <a14:hiddenLine xmlns:a14="http://schemas.microsoft.com/office/drawing/2010/main" xmlns="" w="9525">
+                  <a14:hiddenLine xmlns="" xmlns:a14="http://schemas.microsoft.com/office/drawing/2010/main" w="9525">
                     <a:solidFill>
                       <a:srgbClr val="000000"/>
                     </a:solidFill>
@@ -16183,7 +16183,7 @@
               </a:ln>
               <a:extLst>
                 <a:ext uri="{91240B29-F687-4f45-9708-019B960494DF}">
-                  <a14:hiddenLine xmlns:a14="http://schemas.microsoft.com/office/drawing/2010/main" xmlns="" w="9525">
+                  <a14:hiddenLine xmlns="" xmlns:a14="http://schemas.microsoft.com/office/drawing/2010/main" w="9525">
                     <a:solidFill>
                       <a:srgbClr val="000000"/>
                     </a:solidFill>
@@ -16217,7 +16217,7 @@
               </a:ln>
               <a:extLst>
                 <a:ext uri="{91240B29-F687-4f45-9708-019B960494DF}">
-                  <a14:hiddenLine xmlns:a14="http://schemas.microsoft.com/office/drawing/2010/main" xmlns="" w="9525">
+                  <a14:hiddenLine xmlns="" xmlns:a14="http://schemas.microsoft.com/office/drawing/2010/main" w="9525">
                     <a:solidFill>
                       <a:srgbClr val="000000"/>
                     </a:solidFill>
@@ -16282,7 +16282,7 @@
               </a:ln>
               <a:extLst>
                 <a:ext uri="{91240B29-F687-4f45-9708-019B960494DF}">
-                  <a14:hiddenLine xmlns:a14="http://schemas.microsoft.com/office/drawing/2010/main" xmlns="" w="9525">
+                  <a14:hiddenLine xmlns="" xmlns:a14="http://schemas.microsoft.com/office/drawing/2010/main" w="9525">
                     <a:solidFill>
                       <a:srgbClr val="000000"/>
                     </a:solidFill>
@@ -16372,7 +16372,7 @@
               </a:ln>
               <a:extLst>
                 <a:ext uri="{91240B29-F687-4f45-9708-019B960494DF}">
-                  <a14:hiddenLine xmlns:a14="http://schemas.microsoft.com/office/drawing/2010/main" xmlns="" w="9525">
+                  <a14:hiddenLine xmlns="" xmlns:a14="http://schemas.microsoft.com/office/drawing/2010/main" w="9525">
                     <a:solidFill>
                       <a:srgbClr val="000000"/>
                     </a:solidFill>
@@ -16434,7 +16434,7 @@
               </a:ln>
               <a:extLst>
                 <a:ext uri="{91240B29-F687-4f45-9708-019B960494DF}">
-                  <a14:hiddenLine xmlns:a14="http://schemas.microsoft.com/office/drawing/2010/main" xmlns="" w="9525">
+                  <a14:hiddenLine xmlns="" xmlns:a14="http://schemas.microsoft.com/office/drawing/2010/main" w="9525">
                     <a:solidFill>
                       <a:srgbClr val="000000"/>
                     </a:solidFill>
@@ -16524,7 +16524,7 @@
               </a:ln>
               <a:extLst>
                 <a:ext uri="{91240B29-F687-4f45-9708-019B960494DF}">
-                  <a14:hiddenLine xmlns:a14="http://schemas.microsoft.com/office/drawing/2010/main" xmlns="" w="9525">
+                  <a14:hiddenLine xmlns="" xmlns:a14="http://schemas.microsoft.com/office/drawing/2010/main" w="9525">
                     <a:solidFill>
                       <a:srgbClr val="000000"/>
                     </a:solidFill>
@@ -16589,7 +16589,7 @@
               </a:ln>
               <a:extLst>
                 <a:ext uri="{91240B29-F687-4f45-9708-019B960494DF}">
-                  <a14:hiddenLine xmlns:a14="http://schemas.microsoft.com/office/drawing/2010/main" xmlns="" w="9525">
+                  <a14:hiddenLine xmlns="" xmlns:a14="http://schemas.microsoft.com/office/drawing/2010/main" w="9525">
                     <a:solidFill>
                       <a:srgbClr val="000000"/>
                     </a:solidFill>
@@ -16651,7 +16651,7 @@
               </a:ln>
               <a:extLst>
                 <a:ext uri="{91240B29-F687-4f45-9708-019B960494DF}">
-                  <a14:hiddenLine xmlns:a14="http://schemas.microsoft.com/office/drawing/2010/main" xmlns="" w="9525">
+                  <a14:hiddenLine xmlns="" xmlns:a14="http://schemas.microsoft.com/office/drawing/2010/main" w="9525">
                     <a:solidFill>
                       <a:srgbClr val="000000"/>
                     </a:solidFill>
@@ -16741,7 +16741,7 @@
               </a:ln>
               <a:extLst>
                 <a:ext uri="{91240B29-F687-4f45-9708-019B960494DF}">
-                  <a14:hiddenLine xmlns:a14="http://schemas.microsoft.com/office/drawing/2010/main" xmlns="" w="9525">
+                  <a14:hiddenLine xmlns="" xmlns:a14="http://schemas.microsoft.com/office/drawing/2010/main" w="9525">
                     <a:solidFill>
                       <a:srgbClr val="000000"/>
                     </a:solidFill>
@@ -16831,7 +16831,7 @@
               </a:ln>
               <a:extLst>
                 <a:ext uri="{91240B29-F687-4f45-9708-019B960494DF}">
-                  <a14:hiddenLine xmlns:a14="http://schemas.microsoft.com/office/drawing/2010/main" xmlns="" w="9525">
+                  <a14:hiddenLine xmlns="" xmlns:a14="http://schemas.microsoft.com/office/drawing/2010/main" w="9525">
                     <a:solidFill>
                       <a:srgbClr val="000000"/>
                     </a:solidFill>
@@ -16896,7 +16896,7 @@
               </a:ln>
               <a:extLst>
                 <a:ext uri="{91240B29-F687-4f45-9708-019B960494DF}">
-                  <a14:hiddenLine xmlns:a14="http://schemas.microsoft.com/office/drawing/2010/main" xmlns="" w="9525">
+                  <a14:hiddenLine xmlns="" xmlns:a14="http://schemas.microsoft.com/office/drawing/2010/main" w="9525">
                     <a:solidFill>
                       <a:srgbClr val="000000"/>
                     </a:solidFill>
@@ -17016,7 +17016,7 @@
               </a:ln>
               <a:extLst>
                 <a:ext uri="{91240B29-F687-4f45-9708-019B960494DF}">
-                  <a14:hiddenLine xmlns:a14="http://schemas.microsoft.com/office/drawing/2010/main" xmlns="" w="9525">
+                  <a14:hiddenLine xmlns="" xmlns:a14="http://schemas.microsoft.com/office/drawing/2010/main" w="9525">
                     <a:solidFill>
                       <a:srgbClr val="000000"/>
                     </a:solidFill>
@@ -17097,7 +17097,7 @@
               </a:ln>
               <a:extLst>
                 <a:ext uri="{91240B29-F687-4f45-9708-019B960494DF}">
-                  <a14:hiddenLine xmlns:a14="http://schemas.microsoft.com/office/drawing/2010/main" xmlns="" w="9525">
+                  <a14:hiddenLine xmlns="" xmlns:a14="http://schemas.microsoft.com/office/drawing/2010/main" w="9525">
                     <a:solidFill>
                       <a:srgbClr val="000000"/>
                     </a:solidFill>
@@ -17212,7 +17212,7 @@
               </a:ln>
               <a:extLst>
                 <a:ext uri="{91240B29-F687-4f45-9708-019B960494DF}">
-                  <a14:hiddenLine xmlns:a14="http://schemas.microsoft.com/office/drawing/2010/main" xmlns="" w="9525">
+                  <a14:hiddenLine xmlns="" xmlns:a14="http://schemas.microsoft.com/office/drawing/2010/main" w="9525">
                     <a:solidFill>
                       <a:srgbClr val="000000"/>
                     </a:solidFill>
@@ -17302,7 +17302,7 @@
               </a:ln>
               <a:extLst>
                 <a:ext uri="{91240B29-F687-4f45-9708-019B960494DF}">
-                  <a14:hiddenLine xmlns:a14="http://schemas.microsoft.com/office/drawing/2010/main" xmlns="" w="9525">
+                  <a14:hiddenLine xmlns="" xmlns:a14="http://schemas.microsoft.com/office/drawing/2010/main" w="9525">
                     <a:solidFill>
                       <a:srgbClr val="000000"/>
                     </a:solidFill>
@@ -17367,7 +17367,7 @@
               </a:ln>
               <a:extLst>
                 <a:ext uri="{91240B29-F687-4f45-9708-019B960494DF}">
-                  <a14:hiddenLine xmlns:a14="http://schemas.microsoft.com/office/drawing/2010/main" xmlns="" w="9525">
+                  <a14:hiddenLine xmlns="" xmlns:a14="http://schemas.microsoft.com/office/drawing/2010/main" w="9525">
                     <a:solidFill>
                       <a:srgbClr val="000000"/>
                     </a:solidFill>
@@ -17457,7 +17457,7 @@
               </a:ln>
               <a:extLst>
                 <a:ext uri="{91240B29-F687-4f45-9708-019B960494DF}">
-                  <a14:hiddenLine xmlns:a14="http://schemas.microsoft.com/office/drawing/2010/main" xmlns="" w="9525">
+                  <a14:hiddenLine xmlns="" xmlns:a14="http://schemas.microsoft.com/office/drawing/2010/main" w="9525">
                     <a:solidFill>
                       <a:srgbClr val="000000"/>
                     </a:solidFill>
@@ -17525,7 +17525,7 @@
               </a:ln>
               <a:extLst>
                 <a:ext uri="{91240B29-F687-4f45-9708-019B960494DF}">
-                  <a14:hiddenLine xmlns:a14="http://schemas.microsoft.com/office/drawing/2010/main" xmlns="" w="9525">
+                  <a14:hiddenLine xmlns="" xmlns:a14="http://schemas.microsoft.com/office/drawing/2010/main" w="9525">
                     <a:solidFill>
                       <a:srgbClr val="000000"/>
                     </a:solidFill>
@@ -17615,7 +17615,7 @@
               </a:ln>
               <a:extLst>
                 <a:ext uri="{91240B29-F687-4f45-9708-019B960494DF}">
-                  <a14:hiddenLine xmlns:a14="http://schemas.microsoft.com/office/drawing/2010/main" xmlns="" w="9525">
+                  <a14:hiddenLine xmlns="" xmlns:a14="http://schemas.microsoft.com/office/drawing/2010/main" w="9525">
                     <a:solidFill>
                       <a:srgbClr val="000000"/>
                     </a:solidFill>
@@ -17683,7 +17683,7 @@
               </a:ln>
               <a:extLst>
                 <a:ext uri="{91240B29-F687-4f45-9708-019B960494DF}">
-                  <a14:hiddenLine xmlns:a14="http://schemas.microsoft.com/office/drawing/2010/main" xmlns="" w="9525">
+                  <a14:hiddenLine xmlns="" xmlns:a14="http://schemas.microsoft.com/office/drawing/2010/main" w="9525">
                     <a:solidFill>
                       <a:srgbClr val="000000"/>
                     </a:solidFill>
@@ -17773,7 +17773,7 @@
               </a:ln>
               <a:extLst>
                 <a:ext uri="{91240B29-F687-4f45-9708-019B960494DF}">
-                  <a14:hiddenLine xmlns:a14="http://schemas.microsoft.com/office/drawing/2010/main" xmlns="" w="9525">
+                  <a14:hiddenLine xmlns="" xmlns:a14="http://schemas.microsoft.com/office/drawing/2010/main" w="9525">
                     <a:solidFill>
                       <a:srgbClr val="000000"/>
                     </a:solidFill>
@@ -17807,7 +17807,7 @@
               </a:ln>
               <a:extLst>
                 <a:ext uri="{91240B29-F687-4f45-9708-019B960494DF}">
-                  <a14:hiddenLine xmlns:a14="http://schemas.microsoft.com/office/drawing/2010/main" xmlns="" w="9525">
+                  <a14:hiddenLine xmlns="" xmlns:a14="http://schemas.microsoft.com/office/drawing/2010/main" w="9525">
                     <a:solidFill>
                       <a:srgbClr val="000000"/>
                     </a:solidFill>
@@ -17947,7 +17947,7 @@
           <a:p>
             <a:fld id="{76CF0794-4B23-4231-8A4A-0B8130EE2095}" type="datetimeFigureOut">
               <a:rPr lang="it-IT" smtClean="0"/>
-              <a:t>15/04/2024</a:t>
+              <a:t>20/04/2024</a:t>
             </a:fld>
             <a:endParaRPr lang="it-IT"/>
           </a:p>
@@ -18537,7 +18537,7 @@
             <a:noFill/>
             <a:extLst>
               <a:ext uri="{909E8E84-426E-40dd-AFC4-6F175D3DCCD1}">
-                <a14:hiddenFill xmlns="" xmlns:a16="http://schemas.microsoft.com/office/drawing/2014/main" xmlns:p14="http://schemas.microsoft.com/office/powerpoint/2010/main" xmlns:a14="http://schemas.microsoft.com/office/drawing/2010/main">
+                <a14:hiddenFill xmlns:a14="http://schemas.microsoft.com/office/drawing/2010/main" xmlns:p14="http://schemas.microsoft.com/office/powerpoint/2010/main" xmlns:a16="http://schemas.microsoft.com/office/drawing/2014/main" xmlns="">
                   <a:solidFill>
                     <a:srgbClr val="FFFFFF"/>
                   </a:solidFill>
@@ -21089,7 +21089,7 @@
           <a:p>
             <a:r>
               <a:rPr lang="it-IT" dirty="0"/>
-              <a:t>OBIETTIVO</a:t>
+              <a:t>OBIETTIVO/valore aggiunto</a:t>
             </a:r>
           </a:p>
         </p:txBody>
@@ -21127,6 +21127,14 @@
             <a:pPr marL="0" indent="0">
               <a:buNone/>
             </a:pPr>
+            <a:r>
+              <a:rPr lang="it-IT" dirty="0"/>
+              <a:t>L’obiettivo è quello di rendere interattiva e ludica la </a:t>
+            </a:r>
+            <a:r>
+              <a:rPr lang="it-IT"/>
+              <a:t>fruizione dei video di TEDx.</a:t>
+            </a:r>
             <a:endParaRPr lang="it-IT" dirty="0"/>
           </a:p>
         </p:txBody>
@@ -21215,11 +21223,14 @@
             </a:pPr>
             <a:r>
               <a:rPr lang="it-IT" dirty="0"/>
-              <a:t>L’applicazione è rivolta a chiunque sia interessato ad espandere la propria conoscenza relativa ad argomenti di attualità, in particolar modo a studenti </a:t>
+              <a:t>L’applicazione è rivolta a chiunque sia interessato ad espandere la propria conoscenza relativa ad argomenti di attualità.</a:t>
             </a:r>
+            <a:br>
+              <a:rPr lang="it-IT" dirty="0"/>
+            </a:br>
             <a:r>
-              <a:rPr lang="it-IT"/>
-              <a:t>e giovani.</a:t>
+              <a:rPr lang="it-IT" dirty="0"/>
+              <a:t>In particolare, può essere utilizzata da professori e insegnanti per spiegare ai propri studenti alcuni argomenti tramite la presentazione di interventi di esperti e con possibilità di eseguire i quiz in modo interattivo in aula per verificare l’apprendimento.</a:t>
             </a:r>
           </a:p>
           <a:p>

--- a/TEDxLearn.pptx
+++ b/TEDxLearn.pptx
@@ -120,7 +120,7 @@
 <file path=ppt/revisionInfo.xml><?xml version="1.0" encoding="utf-8"?>
 <p1510:revInfo xmlns:a="http://schemas.openxmlformats.org/drawingml/2006/main" xmlns:r="http://schemas.openxmlformats.org/officeDocument/2006/relationships" xmlns:p1510="http://schemas.microsoft.com/office/powerpoint/2015/10/main">
   <p1510:revLst>
-    <p1510:client id="{DF25A3CD-B347-45D1-885B-44B740A88AAD}" v="3" dt="2024-04-13T12:36:47.080"/>
+    <p1510:client id="{DF25A3CD-B347-45D1-885B-44B740A88AAD}" v="13" dt="2024-04-23T07:18:36.081"/>
   </p1510:revLst>
 </p1510:revInfo>
 </file>
@@ -129,13 +129,13 @@
 <pc:chgInfo xmlns:a="http://schemas.openxmlformats.org/drawingml/2006/main" xmlns:r="http://schemas.openxmlformats.org/officeDocument/2006/relationships" xmlns:ac="http://schemas.microsoft.com/office/drawing/2013/main/command" xmlns:pc="http://schemas.microsoft.com/office/powerpoint/2013/main/command">
   <pc:docChgLst>
     <pc:chgData name="FEDERICO CARRARA" userId="e93417db-f703-4389-ad82-be8964ade4b4" providerId="ADAL" clId="{DF25A3CD-B347-45D1-885B-44B740A88AAD}"/>
-    <pc:docChg chg="custSel addSld modSld sldOrd">
-      <pc:chgData name="FEDERICO CARRARA" userId="e93417db-f703-4389-ad82-be8964ade4b4" providerId="ADAL" clId="{DF25A3CD-B347-45D1-885B-44B740A88AAD}" dt="2024-04-13T12:46:49.446" v="1597" actId="20577"/>
+    <pc:docChg chg="undo custSel addSld modSld sldOrd">
+      <pc:chgData name="FEDERICO CARRARA" userId="e93417db-f703-4389-ad82-be8964ade4b4" providerId="ADAL" clId="{DF25A3CD-B347-45D1-885B-44B740A88AAD}" dt="2024-04-23T07:47:05.451" v="2850" actId="20577"/>
       <pc:docMkLst>
         <pc:docMk/>
       </pc:docMkLst>
       <pc:sldChg chg="modSp mod">
-        <pc:chgData name="FEDERICO CARRARA" userId="e93417db-f703-4389-ad82-be8964ade4b4" providerId="ADAL" clId="{DF25A3CD-B347-45D1-885B-44B740A88AAD}" dt="2024-04-13T12:11:38.057" v="1058" actId="20577"/>
+        <pc:chgData name="FEDERICO CARRARA" userId="e93417db-f703-4389-ad82-be8964ade4b4" providerId="ADAL" clId="{DF25A3CD-B347-45D1-885B-44B740A88AAD}" dt="2024-04-23T07:18:36.081" v="1765" actId="20577"/>
         <pc:sldMkLst>
           <pc:docMk/>
           <pc:sldMk cId="1622469523" sldId="257"/>
@@ -148,9 +148,17 @@
             <ac:spMk id="3" creationId="{A697BD04-19C4-F9F7-806D-D56106A22005}"/>
           </ac:spMkLst>
         </pc:spChg>
+        <pc:graphicFrameChg chg="mod">
+          <ac:chgData name="FEDERICO CARRARA" userId="e93417db-f703-4389-ad82-be8964ade4b4" providerId="ADAL" clId="{DF25A3CD-B347-45D1-885B-44B740A88AAD}" dt="2024-04-23T07:18:36.081" v="1765" actId="20577"/>
+          <ac:graphicFrameMkLst>
+            <pc:docMk/>
+            <pc:sldMk cId="1622469523" sldId="257"/>
+            <ac:graphicFrameMk id="5" creationId="{5D3B90DE-0468-D792-DBD6-0758F0A499CC}"/>
+          </ac:graphicFrameMkLst>
+        </pc:graphicFrameChg>
       </pc:sldChg>
       <pc:sldChg chg="modSp mod ord">
-        <pc:chgData name="FEDERICO CARRARA" userId="e93417db-f703-4389-ad82-be8964ade4b4" providerId="ADAL" clId="{DF25A3CD-B347-45D1-885B-44B740A88AAD}" dt="2024-04-13T12:46:49.446" v="1597" actId="20577"/>
+        <pc:chgData name="FEDERICO CARRARA" userId="e93417db-f703-4389-ad82-be8964ade4b4" providerId="ADAL" clId="{DF25A3CD-B347-45D1-885B-44B740A88AAD}" dt="2024-04-23T07:15:16.637" v="1611" actId="20577"/>
         <pc:sldMkLst>
           <pc:docMk/>
           <pc:sldMk cId="378339886" sldId="258"/>
@@ -164,7 +172,7 @@
           </ac:spMkLst>
         </pc:spChg>
         <pc:spChg chg="mod">
-          <ac:chgData name="FEDERICO CARRARA" userId="e93417db-f703-4389-ad82-be8964ade4b4" providerId="ADAL" clId="{DF25A3CD-B347-45D1-885B-44B740A88AAD}" dt="2024-04-13T12:46:49.446" v="1597" actId="20577"/>
+          <ac:chgData name="FEDERICO CARRARA" userId="e93417db-f703-4389-ad82-be8964ade4b4" providerId="ADAL" clId="{DF25A3CD-B347-45D1-885B-44B740A88AAD}" dt="2024-04-23T07:15:16.637" v="1611" actId="20577"/>
           <ac:spMkLst>
             <pc:docMk/>
             <pc:sldMk cId="378339886" sldId="258"/>
@@ -211,7 +219,7 @@
         </pc:spChg>
       </pc:sldChg>
       <pc:sldChg chg="modSp new mod">
-        <pc:chgData name="FEDERICO CARRARA" userId="e93417db-f703-4389-ad82-be8964ade4b4" providerId="ADAL" clId="{DF25A3CD-B347-45D1-885B-44B740A88AAD}" dt="2024-04-13T12:45:06.539" v="1463" actId="20577"/>
+        <pc:chgData name="FEDERICO CARRARA" userId="e93417db-f703-4389-ad82-be8964ade4b4" providerId="ADAL" clId="{DF25A3CD-B347-45D1-885B-44B740A88AAD}" dt="2024-04-23T07:47:05.451" v="2850" actId="20577"/>
         <pc:sldMkLst>
           <pc:docMk/>
           <pc:sldMk cId="601410788" sldId="261"/>
@@ -225,7 +233,7 @@
           </ac:spMkLst>
         </pc:spChg>
         <pc:spChg chg="mod">
-          <ac:chgData name="FEDERICO CARRARA" userId="e93417db-f703-4389-ad82-be8964ade4b4" providerId="ADAL" clId="{DF25A3CD-B347-45D1-885B-44B740A88AAD}" dt="2024-04-13T12:45:06.539" v="1463" actId="20577"/>
+          <ac:chgData name="FEDERICO CARRARA" userId="e93417db-f703-4389-ad82-be8964ade4b4" providerId="ADAL" clId="{DF25A3CD-B347-45D1-885B-44B740A88AAD}" dt="2024-04-23T07:47:05.451" v="2850" actId="20577"/>
           <ac:spMkLst>
             <pc:docMk/>
             <pc:sldMk cId="601410788" sldId="261"/>
@@ -1885,10 +1893,18 @@
         <a:lstStyle/>
         <a:p>
           <a:r>
-            <a:rPr lang="it-IT"/>
-            <a:t>L’applicazione TEDxLearn permetterà di accedere a numerosi video relativi a svariate categorie e argomenti, sostenendo alla fine di ognuno un piccolo quiz inerente ai contenuti esposti, in modo da rafforzare la memorizzazione e la comprensione degli argomenti appena fruiti.</a:t>
+            <a:rPr lang="it-IT" dirty="0"/>
+            <a:t>L’applicazione </a:t>
           </a:r>
-          <a:endParaRPr lang="en-US"/>
+          <a:r>
+            <a:rPr lang="it-IT" dirty="0" err="1"/>
+            <a:t>TEDxLearn</a:t>
+          </a:r>
+          <a:r>
+            <a:rPr lang="it-IT" dirty="0"/>
+            <a:t> permetterà di accedere a numerosi video relativi a svariate categorie e argomenti, sostenendo, alla fine di ognuno, un piccolo quiz inerente ai contenuti esposti, in modo da rafforzare la memorizzazione e la comprensione degli argomenti appena fruiti.</a:t>
+          </a:r>
+          <a:endParaRPr lang="en-US" dirty="0"/>
         </a:p>
       </dgm:t>
     </dgm:pt>
@@ -1931,10 +1947,10 @@
         <a:lstStyle/>
         <a:p>
           <a:r>
-            <a:rPr lang="it-IT"/>
-            <a:t>Sarà inoltre possibile prendere delle note relative al video e l’utente può verificare la sua posizione nella classifica generale sulla base dei risultati conseguiti nei quiz.</a:t>
+            <a:rPr lang="it-IT" dirty="0"/>
+            <a:t>Sarà inoltre possibile prendere delle note relative ai video e l’utente potrà verificare la sua posizione nella classifica generale sulla base dei risultati conseguiti nei quiz.</a:t>
           </a:r>
-          <a:endParaRPr lang="en-US"/>
+          <a:endParaRPr lang="en-US" dirty="0"/>
         </a:p>
       </dgm:t>
     </dgm:pt>
@@ -2533,10 +2549,18 @@
             <a:buNone/>
           </a:pPr>
           <a:r>
-            <a:rPr lang="it-IT" sz="2100" kern="1200"/>
-            <a:t>L’applicazione TEDxLearn permetterà di accedere a numerosi video relativi a svariate categorie e argomenti, sostenendo alla fine di ognuno un piccolo quiz inerente ai contenuti esposti, in modo da rafforzare la memorizzazione e la comprensione degli argomenti appena fruiti.</a:t>
+            <a:rPr lang="it-IT" sz="2100" kern="1200" dirty="0"/>
+            <a:t>L’applicazione </a:t>
           </a:r>
-          <a:endParaRPr lang="en-US" sz="2100" kern="1200"/>
+          <a:r>
+            <a:rPr lang="it-IT" sz="2100" kern="1200" dirty="0" err="1"/>
+            <a:t>TEDxLearn</a:t>
+          </a:r>
+          <a:r>
+            <a:rPr lang="it-IT" sz="2100" kern="1200" dirty="0"/>
+            <a:t> permetterà di accedere a numerosi video relativi a svariate categorie e argomenti, sostenendo, alla fine di ognuno, un piccolo quiz inerente ai contenuti esposti, in modo da rafforzare la memorizzazione e la comprensione degli argomenti appena fruiti.</a:t>
+          </a:r>
+          <a:endParaRPr lang="en-US" sz="2100" kern="1200" dirty="0"/>
         </a:p>
       </dsp:txBody>
       <dsp:txXfrm>
@@ -2651,10 +2675,10 @@
             <a:buNone/>
           </a:pPr>
           <a:r>
-            <a:rPr lang="it-IT" sz="2100" kern="1200"/>
-            <a:t>Sarà inoltre possibile prendere delle note relative al video e l’utente può verificare la sua posizione nella classifica generale sulla base dei risultati conseguiti nei quiz.</a:t>
+            <a:rPr lang="it-IT" sz="2100" kern="1200" dirty="0"/>
+            <a:t>Sarà inoltre possibile prendere delle note relative ai video e l’utente potrà verificare la sua posizione nella classifica generale sulla base dei risultati conseguiti nei quiz.</a:t>
           </a:r>
-          <a:endParaRPr lang="en-US" sz="2100" kern="1200"/>
+          <a:endParaRPr lang="en-US" sz="2100" kern="1200" dirty="0"/>
         </a:p>
       </dsp:txBody>
       <dsp:txXfrm>
@@ -10329,7 +10353,7 @@
           <a:p>
             <a:fld id="{76CF0794-4B23-4231-8A4A-0B8130EE2095}" type="datetimeFigureOut">
               <a:rPr lang="it-IT" smtClean="0"/>
-              <a:t>20/04/2024</a:t>
+              <a:t>23/04/2024</a:t>
             </a:fld>
             <a:endParaRPr lang="it-IT"/>
           </a:p>
@@ -10596,7 +10620,7 @@
           <a:p>
             <a:fld id="{76CF0794-4B23-4231-8A4A-0B8130EE2095}" type="datetimeFigureOut">
               <a:rPr lang="it-IT" smtClean="0"/>
-              <a:t>20/04/2024</a:t>
+              <a:t>23/04/2024</a:t>
             </a:fld>
             <a:endParaRPr lang="it-IT"/>
           </a:p>
@@ -10792,7 +10816,7 @@
           <a:p>
             <a:fld id="{76CF0794-4B23-4231-8A4A-0B8130EE2095}" type="datetimeFigureOut">
               <a:rPr lang="it-IT" smtClean="0"/>
-              <a:t>20/04/2024</a:t>
+              <a:t>23/04/2024</a:t>
             </a:fld>
             <a:endParaRPr lang="it-IT"/>
           </a:p>
@@ -11055,7 +11079,7 @@
           <a:p>
             <a:fld id="{76CF0794-4B23-4231-8A4A-0B8130EE2095}" type="datetimeFigureOut">
               <a:rPr lang="it-IT" smtClean="0"/>
-              <a:t>20/04/2024</a:t>
+              <a:t>23/04/2024</a:t>
             </a:fld>
             <a:endParaRPr lang="it-IT"/>
           </a:p>
@@ -11489,7 +11513,7 @@
           <a:p>
             <a:fld id="{76CF0794-4B23-4231-8A4A-0B8130EE2095}" type="datetimeFigureOut">
               <a:rPr lang="it-IT" smtClean="0"/>
-              <a:t>20/04/2024</a:t>
+              <a:t>23/04/2024</a:t>
             </a:fld>
             <a:endParaRPr lang="it-IT"/>
           </a:p>
@@ -12035,7 +12059,7 @@
           <a:p>
             <a:fld id="{76CF0794-4B23-4231-8A4A-0B8130EE2095}" type="datetimeFigureOut">
               <a:rPr lang="it-IT" smtClean="0"/>
-              <a:t>20/04/2024</a:t>
+              <a:t>23/04/2024</a:t>
             </a:fld>
             <a:endParaRPr lang="it-IT"/>
           </a:p>
@@ -12755,7 +12779,7 @@
           <a:p>
             <a:fld id="{76CF0794-4B23-4231-8A4A-0B8130EE2095}" type="datetimeFigureOut">
               <a:rPr lang="it-IT" smtClean="0"/>
-              <a:t>20/04/2024</a:t>
+              <a:t>23/04/2024</a:t>
             </a:fld>
             <a:endParaRPr lang="it-IT"/>
           </a:p>
@@ -12925,7 +12949,7 @@
           <a:p>
             <a:fld id="{76CF0794-4B23-4231-8A4A-0B8130EE2095}" type="datetimeFigureOut">
               <a:rPr lang="it-IT" smtClean="0"/>
-              <a:t>20/04/2024</a:t>
+              <a:t>23/04/2024</a:t>
             </a:fld>
             <a:endParaRPr lang="it-IT"/>
           </a:p>
@@ -13105,7 +13129,7 @@
           <a:p>
             <a:fld id="{76CF0794-4B23-4231-8A4A-0B8130EE2095}" type="datetimeFigureOut">
               <a:rPr lang="it-IT" smtClean="0"/>
-              <a:t>20/04/2024</a:t>
+              <a:t>23/04/2024</a:t>
             </a:fld>
             <a:endParaRPr lang="it-IT"/>
           </a:p>
@@ -13275,7 +13299,7 @@
           <a:p>
             <a:fld id="{76CF0794-4B23-4231-8A4A-0B8130EE2095}" type="datetimeFigureOut">
               <a:rPr lang="it-IT" smtClean="0"/>
-              <a:t>20/04/2024</a:t>
+              <a:t>23/04/2024</a:t>
             </a:fld>
             <a:endParaRPr lang="it-IT"/>
           </a:p>
@@ -13525,7 +13549,7 @@
           <a:p>
             <a:fld id="{76CF0794-4B23-4231-8A4A-0B8130EE2095}" type="datetimeFigureOut">
               <a:rPr lang="it-IT" smtClean="0"/>
-              <a:t>20/04/2024</a:t>
+              <a:t>23/04/2024</a:t>
             </a:fld>
             <a:endParaRPr lang="it-IT"/>
           </a:p>
@@ -13757,7 +13781,7 @@
           <a:p>
             <a:fld id="{76CF0794-4B23-4231-8A4A-0B8130EE2095}" type="datetimeFigureOut">
               <a:rPr lang="it-IT" smtClean="0"/>
-              <a:t>20/04/2024</a:t>
+              <a:t>23/04/2024</a:t>
             </a:fld>
             <a:endParaRPr lang="it-IT"/>
           </a:p>
@@ -14138,7 +14162,7 @@
           <a:p>
             <a:fld id="{76CF0794-4B23-4231-8A4A-0B8130EE2095}" type="datetimeFigureOut">
               <a:rPr lang="it-IT" smtClean="0"/>
-              <a:t>20/04/2024</a:t>
+              <a:t>23/04/2024</a:t>
             </a:fld>
             <a:endParaRPr lang="it-IT"/>
           </a:p>
@@ -14256,7 +14280,7 @@
           <a:p>
             <a:fld id="{76CF0794-4B23-4231-8A4A-0B8130EE2095}" type="datetimeFigureOut">
               <a:rPr lang="it-IT" smtClean="0"/>
-              <a:t>20/04/2024</a:t>
+              <a:t>23/04/2024</a:t>
             </a:fld>
             <a:endParaRPr lang="it-IT"/>
           </a:p>
@@ -14351,7 +14375,7 @@
           <a:p>
             <a:fld id="{76CF0794-4B23-4231-8A4A-0B8130EE2095}" type="datetimeFigureOut">
               <a:rPr lang="it-IT" smtClean="0"/>
-              <a:t>20/04/2024</a:t>
+              <a:t>23/04/2024</a:t>
             </a:fld>
             <a:endParaRPr lang="it-IT"/>
           </a:p>
@@ -14600,7 +14624,7 @@
           <a:p>
             <a:fld id="{76CF0794-4B23-4231-8A4A-0B8130EE2095}" type="datetimeFigureOut">
               <a:rPr lang="it-IT" smtClean="0"/>
-              <a:t>20/04/2024</a:t>
+              <a:t>23/04/2024</a:t>
             </a:fld>
             <a:endParaRPr lang="it-IT"/>
           </a:p>
@@ -14880,7 +14904,7 @@
           <a:p>
             <a:fld id="{76CF0794-4B23-4231-8A4A-0B8130EE2095}" type="datetimeFigureOut">
               <a:rPr lang="it-IT" smtClean="0"/>
-              <a:t>20/04/2024</a:t>
+              <a:t>23/04/2024</a:t>
             </a:fld>
             <a:endParaRPr lang="it-IT"/>
           </a:p>
@@ -17947,7 +17971,7 @@
           <a:p>
             <a:fld id="{76CF0794-4B23-4231-8A4A-0B8130EE2095}" type="datetimeFigureOut">
               <a:rPr lang="it-IT" smtClean="0"/>
-              <a:t>20/04/2024</a:t>
+              <a:t>23/04/2024</a:t>
             </a:fld>
             <a:endParaRPr lang="it-IT"/>
           </a:p>
@@ -21021,7 +21045,7 @@
             <p:ph idx="1"/>
             <p:extLst>
               <p:ext uri="{D42A27DB-BD31-4B8C-83A1-F6EECF244321}">
-                <p14:modId xmlns:p14="http://schemas.microsoft.com/office/powerpoint/2010/main" val="2788357570"/>
+                <p14:modId xmlns:p14="http://schemas.microsoft.com/office/powerpoint/2010/main" val="637299286"/>
               </p:ext>
             </p:extLst>
           </p:nvPr>
@@ -21110,9 +21134,16 @@
             <p:ph idx="1"/>
           </p:nvPr>
         </p:nvSpPr>
-        <p:spPr/>
+        <p:spPr>
+          <a:xfrm>
+            <a:off x="1141412" y="1658143"/>
+            <a:ext cx="9905999" cy="4467354"/>
+          </a:xfrm>
+        </p:spPr>
         <p:txBody>
-          <a:bodyPr/>
+          <a:bodyPr>
+            <a:normAutofit fontScale="85000" lnSpcReduction="10000"/>
+          </a:bodyPr>
           <a:lstStyle/>
           <a:p>
             <a:pPr marL="0" indent="0">
@@ -21120,7 +21151,7 @@
             </a:pPr>
             <a:r>
               <a:rPr lang="it-IT" dirty="0"/>
-              <a:t>Permettere all’utente di informarsi su temi di attualità e sviluppare nuove competenze su varie tematiche, in modo efficace e allo stesso divertente, tramite convegni di esperti e i quiz proposti.</a:t>
+              <a:t>L’obiettivo è quello di permettere all’utente di informarsi su temi di attualità e sviluppare nuove competenze su varie tematiche tramite la fruizione dei video di TEDx e lo svolgimento dei quiz proposti.</a:t>
             </a:r>
           </a:p>
           <a:p>
@@ -21129,13 +21160,42 @@
             </a:pPr>
             <a:r>
               <a:rPr lang="it-IT" dirty="0"/>
-              <a:t>L’obiettivo è quello di rendere interattiva e ludica la </a:t>
+              <a:t>Tutto questo disponibile in un’applicazione</a:t>
             </a:r>
             <a:r>
               <a:rPr lang="it-IT"/>
-              <a:t>fruizione dei video di TEDx.</a:t>
+              <a:t>:</a:t>
             </a:r>
             <a:endParaRPr lang="it-IT" dirty="0"/>
+          </a:p>
+          <a:p>
+            <a:r>
+              <a:rPr lang="it-IT" dirty="0"/>
+              <a:t>semplice ed intuitiva, dove i video saranno presentati in categorie e potranno essere visionati in qualsiasi momento e tutte le volte che si vuole</a:t>
+            </a:r>
+          </a:p>
+          <a:p>
+            <a:r>
+              <a:rPr lang="it-IT" dirty="0"/>
+              <a:t>sempre a disposizione sul proprio smartphone, per poter soddisfare il desiderio di conoscenza dell’utente in </a:t>
+            </a:r>
+            <a:r>
+              <a:rPr lang="it-IT"/>
+              <a:t>qualsiasi momento</a:t>
+            </a:r>
+            <a:endParaRPr lang="it-IT" dirty="0"/>
+          </a:p>
+          <a:p>
+            <a:r>
+              <a:rPr lang="it-IT" dirty="0"/>
+              <a:t>divertente, grazie ai quiz generati automaticamente dall’applicazione e presentati alla fine di ogni video</a:t>
+            </a:r>
+          </a:p>
+          <a:p>
+            <a:r>
+              <a:rPr lang="it-IT" dirty="0"/>
+              <a:t>efficacie, grazie alla revisione finale del quiz e alla possibilità di prendere appunti sul video</a:t>
+            </a:r>
           </a:p>
         </p:txBody>
       </p:sp>
@@ -21230,7 +21290,7 @@
             </a:br>
             <a:r>
               <a:rPr lang="it-IT" dirty="0"/>
-              <a:t>In particolare, può essere utilizzata da professori e insegnanti per spiegare ai propri studenti alcuni argomenti tramite la presentazione di interventi di esperti e con possibilità di eseguire i quiz in modo interattivo in aula per verificare l’apprendimento.</a:t>
+              <a:t>In particolare, può essere utilizzata da professori e insegnanti per spiegare ai propri studenti alcuni argomenti tramite la presentazione di interventi di esperti e con possibilità di svolgere i quiz in modo interattivo in aula per verificare l’apprendimento.</a:t>
             </a:r>
           </a:p>
           <a:p>

--- a/TEDxLearn.pptx
+++ b/TEDxLearn.pptx
@@ -120,7 +120,7 @@
 <file path=ppt/revisionInfo.xml><?xml version="1.0" encoding="utf-8"?>
 <p1510:revInfo xmlns:a="http://schemas.openxmlformats.org/drawingml/2006/main" xmlns:r="http://schemas.openxmlformats.org/officeDocument/2006/relationships" xmlns:p1510="http://schemas.microsoft.com/office/powerpoint/2015/10/main">
   <p1510:revLst>
-    <p1510:client id="{DF25A3CD-B347-45D1-885B-44B740A88AAD}" v="13" dt="2024-04-23T07:18:36.081"/>
+    <p1510:client id="{DF25A3CD-B347-45D1-885B-44B740A88AAD}" v="17" dt="2024-04-24T06:08:09.479"/>
   </p1510:revLst>
 </p1510:revInfo>
 </file>
@@ -130,16 +130,24 @@
   <pc:docChgLst>
     <pc:chgData name="FEDERICO CARRARA" userId="e93417db-f703-4389-ad82-be8964ade4b4" providerId="ADAL" clId="{DF25A3CD-B347-45D1-885B-44B740A88AAD}"/>
     <pc:docChg chg="undo custSel addSld modSld sldOrd">
-      <pc:chgData name="FEDERICO CARRARA" userId="e93417db-f703-4389-ad82-be8964ade4b4" providerId="ADAL" clId="{DF25A3CD-B347-45D1-885B-44B740A88AAD}" dt="2024-04-23T07:47:05.451" v="2850" actId="20577"/>
+      <pc:chgData name="FEDERICO CARRARA" userId="e93417db-f703-4389-ad82-be8964ade4b4" providerId="ADAL" clId="{DF25A3CD-B347-45D1-885B-44B740A88AAD}" dt="2024-04-24T06:09:06.838" v="2865" actId="26606"/>
       <pc:docMkLst>
         <pc:docMk/>
       </pc:docMkLst>
-      <pc:sldChg chg="modSp mod">
-        <pc:chgData name="FEDERICO CARRARA" userId="e93417db-f703-4389-ad82-be8964ade4b4" providerId="ADAL" clId="{DF25A3CD-B347-45D1-885B-44B740A88AAD}" dt="2024-04-23T07:18:36.081" v="1765" actId="20577"/>
+      <pc:sldChg chg="addSp delSp modSp mod setBg">
+        <pc:chgData name="FEDERICO CARRARA" userId="e93417db-f703-4389-ad82-be8964ade4b4" providerId="ADAL" clId="{DF25A3CD-B347-45D1-885B-44B740A88AAD}" dt="2024-04-24T06:09:06.838" v="2865" actId="26606"/>
         <pc:sldMkLst>
           <pc:docMk/>
           <pc:sldMk cId="1622469523" sldId="257"/>
         </pc:sldMkLst>
+        <pc:spChg chg="mod">
+          <ac:chgData name="FEDERICO CARRARA" userId="e93417db-f703-4389-ad82-be8964ade4b4" providerId="ADAL" clId="{DF25A3CD-B347-45D1-885B-44B740A88AAD}" dt="2024-04-24T06:09:06.838" v="2865" actId="26606"/>
+          <ac:spMkLst>
+            <pc:docMk/>
+            <pc:sldMk cId="1622469523" sldId="257"/>
+            <ac:spMk id="2" creationId="{4F2CBFB8-BE73-A9A6-099B-F0098DCB772F}"/>
+          </ac:spMkLst>
+        </pc:spChg>
         <pc:spChg chg="mod">
           <ac:chgData name="FEDERICO CARRARA" userId="e93417db-f703-4389-ad82-be8964ade4b4" providerId="ADAL" clId="{DF25A3CD-B347-45D1-885B-44B740A88AAD}" dt="2024-04-13T12:11:38.057" v="1058" actId="20577"/>
           <ac:spMkLst>
@@ -148,14 +156,54 @@
             <ac:spMk id="3" creationId="{A697BD04-19C4-F9F7-806D-D56106A22005}"/>
           </ac:spMkLst>
         </pc:spChg>
-        <pc:graphicFrameChg chg="mod">
-          <ac:chgData name="FEDERICO CARRARA" userId="e93417db-f703-4389-ad82-be8964ade4b4" providerId="ADAL" clId="{DF25A3CD-B347-45D1-885B-44B740A88AAD}" dt="2024-04-23T07:18:36.081" v="1765" actId="20577"/>
+        <pc:spChg chg="add del">
+          <ac:chgData name="FEDERICO CARRARA" userId="e93417db-f703-4389-ad82-be8964ade4b4" providerId="ADAL" clId="{DF25A3CD-B347-45D1-885B-44B740A88AAD}" dt="2024-04-24T06:09:06.838" v="2865" actId="26606"/>
+          <ac:spMkLst>
+            <pc:docMk/>
+            <pc:sldMk cId="1622469523" sldId="257"/>
+            <ac:spMk id="9" creationId="{E704FA00-F5B1-4BF3-BFB2-F832D367024B}"/>
+          </ac:spMkLst>
+        </pc:spChg>
+        <pc:spChg chg="add del">
+          <ac:chgData name="FEDERICO CARRARA" userId="e93417db-f703-4389-ad82-be8964ade4b4" providerId="ADAL" clId="{DF25A3CD-B347-45D1-885B-44B740A88AAD}" dt="2024-04-24T06:08:26.454" v="2859" actId="26606"/>
+          <ac:spMkLst>
+            <pc:docMk/>
+            <pc:sldMk cId="1622469523" sldId="257"/>
+            <ac:spMk id="12" creationId="{E704FA00-F5B1-4BF3-BFB2-F832D367024B}"/>
+          </ac:spMkLst>
+        </pc:spChg>
+        <pc:spChg chg="add del">
+          <ac:chgData name="FEDERICO CARRARA" userId="e93417db-f703-4389-ad82-be8964ade4b4" providerId="ADAL" clId="{DF25A3CD-B347-45D1-885B-44B740A88AAD}" dt="2024-04-24T06:09:01.064" v="2864" actId="26606"/>
+          <ac:spMkLst>
+            <pc:docMk/>
+            <pc:sldMk cId="1622469523" sldId="257"/>
+            <ac:spMk id="14" creationId="{E704FA00-F5B1-4BF3-BFB2-F832D367024B}"/>
+          </ac:spMkLst>
+        </pc:spChg>
+        <pc:graphicFrameChg chg="mod ord modGraphic">
+          <ac:chgData name="FEDERICO CARRARA" userId="e93417db-f703-4389-ad82-be8964ade4b4" providerId="ADAL" clId="{DF25A3CD-B347-45D1-885B-44B740A88AAD}" dt="2024-04-24T06:09:06.838" v="2865" actId="26606"/>
           <ac:graphicFrameMkLst>
             <pc:docMk/>
             <pc:sldMk cId="1622469523" sldId="257"/>
             <ac:graphicFrameMk id="5" creationId="{5D3B90DE-0468-D792-DBD6-0758F0A499CC}"/>
           </ac:graphicFrameMkLst>
         </pc:graphicFrameChg>
+        <pc:picChg chg="add mod">
+          <ac:chgData name="FEDERICO CARRARA" userId="e93417db-f703-4389-ad82-be8964ade4b4" providerId="ADAL" clId="{DF25A3CD-B347-45D1-885B-44B740A88AAD}" dt="2024-04-24T06:09:06.838" v="2865" actId="26606"/>
+          <ac:picMkLst>
+            <pc:docMk/>
+            <pc:sldMk cId="1622469523" sldId="257"/>
+            <ac:picMk id="4" creationId="{3A08D714-C6CF-E22B-12C3-D7C98D464D85}"/>
+          </ac:picMkLst>
+        </pc:picChg>
+        <pc:picChg chg="add mod">
+          <ac:chgData name="FEDERICO CARRARA" userId="e93417db-f703-4389-ad82-be8964ade4b4" providerId="ADAL" clId="{DF25A3CD-B347-45D1-885B-44B740A88AAD}" dt="2024-04-24T06:09:06.838" v="2865" actId="26606"/>
+          <ac:picMkLst>
+            <pc:docMk/>
+            <pc:sldMk cId="1622469523" sldId="257"/>
+            <ac:picMk id="7" creationId="{9E2E99A8-2C0C-93D2-3614-6095BDB80637}"/>
+          </ac:picMkLst>
+        </pc:picChg>
       </pc:sldChg>
       <pc:sldChg chg="modSp mod ord">
         <pc:chgData name="FEDERICO CARRARA" userId="e93417db-f703-4389-ad82-be8964ade4b4" providerId="ADAL" clId="{DF25A3CD-B347-45D1-885B-44B740A88AAD}" dt="2024-04-23T07:15:16.637" v="1611" actId="20577"/>
@@ -1866,7 +1914,7 @@
 <dgm:dataModel xmlns:dgm="http://schemas.openxmlformats.org/drawingml/2006/diagram" xmlns:a="http://schemas.openxmlformats.org/drawingml/2006/main">
   <dgm:ptLst>
     <dgm:pt modelId="{BFC7B6E5-43AB-45C3-BECA-61CE054177D7}" type="doc">
-      <dgm:prSet loTypeId="urn:microsoft.com/office/officeart/2005/8/layout/hierarchy1" loCatId="hierarchy" qsTypeId="urn:microsoft.com/office/officeart/2005/8/quickstyle/simple4" qsCatId="simple" csTypeId="urn:microsoft.com/office/officeart/2005/8/colors/accent1_2" csCatId="accent1" phldr="1"/>
+      <dgm:prSet loTypeId="urn:microsoft.com/office/officeart/2008/layout/LinedList" loCatId="list" qsTypeId="urn:microsoft.com/office/officeart/2005/8/quickstyle/simple2" qsCatId="simple" csTypeId="urn:microsoft.com/office/officeart/2005/8/colors/accent1_2" csCatId="accent1" phldr="1"/>
       <dgm:spPr/>
       <dgm:t>
         <a:bodyPr/>
@@ -1878,33 +1926,16 @@
     </dgm:pt>
     <dgm:pt modelId="{A6AE7C56-FACD-4C3A-A3CB-A37FFA77EAC1}">
       <dgm:prSet/>
-      <dgm:spPr>
-        <a:ln>
-          <a:solidFill>
-            <a:schemeClr val="bg2">
-              <a:lumMod val="90000"/>
-              <a:lumOff val="10000"/>
-            </a:schemeClr>
-          </a:solidFill>
-        </a:ln>
-      </dgm:spPr>
+      <dgm:spPr/>
       <dgm:t>
         <a:bodyPr/>
         <a:lstStyle/>
         <a:p>
           <a:r>
-            <a:rPr lang="it-IT" dirty="0"/>
-            <a:t>L’applicazione </a:t>
+            <a:rPr lang="it-IT"/>
+            <a:t>L’applicazione TEDxLearn permetterà di accedere a numerosi video relativi a svariate categorie e argomenti, sostenendo, alla fine di ognuno, un piccolo quiz inerente ai contenuti esposti, in modo da rafforzare la memorizzazione e la comprensione degli argomenti appena fruiti.</a:t>
           </a:r>
-          <a:r>
-            <a:rPr lang="it-IT" dirty="0" err="1"/>
-            <a:t>TEDxLearn</a:t>
-          </a:r>
-          <a:r>
-            <a:rPr lang="it-IT" dirty="0"/>
-            <a:t> permetterà di accedere a numerosi video relativi a svariate categorie e argomenti, sostenendo, alla fine di ognuno, un piccolo quiz inerente ai contenuti esposti, in modo da rafforzare la memorizzazione e la comprensione degli argomenti appena fruiti.</a:t>
-          </a:r>
-          <a:endParaRPr lang="en-US" dirty="0"/>
+          <a:endParaRPr lang="en-US"/>
         </a:p>
       </dgm:t>
     </dgm:pt>
@@ -1932,25 +1963,16 @@
     </dgm:pt>
     <dgm:pt modelId="{7223F73E-8141-4D15-8F2C-9B374CE1C034}">
       <dgm:prSet/>
-      <dgm:spPr>
-        <a:ln>
-          <a:solidFill>
-            <a:schemeClr val="bg2">
-              <a:lumMod val="90000"/>
-              <a:lumOff val="10000"/>
-            </a:schemeClr>
-          </a:solidFill>
-        </a:ln>
-      </dgm:spPr>
+      <dgm:spPr/>
       <dgm:t>
         <a:bodyPr/>
         <a:lstStyle/>
         <a:p>
           <a:r>
-            <a:rPr lang="it-IT" dirty="0"/>
+            <a:rPr lang="it-IT"/>
             <a:t>Sarà inoltre possibile prendere delle note relative ai video e l’utente potrà verificare la sua posizione nella classifica generale sulla base dei risultati conseguiti nei quiz.</a:t>
           </a:r>
-          <a:endParaRPr lang="en-US" dirty="0"/>
+          <a:endParaRPr lang="en-US"/>
         </a:p>
       </dgm:t>
     </dgm:pt>
@@ -1976,103 +1998,69 @@
         </a:p>
       </dgm:t>
     </dgm:pt>
-    <dgm:pt modelId="{73C30F03-064B-4F12-8981-BDFC710B0CE4}" type="pres">
-      <dgm:prSet presAssocID="{BFC7B6E5-43AB-45C3-BECA-61CE054177D7}" presName="hierChild1" presStyleCnt="0">
+    <dgm:pt modelId="{FC402B2F-5590-40AF-9C17-E3218D55C40A}" type="pres">
+      <dgm:prSet presAssocID="{BFC7B6E5-43AB-45C3-BECA-61CE054177D7}" presName="vert0" presStyleCnt="0">
         <dgm:presLayoutVars>
-          <dgm:chPref val="1"/>
           <dgm:dir/>
           <dgm:animOne val="branch"/>
           <dgm:animLvl val="lvl"/>
-          <dgm:resizeHandles/>
         </dgm:presLayoutVars>
       </dgm:prSet>
       <dgm:spPr/>
     </dgm:pt>
-    <dgm:pt modelId="{F25595DA-ECD4-4B6A-BD1D-0F0D1EBBF436}" type="pres">
-      <dgm:prSet presAssocID="{A6AE7C56-FACD-4C3A-A3CB-A37FFA77EAC1}" presName="hierRoot1" presStyleCnt="0"/>
+    <dgm:pt modelId="{FE17E18B-CF4F-4FB8-8FE7-2EE78A2F59AE}" type="pres">
+      <dgm:prSet presAssocID="{A6AE7C56-FACD-4C3A-A3CB-A37FFA77EAC1}" presName="thickLine" presStyleLbl="alignNode1" presStyleIdx="0" presStyleCnt="2"/>
       <dgm:spPr/>
     </dgm:pt>
-    <dgm:pt modelId="{1E62E7DC-7482-4668-A8C2-BFCF82C05EB8}" type="pres">
-      <dgm:prSet presAssocID="{A6AE7C56-FACD-4C3A-A3CB-A37FFA77EAC1}" presName="composite" presStyleCnt="0"/>
+    <dgm:pt modelId="{2AD96501-5A99-4167-B6A1-2B345978823B}" type="pres">
+      <dgm:prSet presAssocID="{A6AE7C56-FACD-4C3A-A3CB-A37FFA77EAC1}" presName="horz1" presStyleCnt="0"/>
       <dgm:spPr/>
     </dgm:pt>
-    <dgm:pt modelId="{078B7371-596A-4190-B983-D91AB07AFD5E}" type="pres">
-      <dgm:prSet presAssocID="{A6AE7C56-FACD-4C3A-A3CB-A37FFA77EAC1}" presName="background" presStyleLbl="node0" presStyleIdx="0" presStyleCnt="2"/>
-      <dgm:spPr>
-        <a:solidFill>
-          <a:schemeClr val="accent2">
-            <a:lumMod val="40000"/>
-            <a:lumOff val="60000"/>
-          </a:schemeClr>
-        </a:solidFill>
-      </dgm:spPr>
-    </dgm:pt>
-    <dgm:pt modelId="{D449E144-9AA6-4433-ADB6-8AC0D2E0B732}" type="pres">
-      <dgm:prSet presAssocID="{A6AE7C56-FACD-4C3A-A3CB-A37FFA77EAC1}" presName="text" presStyleLbl="fgAcc0" presStyleIdx="0" presStyleCnt="2">
-        <dgm:presLayoutVars>
-          <dgm:chPref val="3"/>
-        </dgm:presLayoutVars>
-      </dgm:prSet>
+    <dgm:pt modelId="{C5EE67A5-0EC7-416A-8B46-4169AA8247D9}" type="pres">
+      <dgm:prSet presAssocID="{A6AE7C56-FACD-4C3A-A3CB-A37FFA77EAC1}" presName="tx1" presStyleLbl="revTx" presStyleIdx="0" presStyleCnt="2"/>
       <dgm:spPr/>
     </dgm:pt>
-    <dgm:pt modelId="{F813FA10-72F7-4F02-A109-9C4DA1CD81E2}" type="pres">
-      <dgm:prSet presAssocID="{A6AE7C56-FACD-4C3A-A3CB-A37FFA77EAC1}" presName="hierChild2" presStyleCnt="0"/>
+    <dgm:pt modelId="{75AE0CDF-0DEC-4B38-8763-AB6D3306984F}" type="pres">
+      <dgm:prSet presAssocID="{A6AE7C56-FACD-4C3A-A3CB-A37FFA77EAC1}" presName="vert1" presStyleCnt="0"/>
       <dgm:spPr/>
     </dgm:pt>
-    <dgm:pt modelId="{21D3E6C0-F5F9-42A8-A30C-1A7C3E3732A9}" type="pres">
-      <dgm:prSet presAssocID="{7223F73E-8141-4D15-8F2C-9B374CE1C034}" presName="hierRoot1" presStyleCnt="0"/>
+    <dgm:pt modelId="{99669F11-B373-4D32-BBDC-621A2CB639E9}" type="pres">
+      <dgm:prSet presAssocID="{7223F73E-8141-4D15-8F2C-9B374CE1C034}" presName="thickLine" presStyleLbl="alignNode1" presStyleIdx="1" presStyleCnt="2"/>
       <dgm:spPr/>
     </dgm:pt>
-    <dgm:pt modelId="{724D78D8-0459-44FE-8BE1-A79BB6E7F1E1}" type="pres">
-      <dgm:prSet presAssocID="{7223F73E-8141-4D15-8F2C-9B374CE1C034}" presName="composite" presStyleCnt="0"/>
+    <dgm:pt modelId="{79564FC6-CE60-465B-B114-FB71BE8AA7AA}" type="pres">
+      <dgm:prSet presAssocID="{7223F73E-8141-4D15-8F2C-9B374CE1C034}" presName="horz1" presStyleCnt="0"/>
       <dgm:spPr/>
     </dgm:pt>
-    <dgm:pt modelId="{6C4DEB38-D79D-4FD4-B84F-5916BC20AFAF}" type="pres">
-      <dgm:prSet presAssocID="{7223F73E-8141-4D15-8F2C-9B374CE1C034}" presName="background" presStyleLbl="node0" presStyleIdx="1" presStyleCnt="2"/>
-      <dgm:spPr>
-        <a:solidFill>
-          <a:schemeClr val="accent2">
-            <a:lumMod val="40000"/>
-            <a:lumOff val="60000"/>
-          </a:schemeClr>
-        </a:solidFill>
-      </dgm:spPr>
-    </dgm:pt>
-    <dgm:pt modelId="{C9D3145C-3F8C-4054-B38C-3EAA7CF19253}" type="pres">
-      <dgm:prSet presAssocID="{7223F73E-8141-4D15-8F2C-9B374CE1C034}" presName="text" presStyleLbl="fgAcc0" presStyleIdx="1" presStyleCnt="2">
-        <dgm:presLayoutVars>
-          <dgm:chPref val="3"/>
-        </dgm:presLayoutVars>
-      </dgm:prSet>
+    <dgm:pt modelId="{BA5748DF-8822-4B74-9B03-1BD1F930FE3C}" type="pres">
+      <dgm:prSet presAssocID="{7223F73E-8141-4D15-8F2C-9B374CE1C034}" presName="tx1" presStyleLbl="revTx" presStyleIdx="1" presStyleCnt="2"/>
       <dgm:spPr/>
     </dgm:pt>
-    <dgm:pt modelId="{85546D94-9ED6-48BD-9D4F-579F9D9BC93F}" type="pres">
-      <dgm:prSet presAssocID="{7223F73E-8141-4D15-8F2C-9B374CE1C034}" presName="hierChild2" presStyleCnt="0"/>
+    <dgm:pt modelId="{C7857905-8293-45CF-89A1-D8A00E0C2A81}" type="pres">
+      <dgm:prSet presAssocID="{7223F73E-8141-4D15-8F2C-9B374CE1C034}" presName="vert1" presStyleCnt="0"/>
       <dgm:spPr/>
     </dgm:pt>
   </dgm:ptLst>
   <dgm:cxnLst>
-    <dgm:cxn modelId="{71EBFF67-3A9B-4B90-9DD1-4A47792E3A4B}" type="presOf" srcId="{7223F73E-8141-4D15-8F2C-9B374CE1C034}" destId="{C9D3145C-3F8C-4054-B38C-3EAA7CF19253}" srcOrd="0" destOrd="0" presId="urn:microsoft.com/office/officeart/2005/8/layout/hierarchy1"/>
-    <dgm:cxn modelId="{30DCB24A-A92E-4939-A153-DBB8379FA2AA}" type="presOf" srcId="{A6AE7C56-FACD-4C3A-A3CB-A37FFA77EAC1}" destId="{D449E144-9AA6-4433-ADB6-8AC0D2E0B732}" srcOrd="0" destOrd="0" presId="urn:microsoft.com/office/officeart/2005/8/layout/hierarchy1"/>
+    <dgm:cxn modelId="{91E88625-DF20-4F7A-86DB-CAF51FBA3329}" type="presOf" srcId="{BFC7B6E5-43AB-45C3-BECA-61CE054177D7}" destId="{FC402B2F-5590-40AF-9C17-E3218D55C40A}" srcOrd="0" destOrd="0" presId="urn:microsoft.com/office/officeart/2008/layout/LinedList"/>
+    <dgm:cxn modelId="{B8BB5F73-8BF1-48DC-990B-30FAF4B736E1}" type="presOf" srcId="{7223F73E-8141-4D15-8F2C-9B374CE1C034}" destId="{BA5748DF-8822-4B74-9B03-1BD1F930FE3C}" srcOrd="0" destOrd="0" presId="urn:microsoft.com/office/officeart/2008/layout/LinedList"/>
     <dgm:cxn modelId="{2A913D82-325E-4E40-BFDF-25448FAC7D01}" srcId="{BFC7B6E5-43AB-45C3-BECA-61CE054177D7}" destId="{A6AE7C56-FACD-4C3A-A3CB-A37FFA77EAC1}" srcOrd="0" destOrd="0" parTransId="{B1C94A08-97F3-4DDC-82F3-7E7B498EC31D}" sibTransId="{8C9A3D86-3874-4D34-878F-6F8D6294C3C8}"/>
+    <dgm:cxn modelId="{875BFD9C-CE79-40DB-BB55-F2701FC2340D}" type="presOf" srcId="{A6AE7C56-FACD-4C3A-A3CB-A37FFA77EAC1}" destId="{C5EE67A5-0EC7-416A-8B46-4169AA8247D9}" srcOrd="0" destOrd="0" presId="urn:microsoft.com/office/officeart/2008/layout/LinedList"/>
     <dgm:cxn modelId="{54560AE7-7CEC-4E54-BF5B-7D8C0B767BA6}" srcId="{BFC7B6E5-43AB-45C3-BECA-61CE054177D7}" destId="{7223F73E-8141-4D15-8F2C-9B374CE1C034}" srcOrd="1" destOrd="0" parTransId="{02CE0FC3-26E6-4BF3-9A3D-2E5EC7B03070}" sibTransId="{3BC37462-D9CD-46D4-9D34-7E68D1878541}"/>
-    <dgm:cxn modelId="{6361E8E8-4F6E-49DC-8CFD-D15C05CF2F42}" type="presOf" srcId="{BFC7B6E5-43AB-45C3-BECA-61CE054177D7}" destId="{73C30F03-064B-4F12-8981-BDFC710B0CE4}" srcOrd="0" destOrd="0" presId="urn:microsoft.com/office/officeart/2005/8/layout/hierarchy1"/>
-    <dgm:cxn modelId="{8785487D-C6DA-471D-AA36-D680F4746353}" type="presParOf" srcId="{73C30F03-064B-4F12-8981-BDFC710B0CE4}" destId="{F25595DA-ECD4-4B6A-BD1D-0F0D1EBBF436}" srcOrd="0" destOrd="0" presId="urn:microsoft.com/office/officeart/2005/8/layout/hierarchy1"/>
-    <dgm:cxn modelId="{361F070E-BA06-4839-9AAC-782C4668EAC8}" type="presParOf" srcId="{F25595DA-ECD4-4B6A-BD1D-0F0D1EBBF436}" destId="{1E62E7DC-7482-4668-A8C2-BFCF82C05EB8}" srcOrd="0" destOrd="0" presId="urn:microsoft.com/office/officeart/2005/8/layout/hierarchy1"/>
-    <dgm:cxn modelId="{45A00C3A-B399-44E5-A7D0-41E185299900}" type="presParOf" srcId="{1E62E7DC-7482-4668-A8C2-BFCF82C05EB8}" destId="{078B7371-596A-4190-B983-D91AB07AFD5E}" srcOrd="0" destOrd="0" presId="urn:microsoft.com/office/officeart/2005/8/layout/hierarchy1"/>
-    <dgm:cxn modelId="{F747691D-593C-429E-A9DD-E8B8C2F4A69A}" type="presParOf" srcId="{1E62E7DC-7482-4668-A8C2-BFCF82C05EB8}" destId="{D449E144-9AA6-4433-ADB6-8AC0D2E0B732}" srcOrd="1" destOrd="0" presId="urn:microsoft.com/office/officeart/2005/8/layout/hierarchy1"/>
-    <dgm:cxn modelId="{0A459293-22CE-4EF8-B30C-D973EF977F56}" type="presParOf" srcId="{F25595DA-ECD4-4B6A-BD1D-0F0D1EBBF436}" destId="{F813FA10-72F7-4F02-A109-9C4DA1CD81E2}" srcOrd="1" destOrd="0" presId="urn:microsoft.com/office/officeart/2005/8/layout/hierarchy1"/>
-    <dgm:cxn modelId="{203A7BC7-4ACC-426A-A179-F9BA0523C982}" type="presParOf" srcId="{73C30F03-064B-4F12-8981-BDFC710B0CE4}" destId="{21D3E6C0-F5F9-42A8-A30C-1A7C3E3732A9}" srcOrd="1" destOrd="0" presId="urn:microsoft.com/office/officeart/2005/8/layout/hierarchy1"/>
-    <dgm:cxn modelId="{2941BE42-9C96-4F49-A9B8-5F630624E117}" type="presParOf" srcId="{21D3E6C0-F5F9-42A8-A30C-1A7C3E3732A9}" destId="{724D78D8-0459-44FE-8BE1-A79BB6E7F1E1}" srcOrd="0" destOrd="0" presId="urn:microsoft.com/office/officeart/2005/8/layout/hierarchy1"/>
-    <dgm:cxn modelId="{ECB47436-00BB-4993-B10B-D55C811D44E2}" type="presParOf" srcId="{724D78D8-0459-44FE-8BE1-A79BB6E7F1E1}" destId="{6C4DEB38-D79D-4FD4-B84F-5916BC20AFAF}" srcOrd="0" destOrd="0" presId="urn:microsoft.com/office/officeart/2005/8/layout/hierarchy1"/>
-    <dgm:cxn modelId="{AC637AC7-D974-4530-B66F-11C93D408900}" type="presParOf" srcId="{724D78D8-0459-44FE-8BE1-A79BB6E7F1E1}" destId="{C9D3145C-3F8C-4054-B38C-3EAA7CF19253}" srcOrd="1" destOrd="0" presId="urn:microsoft.com/office/officeart/2005/8/layout/hierarchy1"/>
-    <dgm:cxn modelId="{57F08B6F-6DF8-4A2C-B1A9-92A88E506AAE}" type="presParOf" srcId="{21D3E6C0-F5F9-42A8-A30C-1A7C3E3732A9}" destId="{85546D94-9ED6-48BD-9D4F-579F9D9BC93F}" srcOrd="1" destOrd="0" presId="urn:microsoft.com/office/officeart/2005/8/layout/hierarchy1"/>
+    <dgm:cxn modelId="{28A446D7-8461-4F29-96EF-77E1A470A103}" type="presParOf" srcId="{FC402B2F-5590-40AF-9C17-E3218D55C40A}" destId="{FE17E18B-CF4F-4FB8-8FE7-2EE78A2F59AE}" srcOrd="0" destOrd="0" presId="urn:microsoft.com/office/officeart/2008/layout/LinedList"/>
+    <dgm:cxn modelId="{DE1A6E7E-1499-41AB-9E4B-713AFE4EFB39}" type="presParOf" srcId="{FC402B2F-5590-40AF-9C17-E3218D55C40A}" destId="{2AD96501-5A99-4167-B6A1-2B345978823B}" srcOrd="1" destOrd="0" presId="urn:microsoft.com/office/officeart/2008/layout/LinedList"/>
+    <dgm:cxn modelId="{DE6C743B-15B2-436B-8115-E2F70708940F}" type="presParOf" srcId="{2AD96501-5A99-4167-B6A1-2B345978823B}" destId="{C5EE67A5-0EC7-416A-8B46-4169AA8247D9}" srcOrd="0" destOrd="0" presId="urn:microsoft.com/office/officeart/2008/layout/LinedList"/>
+    <dgm:cxn modelId="{307D8927-C373-428B-BB85-2287A75DEF0A}" type="presParOf" srcId="{2AD96501-5A99-4167-B6A1-2B345978823B}" destId="{75AE0CDF-0DEC-4B38-8763-AB6D3306984F}" srcOrd="1" destOrd="0" presId="urn:microsoft.com/office/officeart/2008/layout/LinedList"/>
+    <dgm:cxn modelId="{1F5D970A-9B34-494E-86F4-D7C7A72F616D}" type="presParOf" srcId="{FC402B2F-5590-40AF-9C17-E3218D55C40A}" destId="{99669F11-B373-4D32-BBDC-621A2CB639E9}" srcOrd="2" destOrd="0" presId="urn:microsoft.com/office/officeart/2008/layout/LinedList"/>
+    <dgm:cxn modelId="{E43AAD70-CBB6-4EE7-BF0F-422CDD38303E}" type="presParOf" srcId="{FC402B2F-5590-40AF-9C17-E3218D55C40A}" destId="{79564FC6-CE60-465B-B114-FB71BE8AA7AA}" srcOrd="3" destOrd="0" presId="urn:microsoft.com/office/officeart/2008/layout/LinedList"/>
+    <dgm:cxn modelId="{AD481A85-B4D9-4352-A0F0-D8E73434BE5F}" type="presParOf" srcId="{79564FC6-CE60-465B-B114-FB71BE8AA7AA}" destId="{BA5748DF-8822-4B74-9B03-1BD1F930FE3C}" srcOrd="0" destOrd="0" presId="urn:microsoft.com/office/officeart/2008/layout/LinedList"/>
+    <dgm:cxn modelId="{CE16963A-BDDD-4775-82E9-8433D12B5BD4}" type="presParOf" srcId="{79564FC6-CE60-465B-B114-FB71BE8AA7AA}" destId="{C7857905-8293-45CF-89A1-D8A00E0C2A81}" srcOrd="1" destOrd="0" presId="urn:microsoft.com/office/officeart/2008/layout/LinedList"/>
   </dgm:cxnLst>
   <dgm:bg/>
   <dgm:whole/>
   <dgm:extLst>
     <a:ext uri="http://schemas.microsoft.com/office/drawing/2008/diagram">
-      <dsp:dataModelExt xmlns:dsp="http://schemas.microsoft.com/office/drawing/2008/diagram" relId="rId7" minVer="http://schemas.openxmlformats.org/drawingml/2006/diagram"/>
+      <dsp:dataModelExt xmlns:dsp="http://schemas.microsoft.com/office/drawing/2008/diagram" relId="rId9" minVer="http://schemas.openxmlformats.org/drawingml/2006/diagram"/>
     </a:ext>
   </dgm:extLst>
 </dgm:dataModel>
@@ -2442,27 +2430,69 @@
       <dsp:cNvGrpSpPr/>
     </dsp:nvGrpSpPr>
     <dsp:grpSpPr/>
-    <dsp:sp modelId="{078B7371-596A-4190-B983-D91AB07AFD5E}">
+    <dsp:sp modelId="{FE17E18B-CF4F-4FB8-8FE7-2EE78A2F59AE}">
       <dsp:nvSpPr>
         <dsp:cNvPr id="0" name=""/>
         <dsp:cNvSpPr/>
       </dsp:nvSpPr>
       <dsp:spPr>
         <a:xfrm>
-          <a:off x="6287" y="1368"/>
-          <a:ext cx="4240038" cy="2692424"/>
+          <a:off x="0" y="0"/>
+          <a:ext cx="4710683" cy="0"/>
         </a:xfrm>
-        <a:prstGeom prst="roundRect">
-          <a:avLst>
-            <a:gd name="adj" fmla="val 10000"/>
-          </a:avLst>
+        <a:prstGeom prst="line">
+          <a:avLst/>
         </a:prstGeom>
         <a:solidFill>
-          <a:schemeClr val="accent2">
-            <a:lumMod val="40000"/>
-            <a:lumOff val="60000"/>
+          <a:schemeClr val="accent1">
+            <a:hueOff val="0"/>
+            <a:satOff val="0"/>
+            <a:lumOff val="0"/>
+            <a:alphaOff val="0"/>
           </a:schemeClr>
         </a:solidFill>
+        <a:ln w="15875" cap="flat" cmpd="sng" algn="ctr">
+          <a:solidFill>
+            <a:schemeClr val="accent1">
+              <a:hueOff val="0"/>
+              <a:satOff val="0"/>
+              <a:lumOff val="0"/>
+              <a:alphaOff val="0"/>
+            </a:schemeClr>
+          </a:solidFill>
+          <a:prstDash val="solid"/>
+        </a:ln>
+        <a:effectLst/>
+      </dsp:spPr>
+      <dsp:style>
+        <a:lnRef idx="2">
+          <a:scrgbClr r="0" g="0" b="0"/>
+        </a:lnRef>
+        <a:fillRef idx="1">
+          <a:scrgbClr r="0" g="0" b="0"/>
+        </a:fillRef>
+        <a:effectRef idx="1">
+          <a:scrgbClr r="0" g="0" b="0"/>
+        </a:effectRef>
+        <a:fontRef idx="minor">
+          <a:schemeClr val="lt1"/>
+        </a:fontRef>
+      </dsp:style>
+    </dsp:sp>
+    <dsp:sp modelId="{C5EE67A5-0EC7-416A-8B46-4169AA8247D9}">
+      <dsp:nvSpPr>
+        <dsp:cNvPr id="0" name=""/>
+        <dsp:cNvSpPr/>
+      </dsp:nvSpPr>
+      <dsp:spPr>
+        <a:xfrm>
+          <a:off x="0" y="0"/>
+          <a:ext cx="4710683" cy="1770857"/>
+        </a:xfrm>
+        <a:prstGeom prst="rect">
+          <a:avLst/>
+        </a:prstGeom>
+        <a:noFill/>
         <a:ln>
           <a:noFill/>
         </a:ln>
@@ -2472,57 +2502,7 @@
         <a:lnRef idx="0">
           <a:scrgbClr r="0" g="0" b="0"/>
         </a:lnRef>
-        <a:fillRef idx="3">
-          <a:scrgbClr r="0" g="0" b="0"/>
-        </a:fillRef>
-        <a:effectRef idx="2">
-          <a:scrgbClr r="0" g="0" b="0"/>
-        </a:effectRef>
-        <a:fontRef idx="minor">
-          <a:schemeClr val="lt1"/>
-        </a:fontRef>
-      </dsp:style>
-    </dsp:sp>
-    <dsp:sp modelId="{D449E144-9AA6-4433-ADB6-8AC0D2E0B732}">
-      <dsp:nvSpPr>
-        <dsp:cNvPr id="0" name=""/>
-        <dsp:cNvSpPr/>
-      </dsp:nvSpPr>
-      <dsp:spPr>
-        <a:xfrm>
-          <a:off x="477403" y="448927"/>
-          <a:ext cx="4240038" cy="2692424"/>
-        </a:xfrm>
-        <a:prstGeom prst="roundRect">
-          <a:avLst>
-            <a:gd name="adj" fmla="val 10000"/>
-          </a:avLst>
-        </a:prstGeom>
-        <a:solidFill>
-          <a:schemeClr val="lt1">
-            <a:alpha val="90000"/>
-            <a:hueOff val="0"/>
-            <a:satOff val="0"/>
-            <a:lumOff val="0"/>
-            <a:alphaOff val="0"/>
-          </a:schemeClr>
-        </a:solidFill>
-        <a:ln w="9525" cap="flat" cmpd="sng" algn="ctr">
-          <a:solidFill>
-            <a:schemeClr val="bg2">
-              <a:lumMod val="90000"/>
-              <a:lumOff val="10000"/>
-            </a:schemeClr>
-          </a:solidFill>
-          <a:prstDash val="solid"/>
-        </a:ln>
-        <a:effectLst/>
-      </dsp:spPr>
-      <dsp:style>
-        <a:lnRef idx="1">
-          <a:scrgbClr r="0" g="0" b="0"/>
-        </a:lnRef>
-        <a:fillRef idx="1">
+        <a:fillRef idx="0">
           <a:scrgbClr r="0" g="0" b="0"/>
         </a:fillRef>
         <a:effectRef idx="0">
@@ -2531,12 +2511,12 @@
         <a:fontRef idx="minor"/>
       </dsp:style>
       <dsp:txBody>
-        <a:bodyPr spcFirstLastPara="0" vert="horz" wrap="square" lIns="80010" tIns="80010" rIns="80010" bIns="80010" numCol="1" spcCol="1270" anchor="ctr" anchorCtr="0">
+        <a:bodyPr spcFirstLastPara="0" vert="horz" wrap="square" lIns="68580" tIns="68580" rIns="68580" bIns="68580" numCol="1" spcCol="1270" anchor="t" anchorCtr="0">
           <a:noAutofit/>
         </a:bodyPr>
         <a:lstStyle/>
         <a:p>
-          <a:pPr marL="0" lvl="0" indent="0" algn="ctr" defTabSz="933450">
+          <a:pPr marL="0" lvl="0" indent="0" algn="l" defTabSz="800100">
             <a:lnSpc>
               <a:spcPct val="90000"/>
             </a:lnSpc>
@@ -2549,46 +2529,80 @@
             <a:buNone/>
           </a:pPr>
           <a:r>
-            <a:rPr lang="it-IT" sz="2100" kern="1200" dirty="0"/>
-            <a:t>L’applicazione </a:t>
+            <a:rPr lang="it-IT" sz="1800" kern="1200"/>
+            <a:t>L’applicazione TEDxLearn permetterà di accedere a numerosi video relativi a svariate categorie e argomenti, sostenendo, alla fine di ognuno, un piccolo quiz inerente ai contenuti esposti, in modo da rafforzare la memorizzazione e la comprensione degli argomenti appena fruiti.</a:t>
           </a:r>
-          <a:r>
-            <a:rPr lang="it-IT" sz="2100" kern="1200" dirty="0" err="1"/>
-            <a:t>TEDxLearn</a:t>
-          </a:r>
-          <a:r>
-            <a:rPr lang="it-IT" sz="2100" kern="1200" dirty="0"/>
-            <a:t> permetterà di accedere a numerosi video relativi a svariate categorie e argomenti, sostenendo, alla fine di ognuno, un piccolo quiz inerente ai contenuti esposti, in modo da rafforzare la memorizzazione e la comprensione degli argomenti appena fruiti.</a:t>
-          </a:r>
-          <a:endParaRPr lang="en-US" sz="2100" kern="1200" dirty="0"/>
+          <a:endParaRPr lang="en-US" sz="1800" kern="1200"/>
         </a:p>
       </dsp:txBody>
       <dsp:txXfrm>
-        <a:off x="556261" y="527785"/>
-        <a:ext cx="4082322" cy="2534708"/>
+        <a:off x="0" y="0"/>
+        <a:ext cx="4710683" cy="1770857"/>
       </dsp:txXfrm>
     </dsp:sp>
-    <dsp:sp modelId="{6C4DEB38-D79D-4FD4-B84F-5916BC20AFAF}">
+    <dsp:sp modelId="{99669F11-B373-4D32-BBDC-621A2CB639E9}">
       <dsp:nvSpPr>
         <dsp:cNvPr id="0" name=""/>
         <dsp:cNvSpPr/>
       </dsp:nvSpPr>
       <dsp:spPr>
         <a:xfrm>
-          <a:off x="5188557" y="1368"/>
-          <a:ext cx="4240038" cy="2692424"/>
+          <a:off x="0" y="1770857"/>
+          <a:ext cx="4710683" cy="0"/>
         </a:xfrm>
-        <a:prstGeom prst="roundRect">
-          <a:avLst>
-            <a:gd name="adj" fmla="val 10000"/>
-          </a:avLst>
+        <a:prstGeom prst="line">
+          <a:avLst/>
         </a:prstGeom>
         <a:solidFill>
-          <a:schemeClr val="accent2">
-            <a:lumMod val="40000"/>
-            <a:lumOff val="60000"/>
+          <a:schemeClr val="accent1">
+            <a:hueOff val="0"/>
+            <a:satOff val="0"/>
+            <a:lumOff val="0"/>
+            <a:alphaOff val="0"/>
           </a:schemeClr>
         </a:solidFill>
+        <a:ln w="15875" cap="flat" cmpd="sng" algn="ctr">
+          <a:solidFill>
+            <a:schemeClr val="accent1">
+              <a:hueOff val="0"/>
+              <a:satOff val="0"/>
+              <a:lumOff val="0"/>
+              <a:alphaOff val="0"/>
+            </a:schemeClr>
+          </a:solidFill>
+          <a:prstDash val="solid"/>
+        </a:ln>
+        <a:effectLst/>
+      </dsp:spPr>
+      <dsp:style>
+        <a:lnRef idx="2">
+          <a:scrgbClr r="0" g="0" b="0"/>
+        </a:lnRef>
+        <a:fillRef idx="1">
+          <a:scrgbClr r="0" g="0" b="0"/>
+        </a:fillRef>
+        <a:effectRef idx="1">
+          <a:scrgbClr r="0" g="0" b="0"/>
+        </a:effectRef>
+        <a:fontRef idx="minor">
+          <a:schemeClr val="lt1"/>
+        </a:fontRef>
+      </dsp:style>
+    </dsp:sp>
+    <dsp:sp modelId="{BA5748DF-8822-4B74-9B03-1BD1F930FE3C}">
+      <dsp:nvSpPr>
+        <dsp:cNvPr id="0" name=""/>
+        <dsp:cNvSpPr/>
+      </dsp:nvSpPr>
+      <dsp:spPr>
+        <a:xfrm>
+          <a:off x="0" y="1770857"/>
+          <a:ext cx="4710683" cy="1770857"/>
+        </a:xfrm>
+        <a:prstGeom prst="rect">
+          <a:avLst/>
+        </a:prstGeom>
+        <a:noFill/>
         <a:ln>
           <a:noFill/>
         </a:ln>
@@ -2598,57 +2612,7 @@
         <a:lnRef idx="0">
           <a:scrgbClr r="0" g="0" b="0"/>
         </a:lnRef>
-        <a:fillRef idx="3">
-          <a:scrgbClr r="0" g="0" b="0"/>
-        </a:fillRef>
-        <a:effectRef idx="2">
-          <a:scrgbClr r="0" g="0" b="0"/>
-        </a:effectRef>
-        <a:fontRef idx="minor">
-          <a:schemeClr val="lt1"/>
-        </a:fontRef>
-      </dsp:style>
-    </dsp:sp>
-    <dsp:sp modelId="{C9D3145C-3F8C-4054-B38C-3EAA7CF19253}">
-      <dsp:nvSpPr>
-        <dsp:cNvPr id="0" name=""/>
-        <dsp:cNvSpPr/>
-      </dsp:nvSpPr>
-      <dsp:spPr>
-        <a:xfrm>
-          <a:off x="5659673" y="448927"/>
-          <a:ext cx="4240038" cy="2692424"/>
-        </a:xfrm>
-        <a:prstGeom prst="roundRect">
-          <a:avLst>
-            <a:gd name="adj" fmla="val 10000"/>
-          </a:avLst>
-        </a:prstGeom>
-        <a:solidFill>
-          <a:schemeClr val="lt1">
-            <a:alpha val="90000"/>
-            <a:hueOff val="0"/>
-            <a:satOff val="0"/>
-            <a:lumOff val="0"/>
-            <a:alphaOff val="0"/>
-          </a:schemeClr>
-        </a:solidFill>
-        <a:ln w="9525" cap="flat" cmpd="sng" algn="ctr">
-          <a:solidFill>
-            <a:schemeClr val="bg2">
-              <a:lumMod val="90000"/>
-              <a:lumOff val="10000"/>
-            </a:schemeClr>
-          </a:solidFill>
-          <a:prstDash val="solid"/>
-        </a:ln>
-        <a:effectLst/>
-      </dsp:spPr>
-      <dsp:style>
-        <a:lnRef idx="1">
-          <a:scrgbClr r="0" g="0" b="0"/>
-        </a:lnRef>
-        <a:fillRef idx="1">
+        <a:fillRef idx="0">
           <a:scrgbClr r="0" g="0" b="0"/>
         </a:fillRef>
         <a:effectRef idx="0">
@@ -2657,12 +2621,12 @@
         <a:fontRef idx="minor"/>
       </dsp:style>
       <dsp:txBody>
-        <a:bodyPr spcFirstLastPara="0" vert="horz" wrap="square" lIns="80010" tIns="80010" rIns="80010" bIns="80010" numCol="1" spcCol="1270" anchor="ctr" anchorCtr="0">
+        <a:bodyPr spcFirstLastPara="0" vert="horz" wrap="square" lIns="68580" tIns="68580" rIns="68580" bIns="68580" numCol="1" spcCol="1270" anchor="t" anchorCtr="0">
           <a:noAutofit/>
         </a:bodyPr>
         <a:lstStyle/>
         <a:p>
-          <a:pPr marL="0" lvl="0" indent="0" algn="ctr" defTabSz="933450">
+          <a:pPr marL="0" lvl="0" indent="0" algn="l" defTabSz="800100">
             <a:lnSpc>
               <a:spcPct val="90000"/>
             </a:lnSpc>
@@ -2675,15 +2639,15 @@
             <a:buNone/>
           </a:pPr>
           <a:r>
-            <a:rPr lang="it-IT" sz="2100" kern="1200" dirty="0"/>
+            <a:rPr lang="it-IT" sz="1800" kern="1200"/>
             <a:t>Sarà inoltre possibile prendere delle note relative ai video e l’utente potrà verificare la sua posizione nella classifica generale sulla base dei risultati conseguiti nei quiz.</a:t>
           </a:r>
-          <a:endParaRPr lang="en-US" sz="2100" kern="1200" dirty="0"/>
+          <a:endParaRPr lang="en-US" sz="1800" kern="1200"/>
         </a:p>
       </dsp:txBody>
       <dsp:txXfrm>
-        <a:off x="5738531" y="527785"/>
-        <a:ext cx="4082322" cy="2534708"/>
+        <a:off x="0" y="1770857"/>
+        <a:ext cx="4710683" cy="1770857"/>
       </dsp:txXfrm>
     </dsp:sp>
   </dsp:spTree>
@@ -3147,11 +3111,12 @@
 </file>
 
 <file path=ppt/diagrams/layout1.xml><?xml version="1.0" encoding="utf-8"?>
-<dgm:layoutDef xmlns:dgm="http://schemas.openxmlformats.org/drawingml/2006/diagram" xmlns:a="http://schemas.openxmlformats.org/drawingml/2006/main" uniqueId="urn:microsoft.com/office/officeart/2005/8/layout/hierarchy1">
+<dgm:layoutDef xmlns:dgm="http://schemas.openxmlformats.org/drawingml/2006/diagram" xmlns:a="http://schemas.openxmlformats.org/drawingml/2006/main" uniqueId="urn:microsoft.com/office/officeart/2008/layout/LinedList">
   <dgm:title val=""/>
   <dgm:desc val=""/>
   <dgm:catLst>
-    <dgm:cat type="hierarchy" pri="2000"/>
+    <dgm:cat type="hierarchy" pri="8000"/>
+    <dgm:cat type="list" pri="2500"/>
   </dgm:catLst>
   <dgm:sampData>
     <dgm:dataModel>
@@ -3160,29 +3125,21 @@
         <dgm:pt modelId="1">
           <dgm:prSet phldr="1"/>
         </dgm:pt>
-        <dgm:pt modelId="2">
+        <dgm:pt modelId="11">
           <dgm:prSet phldr="1"/>
         </dgm:pt>
-        <dgm:pt modelId="21">
+        <dgm:pt modelId="12">
           <dgm:prSet phldr="1"/>
         </dgm:pt>
-        <dgm:pt modelId="22">
-          <dgm:prSet phldr="1"/>
-        </dgm:pt>
-        <dgm:pt modelId="3">
-          <dgm:prSet phldr="1"/>
-        </dgm:pt>
-        <dgm:pt modelId="31">
+        <dgm:pt modelId="13">
           <dgm:prSet phldr="1"/>
         </dgm:pt>
       </dgm:ptLst>
       <dgm:cxnLst>
-        <dgm:cxn modelId="4" srcId="0" destId="1" srcOrd="0" destOrd="0"/>
-        <dgm:cxn modelId="5" srcId="1" destId="2" srcOrd="0" destOrd="0"/>
-        <dgm:cxn modelId="6" srcId="1" destId="3" srcOrd="1" destOrd="0"/>
-        <dgm:cxn modelId="23" srcId="2" destId="21" srcOrd="0" destOrd="0"/>
-        <dgm:cxn modelId="24" srcId="2" destId="22" srcOrd="1" destOrd="0"/>
-        <dgm:cxn modelId="33" srcId="3" destId="31" srcOrd="0" destOrd="0"/>
+        <dgm:cxn modelId="2" srcId="0" destId="1" srcOrd="0" destOrd="0"/>
+        <dgm:cxn modelId="3" srcId="1" destId="11" srcOrd="0" destOrd="0"/>
+        <dgm:cxn modelId="4" srcId="1" destId="12" srcOrd="1" destOrd="0"/>
+        <dgm:cxn modelId="5" srcId="1" destId="13" srcOrd="2" destOrd="0"/>
       </dgm:cxnLst>
       <dgm:bg/>
       <dgm:whole/>
@@ -3192,14 +3149,20 @@
     <dgm:dataModel>
       <dgm:ptLst>
         <dgm:pt modelId="0" type="doc"/>
-        <dgm:pt modelId="1"/>
-        <dgm:pt modelId="11"/>
-        <dgm:pt modelId="12"/>
+        <dgm:pt modelId="1">
+          <dgm:prSet phldr="1"/>
+        </dgm:pt>
+        <dgm:pt modelId="11">
+          <dgm:prSet phldr="1"/>
+        </dgm:pt>
+        <dgm:pt modelId="12">
+          <dgm:prSet phldr="1"/>
+        </dgm:pt>
       </dgm:ptLst>
       <dgm:cxnLst>
         <dgm:cxn modelId="2" srcId="0" destId="1" srcOrd="0" destOrd="0"/>
-        <dgm:cxn modelId="13" srcId="1" destId="11" srcOrd="0" destOrd="0"/>
-        <dgm:cxn modelId="14" srcId="1" destId="12" srcOrd="1" destOrd="0"/>
+        <dgm:cxn modelId="3" srcId="1" destId="11" srcOrd="0" destOrd="0"/>
+        <dgm:cxn modelId="4" srcId="1" destId="12" srcOrd="1" destOrd="0"/>
       </dgm:cxnLst>
       <dgm:bg/>
       <dgm:whole/>
@@ -3209,44 +3172,42 @@
     <dgm:dataModel>
       <dgm:ptLst>
         <dgm:pt modelId="0" type="doc"/>
-        <dgm:pt modelId="1"/>
-        <dgm:pt modelId="2"/>
-        <dgm:pt modelId="21"/>
-        <dgm:pt modelId="211"/>
-        <dgm:pt modelId="3"/>
-        <dgm:pt modelId="31"/>
-        <dgm:pt modelId="311"/>
+        <dgm:pt modelId="1">
+          <dgm:prSet phldr="1"/>
+        </dgm:pt>
+        <dgm:pt modelId="11">
+          <dgm:prSet phldr="1"/>
+        </dgm:pt>
+        <dgm:pt modelId="12">
+          <dgm:prSet phldr="1"/>
+        </dgm:pt>
       </dgm:ptLst>
       <dgm:cxnLst>
-        <dgm:cxn modelId="4" srcId="0" destId="1" srcOrd="0" destOrd="0"/>
-        <dgm:cxn modelId="5" srcId="1" destId="2" srcOrd="0" destOrd="0"/>
-        <dgm:cxn modelId="6" srcId="1" destId="3" srcOrd="1" destOrd="0"/>
-        <dgm:cxn modelId="23" srcId="2" destId="21" srcOrd="0" destOrd="0"/>
-        <dgm:cxn modelId="24" srcId="21" destId="211" srcOrd="0" destOrd="0"/>
-        <dgm:cxn modelId="33" srcId="3" destId="31" srcOrd="0" destOrd="0"/>
-        <dgm:cxn modelId="34" srcId="31" destId="311" srcOrd="0" destOrd="0"/>
+        <dgm:cxn modelId="2" srcId="0" destId="1" srcOrd="0" destOrd="0"/>
+        <dgm:cxn modelId="3" srcId="1" destId="11" srcOrd="0" destOrd="0"/>
+        <dgm:cxn modelId="4" srcId="1" destId="12" srcOrd="1" destOrd="0"/>
       </dgm:cxnLst>
       <dgm:bg/>
       <dgm:whole/>
     </dgm:dataModel>
   </dgm:clrData>
-  <dgm:layoutNode name="hierChild1">
+  <dgm:layoutNode name="vert0">
     <dgm:varLst>
-      <dgm:chPref val="1"/>
       <dgm:dir/>
       <dgm:animOne val="branch"/>
       <dgm:animLvl val="lvl"/>
-      <dgm:resizeHandles/>
     </dgm:varLst>
     <dgm:choose name="Name0">
       <dgm:if name="Name1" func="var" arg="dir" op="equ" val="norm">
-        <dgm:alg type="hierChild">
-          <dgm:param type="linDir" val="fromL"/>
+        <dgm:alg type="lin">
+          <dgm:param type="linDir" val="fromT"/>
+          <dgm:param type="nodeHorzAlign" val="l"/>
         </dgm:alg>
       </dgm:if>
       <dgm:else name="Name2">
-        <dgm:alg type="hierChild">
-          <dgm:param type="linDir" val="fromR"/>
+        <dgm:alg type="lin">
+          <dgm:param type="linDir" val="fromT"/>
+          <dgm:param type="nodeHorzAlign" val="r"/>
         </dgm:alg>
       </dgm:else>
     </dgm:choose>
@@ -3255,183 +3216,247 @@
     </dgm:shape>
     <dgm:presOf/>
     <dgm:constrLst>
-      <dgm:constr type="primFontSz" for="des" ptType="node" op="equ" val="65"/>
-      <dgm:constr type="w" for="des" forName="composite" refType="w"/>
-      <dgm:constr type="h" for="des" forName="composite" refType="w" refFor="des" refForName="composite" fact="0.667"/>
-      <dgm:constr type="w" for="des" forName="composite2" refType="w" refFor="des" refForName="composite"/>
-      <dgm:constr type="h" for="des" forName="composite2" refType="h" refFor="des" refForName="composite"/>
-      <dgm:constr type="w" for="des" forName="composite3" refType="w" refFor="des" refForName="composite"/>
-      <dgm:constr type="h" for="des" forName="composite3" refType="h" refFor="des" refForName="composite"/>
-      <dgm:constr type="w" for="des" forName="composite4" refType="w" refFor="des" refForName="composite"/>
-      <dgm:constr type="h" for="des" forName="composite4" refType="h" refFor="des" refForName="composite"/>
-      <dgm:constr type="w" for="des" forName="composite5" refType="w" refFor="des" refForName="composite"/>
-      <dgm:constr type="h" for="des" forName="composite5" refType="h" refFor="des" refForName="composite"/>
-      <dgm:constr type="sibSp" refType="w" refFor="des" refForName="composite" fact="0.1"/>
-      <dgm:constr type="sibSp" for="des" forName="hierChild2" refType="sibSp"/>
-      <dgm:constr type="sibSp" for="des" forName="hierChild3" refType="sibSp"/>
-      <dgm:constr type="sibSp" for="des" forName="hierChild4" refType="sibSp"/>
-      <dgm:constr type="sibSp" for="des" forName="hierChild5" refType="sibSp"/>
-      <dgm:constr type="sibSp" for="des" forName="hierChild6" refType="sibSp"/>
-      <dgm:constr type="sp" for="des" forName="hierRoot1" refType="h" refFor="des" refForName="composite" fact="0.25"/>
-      <dgm:constr type="sp" for="des" forName="hierRoot2" refType="sp" refFor="des" refForName="hierRoot1"/>
-      <dgm:constr type="sp" for="des" forName="hierRoot3" refType="sp" refFor="des" refForName="hierRoot1"/>
-      <dgm:constr type="sp" for="des" forName="hierRoot4" refType="sp" refFor="des" refForName="hierRoot1"/>
-      <dgm:constr type="sp" for="des" forName="hierRoot5" refType="sp" refFor="des" refForName="hierRoot1"/>
+      <dgm:constr type="w" for="ch" forName="horz1" refType="w"/>
+      <dgm:constr type="h" for="ch" forName="horz1" refType="h"/>
+      <dgm:constr type="h" for="des" forName="vert1" refType="h"/>
+      <dgm:constr type="h" for="des" forName="tx1" refType="h"/>
+      <dgm:constr type="h" for="des" forName="horz2" refType="h"/>
+      <dgm:constr type="h" for="des" forName="vert2" refType="h"/>
+      <dgm:constr type="h" for="des" forName="horz3" refType="h"/>
+      <dgm:constr type="h" for="des" forName="vert3" refType="h"/>
+      <dgm:constr type="h" for="des" forName="horz4" refType="h"/>
+      <dgm:constr type="h" for="des" ptType="node" refType="h"/>
+      <dgm:constr type="primFontSz" for="des" forName="tx1" op="equ" val="65"/>
+      <dgm:constr type="primFontSz" for="des" forName="tx2" op="equ" val="65"/>
+      <dgm:constr type="primFontSz" for="des" forName="tx3" op="equ" val="65"/>
+      <dgm:constr type="primFontSz" for="des" forName="tx4" op="equ" val="65"/>
+      <dgm:constr type="w" for="des" forName="thickLine" refType="w"/>
+      <dgm:constr type="h" for="des" forName="thickLine"/>
+      <dgm:constr type="h" for="des" forName="thinLine1"/>
+      <dgm:constr type="h" for="des" forName="thinLine2b"/>
+      <dgm:constr type="h" for="des" forName="thinLine3"/>
+      <dgm:constr type="h" for="des" forName="vertSpace2a" refType="h" fact="0.05"/>
+      <dgm:constr type="h" for="des" forName="vertSpace2b" refType="h" refFor="des" refForName="vertSpace2a"/>
     </dgm:constrLst>
-    <dgm:ruleLst/>
-    <dgm:forEach name="Name3" axis="ch">
-      <dgm:forEach name="Name4" axis="self" ptType="node">
-        <dgm:layoutNode name="hierRoot1">
-          <dgm:alg type="hierRoot"/>
+    <dgm:forEach name="Name3" axis="ch" ptType="node">
+      <dgm:layoutNode name="thickLine" styleLbl="alignNode1">
+        <dgm:alg type="sp"/>
+        <dgm:shape xmlns:r="http://schemas.openxmlformats.org/officeDocument/2006/relationships" type="line" r:blip="">
+          <dgm:adjLst/>
+        </dgm:shape>
+        <dgm:presOf/>
+      </dgm:layoutNode>
+      <dgm:layoutNode name="horz1">
+        <dgm:choose name="Name4">
+          <dgm:if name="Name5" func="var" arg="dir" op="equ" val="norm">
+            <dgm:alg type="lin">
+              <dgm:param type="linDir" val="fromL"/>
+              <dgm:param type="nodeVertAlign" val="t"/>
+            </dgm:alg>
+          </dgm:if>
+          <dgm:else name="Name6">
+            <dgm:alg type="lin">
+              <dgm:param type="linDir" val="fromR"/>
+              <dgm:param type="nodeVertAlign" val="t"/>
+            </dgm:alg>
+          </dgm:else>
+        </dgm:choose>
+        <dgm:shape xmlns:r="http://schemas.openxmlformats.org/officeDocument/2006/relationships" r:blip="">
+          <dgm:adjLst/>
+        </dgm:shape>
+        <dgm:presOf/>
+        <dgm:choose name="Name7">
+          <dgm:if name="Name8" axis="root des" func="maxDepth" op="equ" val="1">
+            <dgm:constrLst>
+              <dgm:constr type="w" for="ch" forName="tx1" refType="w"/>
+            </dgm:constrLst>
+          </dgm:if>
+          <dgm:if name="Name9" axis="root des" func="maxDepth" op="equ" val="2">
+            <dgm:constrLst>
+              <dgm:constr type="w" for="ch" forName="tx1" refType="w" fact="0.2"/>
+              <dgm:constr type="w" for="des" forName="tx2" refType="w" fact="0.785"/>
+              <dgm:constr type="w" for="des" forName="horzSpace2" refType="w" fact="0.015"/>
+              <dgm:constr type="w" for="des" forName="thinLine2b" refType="w" fact="0.8"/>
+            </dgm:constrLst>
+          </dgm:if>
+          <dgm:if name="Name10" axis="root des" func="maxDepth" op="equ" val="3">
+            <dgm:constrLst>
+              <dgm:constr type="w" for="ch" forName="tx1" refType="w" fact="0.2"/>
+              <dgm:constr type="w" for="des" forName="tx2" refType="w" fact="0.385"/>
+              <dgm:constr type="w" for="des" forName="tx3" refType="w" fact="0.385"/>
+              <dgm:constr type="w" for="des" forName="horzSpace2" refType="w" fact="0.015"/>
+              <dgm:constr type="w" for="des" forName="horzSpace3" refType="w" fact="0.015"/>
+              <dgm:constr type="w" for="des" forName="thinLine2b" refType="w" fact="0.8"/>
+              <dgm:constr type="w" for="des" forName="thinLine3" refType="w" fact="0.385"/>
+            </dgm:constrLst>
+          </dgm:if>
+          <dgm:if name="Name11" axis="root des" func="maxDepth" op="gte" val="4">
+            <dgm:constrLst>
+              <dgm:constr type="w" for="ch" forName="tx1" refType="w" fact="0.2"/>
+              <dgm:constr type="w" for="des" forName="tx2" refType="w" fact="0.2516"/>
+              <dgm:constr type="w" for="des" forName="tx3" refType="w" fact="0.2516"/>
+              <dgm:constr type="w" for="des" forName="tx4" refType="w" fact="0.2516"/>
+              <dgm:constr type="w" for="des" forName="horzSpace2" refType="w" fact="0.015"/>
+              <dgm:constr type="w" for="des" forName="horzSpace3" refType="w" fact="0.015"/>
+              <dgm:constr type="w" for="des" forName="horzSpace4" refType="w" fact="0.015"/>
+              <dgm:constr type="w" for="des" forName="thinLine2b" refType="w" fact="0.8"/>
+              <dgm:constr type="w" for="des" forName="thinLine3" refType="w" fact="0.5332"/>
+            </dgm:constrLst>
+          </dgm:if>
+          <dgm:else name="Name12"/>
+        </dgm:choose>
+        <dgm:layoutNode name="tx1" styleLbl="revTx">
+          <dgm:alg type="tx">
+            <dgm:param type="parTxLTRAlign" val="l"/>
+            <dgm:param type="parTxRTLAlign" val="r"/>
+            <dgm:param type="txAnchorVert" val="t"/>
+          </dgm:alg>
+          <dgm:shape xmlns:r="http://schemas.openxmlformats.org/officeDocument/2006/relationships" type="rect" r:blip="">
+            <dgm:adjLst/>
+          </dgm:shape>
+          <dgm:presOf axis="self"/>
+          <dgm:constrLst>
+            <dgm:constr type="tMarg" refType="primFontSz" fact="0.3"/>
+            <dgm:constr type="bMarg" refType="primFontSz" fact="0.3"/>
+            <dgm:constr type="lMarg" refType="primFontSz" fact="0.3"/>
+            <dgm:constr type="rMarg" refType="primFontSz" fact="0.3"/>
+          </dgm:constrLst>
+          <dgm:ruleLst>
+            <dgm:rule type="primFontSz" val="5" fact="NaN" max="NaN"/>
+          </dgm:ruleLst>
+        </dgm:layoutNode>
+        <dgm:layoutNode name="vert1">
+          <dgm:choose name="Name13">
+            <dgm:if name="Name14" func="var" arg="dir" op="equ" val="norm">
+              <dgm:alg type="lin">
+                <dgm:param type="linDir" val="fromT"/>
+                <dgm:param type="nodeHorzAlign" val="l"/>
+              </dgm:alg>
+            </dgm:if>
+            <dgm:else name="Name15">
+              <dgm:alg type="lin">
+                <dgm:param type="linDir" val="fromT"/>
+                <dgm:param type="nodeHorzAlign" val="r"/>
+              </dgm:alg>
+            </dgm:else>
+          </dgm:choose>
           <dgm:shape xmlns:r="http://schemas.openxmlformats.org/officeDocument/2006/relationships" r:blip="">
             <dgm:adjLst/>
           </dgm:shape>
           <dgm:presOf/>
-          <dgm:constrLst>
-            <dgm:constr type="bendDist" for="des" ptType="parTrans" refType="sp" fact="0.5"/>
-          </dgm:constrLst>
-          <dgm:ruleLst/>
-          <dgm:layoutNode name="composite">
-            <dgm:alg type="composite"/>
-            <dgm:shape xmlns:r="http://schemas.openxmlformats.org/officeDocument/2006/relationships" r:blip="">
-              <dgm:adjLst/>
-            </dgm:shape>
-            <dgm:presOf/>
-            <dgm:constrLst>
-              <dgm:constr type="w" for="ch" forName="background" refType="w" fact="0.9"/>
-              <dgm:constr type="h" for="ch" forName="background" refType="w" refFor="ch" refForName="background" fact="0.635"/>
-              <dgm:constr type="t" for="ch" forName="background"/>
-              <dgm:constr type="l" for="ch" forName="background"/>
-              <dgm:constr type="w" for="ch" forName="text" refType="w" fact="0.9"/>
-              <dgm:constr type="h" for="ch" forName="text" refType="w" refFor="ch" refForName="text" fact="0.635"/>
-              <dgm:constr type="t" for="ch" forName="text" refType="w" fact="0.095"/>
-              <dgm:constr type="l" for="ch" forName="text" refType="w" fact="0.1"/>
-            </dgm:constrLst>
-            <dgm:ruleLst/>
-            <dgm:layoutNode name="background" styleLbl="node0" moveWith="text">
-              <dgm:alg type="sp"/>
-              <dgm:shape xmlns:r="http://schemas.openxmlformats.org/officeDocument/2006/relationships" type="roundRect" r:blip="">
-                <dgm:adjLst>
-                  <dgm:adj idx="1" val="0.1"/>
-                </dgm:adjLst>
-              </dgm:shape>
-              <dgm:presOf/>
-              <dgm:constrLst/>
-              <dgm:ruleLst/>
-            </dgm:layoutNode>
-            <dgm:layoutNode name="text" styleLbl="fgAcc0">
-              <dgm:varLst>
-                <dgm:chPref val="3"/>
-              </dgm:varLst>
-              <dgm:alg type="tx"/>
-              <dgm:shape xmlns:r="http://schemas.openxmlformats.org/officeDocument/2006/relationships" type="roundRect" r:blip="">
-                <dgm:adjLst>
-                  <dgm:adj idx="1" val="0.1"/>
-                </dgm:adjLst>
-              </dgm:shape>
-              <dgm:presOf axis="self"/>
-              <dgm:constrLst>
-                <dgm:constr type="tMarg" refType="primFontSz" fact="0.3"/>
-                <dgm:constr type="bMarg" refType="primFontSz" fact="0.3"/>
-                <dgm:constr type="lMarg" refType="primFontSz" fact="0.3"/>
-                <dgm:constr type="rMarg" refType="primFontSz" fact="0.3"/>
-              </dgm:constrLst>
-              <dgm:ruleLst>
-                <dgm:rule type="primFontSz" val="5" fact="NaN" max="NaN"/>
-              </dgm:ruleLst>
-            </dgm:layoutNode>
-          </dgm:layoutNode>
-          <dgm:layoutNode name="hierChild2">
-            <dgm:choose name="Name5">
-              <dgm:if name="Name6" func="var" arg="dir" op="equ" val="norm">
-                <dgm:alg type="hierChild">
-                  <dgm:param type="linDir" val="fromL"/>
-                </dgm:alg>
-              </dgm:if>
-              <dgm:else name="Name7">
-                <dgm:alg type="hierChild">
-                  <dgm:param type="linDir" val="fromR"/>
-                </dgm:alg>
-              </dgm:else>
-            </dgm:choose>
-            <dgm:shape xmlns:r="http://schemas.openxmlformats.org/officeDocument/2006/relationships" r:blip="">
-              <dgm:adjLst/>
-            </dgm:shape>
-            <dgm:presOf/>
-            <dgm:constrLst/>
-            <dgm:ruleLst/>
-            <dgm:forEach name="Name8" axis="ch">
-              <dgm:forEach name="Name9" axis="self" ptType="parTrans" cnt="1">
-                <dgm:layoutNode name="Name10">
-                  <dgm:alg type="conn">
-                    <dgm:param type="dim" val="1D"/>
-                    <dgm:param type="endSty" val="noArr"/>
-                    <dgm:param type="connRout" val="bend"/>
-                    <dgm:param type="bendPt" val="end"/>
-                    <dgm:param type="begPts" val="bCtr"/>
-                    <dgm:param type="endPts" val="tCtr"/>
-                    <dgm:param type="srcNode" val="background"/>
-                    <dgm:param type="dstNode" val="background2"/>
-                  </dgm:alg>
-                  <dgm:shape xmlns:r="http://schemas.openxmlformats.org/officeDocument/2006/relationships" type="conn" r:blip="" zOrderOff="-999">
-                    <dgm:adjLst/>
-                  </dgm:shape>
-                  <dgm:presOf axis="self"/>
-                  <dgm:constrLst>
-                    <dgm:constr type="begPad"/>
-                    <dgm:constr type="endPad"/>
-                  </dgm:constrLst>
-                  <dgm:ruleLst/>
-                </dgm:layoutNode>
-              </dgm:forEach>
-              <dgm:forEach name="Name11" axis="self" ptType="node">
-                <dgm:layoutNode name="hierRoot2">
-                  <dgm:alg type="hierRoot"/>
+          <dgm:forEach name="Name16" axis="ch" ptType="node">
+            <dgm:choose name="Name17">
+              <dgm:if name="Name18" axis="self" ptType="node" func="pos" op="equ" val="1">
+                <dgm:layoutNode name="vertSpace2a">
+                  <dgm:alg type="sp"/>
                   <dgm:shape xmlns:r="http://schemas.openxmlformats.org/officeDocument/2006/relationships" r:blip="">
                     <dgm:adjLst/>
                   </dgm:shape>
                   <dgm:presOf/>
-                  <dgm:constrLst>
-                    <dgm:constr type="bendDist" for="des" ptType="parTrans" refType="sp" fact="0.5"/>
-                  </dgm:constrLst>
-                  <dgm:ruleLst/>
-                  <dgm:layoutNode name="composite2">
-                    <dgm:alg type="composite"/>
+                </dgm:layoutNode>
+              </dgm:if>
+              <dgm:else name="Name19"/>
+            </dgm:choose>
+            <dgm:layoutNode name="horz2">
+              <dgm:choose name="Name20">
+                <dgm:if name="Name21" func="var" arg="dir" op="equ" val="norm">
+                  <dgm:alg type="lin">
+                    <dgm:param type="linDir" val="fromL"/>
+                    <dgm:param type="nodeVertAlign" val="t"/>
+                  </dgm:alg>
+                </dgm:if>
+                <dgm:else name="Name22">
+                  <dgm:alg type="lin">
+                    <dgm:param type="linDir" val="fromR"/>
+                    <dgm:param type="nodeVertAlign" val="t"/>
+                  </dgm:alg>
+                </dgm:else>
+              </dgm:choose>
+              <dgm:shape xmlns:r="http://schemas.openxmlformats.org/officeDocument/2006/relationships" r:blip="">
+                <dgm:adjLst/>
+              </dgm:shape>
+              <dgm:presOf/>
+              <dgm:layoutNode name="horzSpace2">
+                <dgm:alg type="sp"/>
+                <dgm:shape xmlns:r="http://schemas.openxmlformats.org/officeDocument/2006/relationships" r:blip="">
+                  <dgm:adjLst/>
+                </dgm:shape>
+                <dgm:presOf/>
+              </dgm:layoutNode>
+              <dgm:layoutNode name="tx2" styleLbl="revTx">
+                <dgm:alg type="tx">
+                  <dgm:param type="parTxLTRAlign" val="l"/>
+                  <dgm:param type="parTxRTLAlign" val="r"/>
+                  <dgm:param type="txAnchorVert" val="t"/>
+                </dgm:alg>
+                <dgm:shape xmlns:r="http://schemas.openxmlformats.org/officeDocument/2006/relationships" type="rect" r:blip="">
+                  <dgm:adjLst/>
+                </dgm:shape>
+                <dgm:presOf axis="self"/>
+                <dgm:constrLst>
+                  <dgm:constr type="tMarg" refType="primFontSz" fact="0.3"/>
+                  <dgm:constr type="bMarg" refType="primFontSz" fact="0.3"/>
+                  <dgm:constr type="lMarg" refType="primFontSz" fact="0.3"/>
+                  <dgm:constr type="rMarg" refType="primFontSz" fact="0.3"/>
+                </dgm:constrLst>
+                <dgm:ruleLst>
+                  <dgm:rule type="primFontSz" val="5" fact="NaN" max="NaN"/>
+                </dgm:ruleLst>
+              </dgm:layoutNode>
+              <dgm:layoutNode name="vert2">
+                <dgm:choose name="Name23">
+                  <dgm:if name="Name24" func="var" arg="dir" op="equ" val="norm">
+                    <dgm:alg type="lin">
+                      <dgm:param type="linDir" val="fromT"/>
+                      <dgm:param type="nodeHorzAlign" val="l"/>
+                    </dgm:alg>
+                  </dgm:if>
+                  <dgm:else name="Name25">
+                    <dgm:alg type="lin">
+                      <dgm:param type="linDir" val="fromT"/>
+                      <dgm:param type="nodeHorzAlign" val="r"/>
+                    </dgm:alg>
+                  </dgm:else>
+                </dgm:choose>
+                <dgm:shape xmlns:r="http://schemas.openxmlformats.org/officeDocument/2006/relationships" r:blip="">
+                  <dgm:adjLst/>
+                </dgm:shape>
+                <dgm:presOf/>
+                <dgm:forEach name="Name26" axis="ch" ptType="node">
+                  <dgm:layoutNode name="horz3">
+                    <dgm:choose name="Name27">
+                      <dgm:if name="Name28" func="var" arg="dir" op="equ" val="norm">
+                        <dgm:alg type="lin">
+                          <dgm:param type="linDir" val="fromL"/>
+                          <dgm:param type="nodeVertAlign" val="t"/>
+                        </dgm:alg>
+                      </dgm:if>
+                      <dgm:else name="Name29">
+                        <dgm:alg type="lin">
+                          <dgm:param type="linDir" val="fromR"/>
+                          <dgm:param type="nodeVertAlign" val="t"/>
+                        </dgm:alg>
+                      </dgm:else>
+                    </dgm:choose>
                     <dgm:shape xmlns:r="http://schemas.openxmlformats.org/officeDocument/2006/relationships" r:blip="">
                       <dgm:adjLst/>
                     </dgm:shape>
                     <dgm:presOf/>
-                    <dgm:constrLst>
-                      <dgm:constr type="w" for="ch" forName="background2" refType="w" fact="0.9"/>
-                      <dgm:constr type="h" for="ch" forName="background2" refType="w" refFor="ch" refForName="background2" fact="0.635"/>
-                      <dgm:constr type="t" for="ch" forName="background2"/>
-                      <dgm:constr type="l" for="ch" forName="background2"/>
-                      <dgm:constr type="w" for="ch" forName="text2" refType="w" fact="0.9"/>
-                      <dgm:constr type="h" for="ch" forName="text2" refType="w" refFor="ch" refForName="text2" fact="0.635"/>
-                      <dgm:constr type="t" for="ch" forName="text2" refType="w" fact="0.095"/>
-                      <dgm:constr type="l" for="ch" forName="text2" refType="w" fact="0.1"/>
-                    </dgm:constrLst>
-                    <dgm:ruleLst/>
-                    <dgm:layoutNode name="background2" moveWith="text2">
+                    <dgm:layoutNode name="horzSpace3">
                       <dgm:alg type="sp"/>
-                      <dgm:shape xmlns:r="http://schemas.openxmlformats.org/officeDocument/2006/relationships" type="roundRect" r:blip="">
-                        <dgm:adjLst>
-                          <dgm:adj idx="1" val="0.1"/>
-                        </dgm:adjLst>
+                      <dgm:shape xmlns:r="http://schemas.openxmlformats.org/officeDocument/2006/relationships" r:blip="">
+                        <dgm:adjLst/>
                       </dgm:shape>
                       <dgm:presOf/>
-                      <dgm:constrLst/>
-                      <dgm:ruleLst/>
                     </dgm:layoutNode>
-                    <dgm:layoutNode name="text2" styleLbl="fgAcc2">
-                      <dgm:varLst>
-                        <dgm:chPref val="3"/>
-                      </dgm:varLst>
-                      <dgm:alg type="tx"/>
-                      <dgm:shape xmlns:r="http://schemas.openxmlformats.org/officeDocument/2006/relationships" type="roundRect" r:blip="">
-                        <dgm:adjLst>
-                          <dgm:adj idx="1" val="0.1"/>
-                        </dgm:adjLst>
+                    <dgm:layoutNode name="tx3" styleLbl="revTx">
+                      <dgm:alg type="tx">
+                        <dgm:param type="parTxLTRAlign" val="l"/>
+                        <dgm:param type="parTxRTLAlign" val="r"/>
+                        <dgm:param type="txAnchorVert" val="t"/>
+                      </dgm:alg>
+                      <dgm:shape xmlns:r="http://schemas.openxmlformats.org/officeDocument/2006/relationships" type="rect" r:blip="">
+                        <dgm:adjLst/>
                       </dgm:shape>
                       <dgm:presOf axis="self"/>
                       <dgm:constrLst>
@@ -3444,266 +3469,108 @@
                         <dgm:rule type="primFontSz" val="5" fact="NaN" max="NaN"/>
                       </dgm:ruleLst>
                     </dgm:layoutNode>
-                  </dgm:layoutNode>
-                  <dgm:layoutNode name="hierChild3">
-                    <dgm:choose name="Name12">
-                      <dgm:if name="Name13" func="var" arg="dir" op="equ" val="norm">
-                        <dgm:alg type="hierChild">
-                          <dgm:param type="linDir" val="fromL"/>
-                        </dgm:alg>
-                      </dgm:if>
-                      <dgm:else name="Name14">
-                        <dgm:alg type="hierChild">
-                          <dgm:param type="linDir" val="fromR"/>
-                        </dgm:alg>
-                      </dgm:else>
-                    </dgm:choose>
-                    <dgm:shape xmlns:r="http://schemas.openxmlformats.org/officeDocument/2006/relationships" r:blip="">
-                      <dgm:adjLst/>
-                    </dgm:shape>
-                    <dgm:presOf/>
-                    <dgm:constrLst/>
-                    <dgm:ruleLst/>
-                    <dgm:forEach name="Name15" axis="ch">
-                      <dgm:forEach name="Name16" axis="self" ptType="parTrans" cnt="1">
-                        <dgm:layoutNode name="Name17">
-                          <dgm:alg type="conn">
-                            <dgm:param type="dim" val="1D"/>
-                            <dgm:param type="endSty" val="noArr"/>
-                            <dgm:param type="connRout" val="bend"/>
-                            <dgm:param type="bendPt" val="end"/>
-                            <dgm:param type="begPts" val="bCtr"/>
-                            <dgm:param type="endPts" val="tCtr"/>
-                            <dgm:param type="srcNode" val="background2"/>
-                            <dgm:param type="dstNode" val="background3"/>
+                    <dgm:layoutNode name="vert3">
+                      <dgm:choose name="Name30">
+                        <dgm:if name="Name31" func="var" arg="dir" op="equ" val="norm">
+                          <dgm:alg type="lin">
+                            <dgm:param type="linDir" val="fromT"/>
+                            <dgm:param type="nodeHorzAlign" val="l"/>
                           </dgm:alg>
-                          <dgm:shape xmlns:r="http://schemas.openxmlformats.org/officeDocument/2006/relationships" type="conn" r:blip="" zOrderOff="-999">
-                            <dgm:adjLst/>
-                          </dgm:shape>
-                          <dgm:presOf axis="self"/>
-                          <dgm:constrLst>
-                            <dgm:constr type="begPad"/>
-                            <dgm:constr type="endPad"/>
-                          </dgm:constrLst>
-                          <dgm:ruleLst/>
-                        </dgm:layoutNode>
-                      </dgm:forEach>
-                      <dgm:forEach name="Name18" axis="self" ptType="node">
-                        <dgm:layoutNode name="hierRoot3">
-                          <dgm:alg type="hierRoot"/>
+                        </dgm:if>
+                        <dgm:else name="Name32">
+                          <dgm:alg type="lin">
+                            <dgm:param type="linDir" val="fromT"/>
+                            <dgm:param type="nodeHorzAlign" val="r"/>
+                          </dgm:alg>
+                        </dgm:else>
+                      </dgm:choose>
+                      <dgm:shape xmlns:r="http://schemas.openxmlformats.org/officeDocument/2006/relationships" r:blip="">
+                        <dgm:adjLst/>
+                      </dgm:shape>
+                      <dgm:presOf/>
+                      <dgm:forEach name="Name33" axis="ch" ptType="node">
+                        <dgm:layoutNode name="horz4">
+                          <dgm:choose name="Name34">
+                            <dgm:if name="Name35" func="var" arg="dir" op="equ" val="norm">
+                              <dgm:alg type="lin">
+                                <dgm:param type="linDir" val="fromL"/>
+                                <dgm:param type="nodeVertAlign" val="t"/>
+                              </dgm:alg>
+                            </dgm:if>
+                            <dgm:else name="Name36">
+                              <dgm:alg type="lin">
+                                <dgm:param type="linDir" val="fromR"/>
+                                <dgm:param type="nodeVertAlign" val="t"/>
+                              </dgm:alg>
+                            </dgm:else>
+                          </dgm:choose>
                           <dgm:shape xmlns:r="http://schemas.openxmlformats.org/officeDocument/2006/relationships" r:blip="">
                             <dgm:adjLst/>
                           </dgm:shape>
                           <dgm:presOf/>
-                          <dgm:constrLst>
-                            <dgm:constr type="bendDist" for="des" ptType="parTrans" refType="sp" fact="0.5"/>
-                          </dgm:constrLst>
-                          <dgm:ruleLst/>
-                          <dgm:layoutNode name="composite3">
-                            <dgm:alg type="composite"/>
+                          <dgm:layoutNode name="horzSpace4">
+                            <dgm:alg type="sp"/>
                             <dgm:shape xmlns:r="http://schemas.openxmlformats.org/officeDocument/2006/relationships" r:blip="">
                               <dgm:adjLst/>
                             </dgm:shape>
                             <dgm:presOf/>
-                            <dgm:constrLst>
-                              <dgm:constr type="w" for="ch" forName="background3" refType="w" fact="0.9"/>
-                              <dgm:constr type="h" for="ch" forName="background3" refType="w" refFor="ch" refForName="background3" fact="0.635"/>
-                              <dgm:constr type="t" for="ch" forName="background3"/>
-                              <dgm:constr type="l" for="ch" forName="background3"/>
-                              <dgm:constr type="w" for="ch" forName="text3" refType="w" fact="0.9"/>
-                              <dgm:constr type="h" for="ch" forName="text3" refType="w" refFor="ch" refForName="text3" fact="0.635"/>
-                              <dgm:constr type="t" for="ch" forName="text3" refType="w" fact="0.095"/>
-                              <dgm:constr type="l" for="ch" forName="text3" refType="w" fact="0.1"/>
-                            </dgm:constrLst>
-                            <dgm:ruleLst/>
-                            <dgm:layoutNode name="background3" moveWith="text3">
-                              <dgm:alg type="sp"/>
-                              <dgm:shape xmlns:r="http://schemas.openxmlformats.org/officeDocument/2006/relationships" type="roundRect" r:blip="">
-                                <dgm:adjLst>
-                                  <dgm:adj idx="1" val="0.1"/>
-                                </dgm:adjLst>
-                              </dgm:shape>
-                              <dgm:presOf/>
-                              <dgm:constrLst/>
-                              <dgm:ruleLst/>
-                            </dgm:layoutNode>
-                            <dgm:layoutNode name="text3" styleLbl="fgAcc3">
-                              <dgm:varLst>
-                                <dgm:chPref val="3"/>
-                              </dgm:varLst>
-                              <dgm:alg type="tx"/>
-                              <dgm:shape xmlns:r="http://schemas.openxmlformats.org/officeDocument/2006/relationships" type="roundRect" r:blip="">
-                                <dgm:adjLst>
-                                  <dgm:adj idx="1" val="0.1"/>
-                                </dgm:adjLst>
-                              </dgm:shape>
-                              <dgm:presOf axis="self"/>
-                              <dgm:constrLst>
-                                <dgm:constr type="tMarg" refType="primFontSz" fact="0.3"/>
-                                <dgm:constr type="bMarg" refType="primFontSz" fact="0.3"/>
-                                <dgm:constr type="lMarg" refType="primFontSz" fact="0.3"/>
-                                <dgm:constr type="rMarg" refType="primFontSz" fact="0.3"/>
-                              </dgm:constrLst>
-                              <dgm:ruleLst>
-                                <dgm:rule type="primFontSz" val="5" fact="NaN" max="NaN"/>
-                              </dgm:ruleLst>
-                            </dgm:layoutNode>
                           </dgm:layoutNode>
-                          <dgm:layoutNode name="hierChild4">
-                            <dgm:choose name="Name19">
-                              <dgm:if name="Name20" func="var" arg="dir" op="equ" val="norm">
-                                <dgm:alg type="hierChild">
-                                  <dgm:param type="linDir" val="fromL"/>
-                                </dgm:alg>
-                              </dgm:if>
-                              <dgm:else name="Name21">
-                                <dgm:alg type="hierChild">
-                                  <dgm:param type="linDir" val="fromR"/>
-                                </dgm:alg>
-                              </dgm:else>
-                            </dgm:choose>
-                            <dgm:shape xmlns:r="http://schemas.openxmlformats.org/officeDocument/2006/relationships" r:blip="">
+                          <dgm:layoutNode name="tx4" styleLbl="revTx">
+                            <dgm:varLst>
+                              <dgm:bulletEnabled val="1"/>
+                            </dgm:varLst>
+                            <dgm:alg type="tx">
+                              <dgm:param type="parTxLTRAlign" val="l"/>
+                              <dgm:param type="parTxRTLAlign" val="r"/>
+                              <dgm:param type="txAnchorVert" val="t"/>
+                            </dgm:alg>
+                            <dgm:shape xmlns:r="http://schemas.openxmlformats.org/officeDocument/2006/relationships" type="rect" r:blip="">
                               <dgm:adjLst/>
                             </dgm:shape>
-                            <dgm:presOf/>
-                            <dgm:constrLst/>
-                            <dgm:ruleLst/>
-                            <dgm:forEach name="repeat" axis="ch">
-                              <dgm:forEach name="Name22" axis="self" ptType="parTrans" cnt="1">
-                                <dgm:layoutNode name="Name23">
-                                  <dgm:choose name="Name24">
-                                    <dgm:if name="Name25" axis="self" func="depth" op="lte" val="4">
-                                      <dgm:alg type="conn">
-                                        <dgm:param type="dim" val="1D"/>
-                                        <dgm:param type="endSty" val="noArr"/>
-                                        <dgm:param type="connRout" val="bend"/>
-                                        <dgm:param type="bendPt" val="end"/>
-                                        <dgm:param type="begPts" val="bCtr"/>
-                                        <dgm:param type="endPts" val="tCtr"/>
-                                        <dgm:param type="srcNode" val="background3"/>
-                                        <dgm:param type="dstNode" val="background4"/>
-                                      </dgm:alg>
-                                    </dgm:if>
-                                    <dgm:else name="Name26">
-                                      <dgm:alg type="conn">
-                                        <dgm:param type="dim" val="1D"/>
-                                        <dgm:param type="endSty" val="noArr"/>
-                                        <dgm:param type="connRout" val="bend"/>
-                                        <dgm:param type="bendPt" val="end"/>
-                                        <dgm:param type="begPts" val="bCtr"/>
-                                        <dgm:param type="endPts" val="tCtr"/>
-                                        <dgm:param type="srcNode" val="background4"/>
-                                        <dgm:param type="dstNode" val="background4"/>
-                                      </dgm:alg>
-                                    </dgm:else>
-                                  </dgm:choose>
-                                  <dgm:shape xmlns:r="http://schemas.openxmlformats.org/officeDocument/2006/relationships" type="conn" r:blip="" zOrderOff="-999">
-                                    <dgm:adjLst/>
-                                  </dgm:shape>
-                                  <dgm:presOf axis="self"/>
-                                  <dgm:constrLst>
-                                    <dgm:constr type="begPad"/>
-                                    <dgm:constr type="endPad"/>
-                                  </dgm:constrLst>
-                                  <dgm:ruleLst/>
-                                </dgm:layoutNode>
-                              </dgm:forEach>
-                              <dgm:forEach name="Name27" axis="self" ptType="node">
-                                <dgm:layoutNode name="hierRoot4">
-                                  <dgm:alg type="hierRoot"/>
-                                  <dgm:shape xmlns:r="http://schemas.openxmlformats.org/officeDocument/2006/relationships" r:blip="">
-                                    <dgm:adjLst/>
-                                  </dgm:shape>
-                                  <dgm:presOf/>
-                                  <dgm:constrLst>
-                                    <dgm:constr type="bendDist" for="des" ptType="parTrans" refType="sp" fact="0.5"/>
-                                  </dgm:constrLst>
-                                  <dgm:ruleLst/>
-                                  <dgm:layoutNode name="composite4">
-                                    <dgm:alg type="composite"/>
-                                    <dgm:shape xmlns:r="http://schemas.openxmlformats.org/officeDocument/2006/relationships" r:blip="">
-                                      <dgm:adjLst/>
-                                    </dgm:shape>
-                                    <dgm:presOf/>
-                                    <dgm:constrLst>
-                                      <dgm:constr type="w" for="ch" forName="background4" refType="w" fact="0.9"/>
-                                      <dgm:constr type="h" for="ch" forName="background4" refType="w" refFor="ch" refForName="background4" fact="0.635"/>
-                                      <dgm:constr type="t" for="ch" forName="background4"/>
-                                      <dgm:constr type="l" for="ch" forName="background4"/>
-                                      <dgm:constr type="w" for="ch" forName="text4" refType="w" fact="0.9"/>
-                                      <dgm:constr type="h" for="ch" forName="text4" refType="w" refFor="ch" refForName="text4" fact="0.635"/>
-                                      <dgm:constr type="t" for="ch" forName="text4" refType="w" fact="0.095"/>
-                                      <dgm:constr type="l" for="ch" forName="text4" refType="w" fact="0.1"/>
-                                    </dgm:constrLst>
-                                    <dgm:ruleLst/>
-                                    <dgm:layoutNode name="background4" moveWith="text4">
-                                      <dgm:alg type="sp"/>
-                                      <dgm:shape xmlns:r="http://schemas.openxmlformats.org/officeDocument/2006/relationships" type="roundRect" r:blip="">
-                                        <dgm:adjLst>
-                                          <dgm:adj idx="1" val="0.1"/>
-                                        </dgm:adjLst>
-                                      </dgm:shape>
-                                      <dgm:presOf/>
-                                      <dgm:constrLst/>
-                                      <dgm:ruleLst/>
-                                    </dgm:layoutNode>
-                                    <dgm:layoutNode name="text4" styleLbl="fgAcc4">
-                                      <dgm:varLst>
-                                        <dgm:chPref val="3"/>
-                                      </dgm:varLst>
-                                      <dgm:alg type="tx"/>
-                                      <dgm:shape xmlns:r="http://schemas.openxmlformats.org/officeDocument/2006/relationships" type="roundRect" r:blip="">
-                                        <dgm:adjLst>
-                                          <dgm:adj idx="1" val="0.1"/>
-                                        </dgm:adjLst>
-                                      </dgm:shape>
-                                      <dgm:presOf axis="self"/>
-                                      <dgm:constrLst>
-                                        <dgm:constr type="tMarg" refType="primFontSz" fact="0.3"/>
-                                        <dgm:constr type="bMarg" refType="primFontSz" fact="0.3"/>
-                                        <dgm:constr type="lMarg" refType="primFontSz" fact="0.3"/>
-                                        <dgm:constr type="rMarg" refType="primFontSz" fact="0.3"/>
-                                      </dgm:constrLst>
-                                      <dgm:ruleLst>
-                                        <dgm:rule type="primFontSz" val="5" fact="NaN" max="NaN"/>
-                                      </dgm:ruleLst>
-                                    </dgm:layoutNode>
-                                  </dgm:layoutNode>
-                                  <dgm:layoutNode name="hierChild5">
-                                    <dgm:choose name="Name28">
-                                      <dgm:if name="Name29" func="var" arg="dir" op="equ" val="norm">
-                                        <dgm:alg type="hierChild">
-                                          <dgm:param type="linDir" val="fromL"/>
-                                        </dgm:alg>
-                                      </dgm:if>
-                                      <dgm:else name="Name30">
-                                        <dgm:alg type="hierChild">
-                                          <dgm:param type="linDir" val="fromR"/>
-                                        </dgm:alg>
-                                      </dgm:else>
-                                    </dgm:choose>
-                                    <dgm:shape xmlns:r="http://schemas.openxmlformats.org/officeDocument/2006/relationships" r:blip="">
-                                      <dgm:adjLst/>
-                                    </dgm:shape>
-                                    <dgm:presOf/>
-                                    <dgm:constrLst/>
-                                    <dgm:ruleLst/>
-                                    <dgm:forEach name="Name31" ref="repeat"/>
-                                  </dgm:layoutNode>
-                                </dgm:layoutNode>
-                              </dgm:forEach>
-                            </dgm:forEach>
+                            <dgm:presOf axis="desOrSelf" ptType="node"/>
+                            <dgm:constrLst>
+                              <dgm:constr type="tMarg" refType="primFontSz" fact="0.3"/>
+                              <dgm:constr type="bMarg" refType="primFontSz" fact="0.3"/>
+                              <dgm:constr type="lMarg" refType="primFontSz" fact="0.3"/>
+                              <dgm:constr type="rMarg" refType="primFontSz" fact="0.3"/>
+                            </dgm:constrLst>
+                            <dgm:ruleLst>
+                              <dgm:rule type="primFontSz" val="5" fact="NaN" max="NaN"/>
+                            </dgm:ruleLst>
                           </dgm:layoutNode>
                         </dgm:layoutNode>
                       </dgm:forEach>
-                    </dgm:forEach>
+                    </dgm:layoutNode>
                   </dgm:layoutNode>
-                </dgm:layoutNode>
-              </dgm:forEach>
-            </dgm:forEach>
-          </dgm:layoutNode>
+                  <dgm:forEach name="Name37" axis="followSib" ptType="sibTrans" cnt="1">
+                    <dgm:layoutNode name="thinLine3" styleLbl="callout">
+                      <dgm:alg type="sp"/>
+                      <dgm:shape xmlns:r="http://schemas.openxmlformats.org/officeDocument/2006/relationships" type="line" r:blip="">
+                        <dgm:adjLst/>
+                      </dgm:shape>
+                      <dgm:presOf/>
+                    </dgm:layoutNode>
+                  </dgm:forEach>
+                </dgm:forEach>
+              </dgm:layoutNode>
+            </dgm:layoutNode>
+            <dgm:layoutNode name="thinLine2b" styleLbl="callout">
+              <dgm:alg type="sp"/>
+              <dgm:shape xmlns:r="http://schemas.openxmlformats.org/officeDocument/2006/relationships" type="line" r:blip="">
+                <dgm:adjLst/>
+              </dgm:shape>
+              <dgm:presOf/>
+            </dgm:layoutNode>
+            <dgm:layoutNode name="vertSpace2b">
+              <dgm:alg type="sp"/>
+              <dgm:shape xmlns:r="http://schemas.openxmlformats.org/officeDocument/2006/relationships" r:blip="">
+                <dgm:adjLst/>
+              </dgm:shape>
+              <dgm:presOf/>
+            </dgm:layoutNode>
+          </dgm:forEach>
         </dgm:layoutNode>
-      </dgm:forEach>
+      </dgm:layoutNode>
     </dgm:forEach>
   </dgm:layoutNode>
 </dgm:layoutDef>
@@ -4004,11 +3871,11 @@
 </file>
 
 <file path=ppt/diagrams/quickStyle1.xml><?xml version="1.0" encoding="utf-8"?>
-<dgm:styleDef xmlns:dgm="http://schemas.openxmlformats.org/drawingml/2006/diagram" xmlns:a="http://schemas.openxmlformats.org/drawingml/2006/main" uniqueId="urn:microsoft.com/office/officeart/2005/8/quickstyle/simple4">
+<dgm:styleDef xmlns:dgm="http://schemas.openxmlformats.org/drawingml/2006/diagram" xmlns:a="http://schemas.openxmlformats.org/drawingml/2006/main" uniqueId="urn:microsoft.com/office/officeart/2005/8/quickstyle/simple2">
   <dgm:title val=""/>
   <dgm:desc val=""/>
   <dgm:catLst>
-    <dgm:cat type="simple" pri="10400"/>
+    <dgm:cat type="simple" pri="10200"/>
   </dgm:catLst>
   <dgm:scene3d>
     <a:camera prst="orthographicFront"/>
@@ -4022,13 +3889,13 @@
     <dgm:sp3d/>
     <dgm:txPr/>
     <dgm:style>
-      <a:lnRef idx="0">
+      <a:lnRef idx="3">
         <a:scrgbClr r="0" g="0" b="0"/>
       </a:lnRef>
-      <a:fillRef idx="3">
+      <a:fillRef idx="1">
         <a:scrgbClr r="0" g="0" b="0"/>
       </a:fillRef>
-      <a:effectRef idx="2">
+      <a:effectRef idx="1">
         <a:scrgbClr r="0" g="0" b="0"/>
       </a:effectRef>
       <a:fontRef idx="minor">
@@ -4044,13 +3911,13 @@
     <dgm:sp3d/>
     <dgm:txPr/>
     <dgm:style>
-      <a:lnRef idx="1">
+      <a:lnRef idx="3">
         <a:scrgbClr r="0" g="0" b="0"/>
       </a:lnRef>
-      <a:fillRef idx="3">
+      <a:fillRef idx="1">
         <a:scrgbClr r="0" g="0" b="0"/>
       </a:fillRef>
-      <a:effectRef idx="2">
+      <a:effectRef idx="1">
         <a:scrgbClr r="0" g="0" b="0"/>
       </a:effectRef>
       <a:fontRef idx="minor">
@@ -4066,10 +3933,10 @@
     <dgm:sp3d/>
     <dgm:txPr/>
     <dgm:style>
-      <a:lnRef idx="0">
+      <a:lnRef idx="3">
         <a:scrgbClr r="0" g="0" b="0"/>
       </a:lnRef>
-      <a:fillRef idx="3">
+      <a:fillRef idx="1">
         <a:scrgbClr r="0" g="0" b="0"/>
       </a:fillRef>
       <a:effectRef idx="0">
@@ -4088,13 +3955,13 @@
     <dgm:sp3d/>
     <dgm:txPr/>
     <dgm:style>
-      <a:lnRef idx="1">
+      <a:lnRef idx="2">
         <a:scrgbClr r="0" g="0" b="0"/>
       </a:lnRef>
-      <a:fillRef idx="3">
+      <a:fillRef idx="1">
         <a:scrgbClr r="0" g="0" b="0"/>
       </a:fillRef>
-      <a:effectRef idx="2">
+      <a:effectRef idx="1">
         <a:scrgbClr r="0" g="0" b="0"/>
       </a:effectRef>
       <a:fontRef idx="minor">
@@ -4110,13 +3977,13 @@
     <dgm:sp3d/>
     <dgm:txPr/>
     <dgm:style>
-      <a:lnRef idx="0">
+      <a:lnRef idx="3">
         <a:scrgbClr r="0" g="0" b="0"/>
       </a:lnRef>
-      <a:fillRef idx="3">
+      <a:fillRef idx="1">
         <a:scrgbClr r="0" g="0" b="0"/>
       </a:fillRef>
-      <a:effectRef idx="2">
+      <a:effectRef idx="1">
         <a:scrgbClr r="0" g="0" b="0"/>
       </a:effectRef>
       <a:fontRef idx="minor">
@@ -4132,13 +3999,13 @@
     <dgm:sp3d/>
     <dgm:txPr/>
     <dgm:style>
-      <a:lnRef idx="0">
+      <a:lnRef idx="3">
         <a:scrgbClr r="0" g="0" b="0"/>
       </a:lnRef>
-      <a:fillRef idx="3">
+      <a:fillRef idx="1">
         <a:scrgbClr r="0" g="0" b="0"/>
       </a:fillRef>
-      <a:effectRef idx="2">
+      <a:effectRef idx="1">
         <a:scrgbClr r="0" g="0" b="0"/>
       </a:effectRef>
       <a:fontRef idx="minor">
@@ -4154,13 +4021,13 @@
     <dgm:sp3d/>
     <dgm:txPr/>
     <dgm:style>
-      <a:lnRef idx="0">
+      <a:lnRef idx="3">
         <a:scrgbClr r="0" g="0" b="0"/>
       </a:lnRef>
-      <a:fillRef idx="3">
+      <a:fillRef idx="1">
         <a:scrgbClr r="0" g="0" b="0"/>
       </a:fillRef>
-      <a:effectRef idx="2">
+      <a:effectRef idx="1">
         <a:scrgbClr r="0" g="0" b="0"/>
       </a:effectRef>
       <a:fontRef idx="minor">
@@ -4176,13 +4043,13 @@
     <dgm:sp3d/>
     <dgm:txPr/>
     <dgm:style>
-      <a:lnRef idx="0">
+      <a:lnRef idx="3">
         <a:scrgbClr r="0" g="0" b="0"/>
       </a:lnRef>
-      <a:fillRef idx="3">
+      <a:fillRef idx="1">
         <a:scrgbClr r="0" g="0" b="0"/>
       </a:fillRef>
-      <a:effectRef idx="2">
+      <a:effectRef idx="1">
         <a:scrgbClr r="0" g="0" b="0"/>
       </a:effectRef>
       <a:fontRef idx="minor">
@@ -4198,13 +4065,13 @@
     <dgm:sp3d/>
     <dgm:txPr/>
     <dgm:style>
-      <a:lnRef idx="0">
+      <a:lnRef idx="3">
         <a:scrgbClr r="0" g="0" b="0"/>
       </a:lnRef>
       <a:fillRef idx="1">
         <a:scrgbClr r="0" g="0" b="0"/>
       </a:fillRef>
-      <a:effectRef idx="2">
+      <a:effectRef idx="1">
         <a:scrgbClr r="0" g="0" b="0"/>
       </a:effectRef>
       <a:fontRef idx="minor"/>
@@ -4218,13 +4085,13 @@
     <dgm:sp3d/>
     <dgm:txPr/>
     <dgm:style>
-      <a:lnRef idx="0">
+      <a:lnRef idx="3">
         <a:scrgbClr r="0" g="0" b="0"/>
       </a:lnRef>
       <a:fillRef idx="1">
         <a:scrgbClr r="0" g="0" b="0"/>
       </a:fillRef>
-      <a:effectRef idx="2">
+      <a:effectRef idx="1">
         <a:scrgbClr r="0" g="0" b="0"/>
       </a:effectRef>
       <a:fontRef idx="minor"/>
@@ -4238,13 +4105,13 @@
     <dgm:sp3d/>
     <dgm:txPr/>
     <dgm:style>
-      <a:lnRef idx="0">
+      <a:lnRef idx="3">
         <a:scrgbClr r="0" g="0" b="0"/>
       </a:lnRef>
       <a:fillRef idx="1">
         <a:scrgbClr r="0" g="0" b="0"/>
       </a:fillRef>
-      <a:effectRef idx="2">
+      <a:effectRef idx="1">
         <a:scrgbClr r="0" g="0" b="0"/>
       </a:effectRef>
       <a:fontRef idx="minor"/>
@@ -4261,10 +4128,10 @@
       <a:lnRef idx="0">
         <a:scrgbClr r="0" g="0" b="0"/>
       </a:lnRef>
-      <a:fillRef idx="3">
+      <a:fillRef idx="1">
         <a:scrgbClr r="0" g="0" b="0"/>
       </a:fillRef>
-      <a:effectRef idx="2">
+      <a:effectRef idx="1">
         <a:scrgbClr r="0" g="0" b="0"/>
       </a:effectRef>
       <a:fontRef idx="minor">
@@ -4283,10 +4150,10 @@
       <a:lnRef idx="0">
         <a:scrgbClr r="0" g="0" b="0"/>
       </a:lnRef>
-      <a:fillRef idx="3">
+      <a:fillRef idx="1">
         <a:scrgbClr r="0" g="0" b="0"/>
       </a:fillRef>
-      <a:effectRef idx="2">
+      <a:effectRef idx="1">
         <a:scrgbClr r="0" g="0" b="0"/>
       </a:effectRef>
       <a:fontRef idx="minor">
@@ -4305,10 +4172,10 @@
       <a:lnRef idx="0">
         <a:scrgbClr r="0" g="0" b="0"/>
       </a:lnRef>
-      <a:fillRef idx="3">
+      <a:fillRef idx="1">
         <a:scrgbClr r="0" g="0" b="0"/>
       </a:fillRef>
-      <a:effectRef idx="2">
+      <a:effectRef idx="1">
         <a:scrgbClr r="0" g="0" b="0"/>
       </a:effectRef>
       <a:fontRef idx="minor">
@@ -4364,13 +4231,13 @@
     <dgm:sp3d/>
     <dgm:txPr/>
     <dgm:style>
-      <a:lnRef idx="0">
+      <a:lnRef idx="3">
         <a:scrgbClr r="0" g="0" b="0"/>
       </a:lnRef>
-      <a:fillRef idx="3">
+      <a:fillRef idx="1">
         <a:scrgbClr r="0" g="0" b="0"/>
       </a:fillRef>
-      <a:effectRef idx="2">
+      <a:effectRef idx="1">
         <a:scrgbClr r="0" g="0" b="0"/>
       </a:effectRef>
       <a:fontRef idx="minor">
@@ -4386,13 +4253,13 @@
     <dgm:sp3d/>
     <dgm:txPr/>
     <dgm:style>
-      <a:lnRef idx="0">
+      <a:lnRef idx="3">
         <a:scrgbClr r="0" g="0" b="0"/>
       </a:lnRef>
-      <a:fillRef idx="3">
+      <a:fillRef idx="1">
         <a:scrgbClr r="0" g="0" b="0"/>
       </a:fillRef>
-      <a:effectRef idx="2">
+      <a:effectRef idx="1">
         <a:scrgbClr r="0" g="0" b="0"/>
       </a:effectRef>
       <a:fontRef idx="minor">
@@ -4408,13 +4275,13 @@
     <dgm:sp3d/>
     <dgm:txPr/>
     <dgm:style>
-      <a:lnRef idx="0">
+      <a:lnRef idx="3">
         <a:scrgbClr r="0" g="0" b="0"/>
       </a:lnRef>
-      <a:fillRef idx="3">
+      <a:fillRef idx="1">
         <a:scrgbClr r="0" g="0" b="0"/>
       </a:fillRef>
-      <a:effectRef idx="2">
+      <a:effectRef idx="1">
         <a:scrgbClr r="0" g="0" b="0"/>
       </a:effectRef>
       <a:fontRef idx="minor">
@@ -4430,13 +4297,13 @@
     <dgm:sp3d/>
     <dgm:txPr/>
     <dgm:style>
-      <a:lnRef idx="0">
+      <a:lnRef idx="3">
         <a:scrgbClr r="0" g="0" b="0"/>
       </a:lnRef>
-      <a:fillRef idx="3">
+      <a:fillRef idx="1">
         <a:scrgbClr r="0" g="0" b="0"/>
       </a:fillRef>
-      <a:effectRef idx="2">
+      <a:effectRef idx="1">
         <a:scrgbClr r="0" g="0" b="0"/>
       </a:effectRef>
       <a:fontRef idx="minor">
@@ -4452,13 +4319,13 @@
     <dgm:sp3d/>
     <dgm:txPr/>
     <dgm:style>
-      <a:lnRef idx="0">
+      <a:lnRef idx="3">
         <a:scrgbClr r="0" g="0" b="0"/>
       </a:lnRef>
-      <a:fillRef idx="3">
+      <a:fillRef idx="1">
         <a:scrgbClr r="0" g="0" b="0"/>
       </a:fillRef>
-      <a:effectRef idx="2">
+      <a:effectRef idx="1">
         <a:scrgbClr r="0" g="0" b="0"/>
       </a:effectRef>
       <a:fontRef idx="minor">
@@ -4474,13 +4341,13 @@
     <dgm:sp3d/>
     <dgm:txPr/>
     <dgm:style>
-      <a:lnRef idx="0">
+      <a:lnRef idx="3">
         <a:scrgbClr r="0" g="0" b="0"/>
       </a:lnRef>
-      <a:fillRef idx="3">
+      <a:fillRef idx="1">
         <a:scrgbClr r="0" g="0" b="0"/>
       </a:fillRef>
-      <a:effectRef idx="2">
+      <a:effectRef idx="1">
         <a:scrgbClr r="0" g="0" b="0"/>
       </a:effectRef>
       <a:fontRef idx="minor">
@@ -4496,13 +4363,13 @@
     <dgm:sp3d/>
     <dgm:txPr/>
     <dgm:style>
-      <a:lnRef idx="0">
+      <a:lnRef idx="3">
         <a:scrgbClr r="0" g="0" b="0"/>
       </a:lnRef>
-      <a:fillRef idx="3">
+      <a:fillRef idx="1">
         <a:scrgbClr r="0" g="0" b="0"/>
       </a:fillRef>
-      <a:effectRef idx="2">
+      <a:effectRef idx="1">
         <a:scrgbClr r="0" g="0" b="0"/>
       </a:effectRef>
       <a:fontRef idx="minor">
@@ -4518,13 +4385,13 @@
     <dgm:sp3d/>
     <dgm:txPr/>
     <dgm:style>
-      <a:lnRef idx="1">
+      <a:lnRef idx="3">
         <a:scrgbClr r="0" g="0" b="0"/>
       </a:lnRef>
-      <a:fillRef idx="3">
+      <a:fillRef idx="1">
         <a:scrgbClr r="0" g="0" b="0"/>
       </a:fillRef>
-      <a:effectRef idx="2">
+      <a:effectRef idx="1">
         <a:scrgbClr r="0" g="0" b="0"/>
       </a:effectRef>
       <a:fontRef idx="minor">
@@ -4540,13 +4407,13 @@
     <dgm:sp3d/>
     <dgm:txPr/>
     <dgm:style>
-      <a:lnRef idx="1">
+      <a:lnRef idx="3">
         <a:scrgbClr r="0" g="0" b="0"/>
       </a:lnRef>
-      <a:fillRef idx="3">
+      <a:fillRef idx="1">
         <a:scrgbClr r="0" g="0" b="0"/>
       </a:fillRef>
-      <a:effectRef idx="2">
+      <a:effectRef idx="1">
         <a:scrgbClr r="0" g="0" b="0"/>
       </a:effectRef>
       <a:fontRef idx="minor">
@@ -4562,7 +4429,7 @@
     <dgm:sp3d/>
     <dgm:txPr/>
     <dgm:style>
-      <a:lnRef idx="1">
+      <a:lnRef idx="2">
         <a:scrgbClr r="0" g="0" b="0"/>
       </a:lnRef>
       <a:fillRef idx="0">
@@ -4582,7 +4449,7 @@
     <dgm:sp3d/>
     <dgm:txPr/>
     <dgm:style>
-      <a:lnRef idx="1">
+      <a:lnRef idx="2">
         <a:scrgbClr r="0" g="0" b="0"/>
       </a:lnRef>
       <a:fillRef idx="0">
@@ -4602,7 +4469,7 @@
     <dgm:sp3d/>
     <dgm:txPr/>
     <dgm:style>
-      <a:lnRef idx="1">
+      <a:lnRef idx="2">
         <a:scrgbClr r="0" g="0" b="0"/>
       </a:lnRef>
       <a:fillRef idx="0">
@@ -4622,7 +4489,7 @@
     <dgm:sp3d/>
     <dgm:txPr/>
     <dgm:style>
-      <a:lnRef idx="1">
+      <a:lnRef idx="2">
         <a:scrgbClr r="0" g="0" b="0"/>
       </a:lnRef>
       <a:fillRef idx="0">
@@ -4642,7 +4509,7 @@
     <dgm:sp3d/>
     <dgm:txPr/>
     <dgm:style>
-      <a:lnRef idx="1">
+      <a:lnRef idx="2">
         <a:scrgbClr r="0" g="0" b="0"/>
       </a:lnRef>
       <a:fillRef idx="1">
@@ -4662,7 +4529,7 @@
     <dgm:sp3d/>
     <dgm:txPr/>
     <dgm:style>
-      <a:lnRef idx="1">
+      <a:lnRef idx="2">
         <a:scrgbClr r="0" g="0" b="0"/>
       </a:lnRef>
       <a:fillRef idx="1">
@@ -4682,7 +4549,7 @@
     <dgm:sp3d/>
     <dgm:txPr/>
     <dgm:style>
-      <a:lnRef idx="1">
+      <a:lnRef idx="2">
         <a:scrgbClr r="0" g="0" b="0"/>
       </a:lnRef>
       <a:fillRef idx="1">
@@ -4722,7 +4589,7 @@
     <dgm:sp3d/>
     <dgm:txPr/>
     <dgm:style>
-      <a:lnRef idx="1">
+      <a:lnRef idx="2">
         <a:scrgbClr r="0" g="0" b="0"/>
       </a:lnRef>
       <a:fillRef idx="1">
@@ -4742,7 +4609,7 @@
     <dgm:sp3d/>
     <dgm:txPr/>
     <dgm:style>
-      <a:lnRef idx="1">
+      <a:lnRef idx="2">
         <a:scrgbClr r="0" g="0" b="0"/>
       </a:lnRef>
       <a:fillRef idx="1">
@@ -4762,7 +4629,7 @@
     <dgm:sp3d/>
     <dgm:txPr/>
     <dgm:style>
-      <a:lnRef idx="1">
+      <a:lnRef idx="2">
         <a:scrgbClr r="0" g="0" b="0"/>
       </a:lnRef>
       <a:fillRef idx="1">
@@ -4782,7 +4649,7 @@
     <dgm:sp3d/>
     <dgm:txPr/>
     <dgm:style>
-      <a:lnRef idx="1">
+      <a:lnRef idx="2">
         <a:scrgbClr r="0" g="0" b="0"/>
       </a:lnRef>
       <a:fillRef idx="1">
@@ -4802,7 +4669,7 @@
     <dgm:sp3d/>
     <dgm:txPr/>
     <dgm:style>
-      <a:lnRef idx="1">
+      <a:lnRef idx="2">
         <a:scrgbClr r="0" g="0" b="0"/>
       </a:lnRef>
       <a:fillRef idx="1">
@@ -4822,7 +4689,7 @@
     <dgm:sp3d/>
     <dgm:txPr/>
     <dgm:style>
-      <a:lnRef idx="1">
+      <a:lnRef idx="2">
         <a:scrgbClr r="0" g="0" b="0"/>
       </a:lnRef>
       <a:fillRef idx="1">
@@ -4842,7 +4709,7 @@
     <dgm:sp3d/>
     <dgm:txPr/>
     <dgm:style>
-      <a:lnRef idx="1">
+      <a:lnRef idx="2">
         <a:scrgbClr r="0" g="0" b="0"/>
       </a:lnRef>
       <a:fillRef idx="1">
@@ -4862,7 +4729,7 @@
     <dgm:sp3d/>
     <dgm:txPr/>
     <dgm:style>
-      <a:lnRef idx="1">
+      <a:lnRef idx="2">
         <a:scrgbClr r="0" g="0" b="0"/>
       </a:lnRef>
       <a:fillRef idx="1">
@@ -4882,7 +4749,7 @@
     <dgm:sp3d/>
     <dgm:txPr/>
     <dgm:style>
-      <a:lnRef idx="1">
+      <a:lnRef idx="2">
         <a:scrgbClr r="0" g="0" b="0"/>
       </a:lnRef>
       <a:fillRef idx="1">
@@ -4902,7 +4769,7 @@
     <dgm:sp3d/>
     <dgm:txPr/>
     <dgm:style>
-      <a:lnRef idx="1">
+      <a:lnRef idx="2">
         <a:scrgbClr r="0" g="0" b="0"/>
       </a:lnRef>
       <a:fillRef idx="1">
@@ -4922,7 +4789,7 @@
     <dgm:sp3d/>
     <dgm:txPr/>
     <dgm:style>
-      <a:lnRef idx="1">
+      <a:lnRef idx="2">
         <a:scrgbClr r="0" g="0" b="0"/>
       </a:lnRef>
       <a:fillRef idx="1">
@@ -4948,7 +4815,7 @@
       <a:fillRef idx="1">
         <a:scrgbClr r="0" g="0" b="0"/>
       </a:fillRef>
-      <a:effectRef idx="2">
+      <a:effectRef idx="0">
         <a:scrgbClr r="0" g="0" b="0"/>
       </a:effectRef>
       <a:fontRef idx="minor"/>
@@ -4968,7 +4835,7 @@
       <a:fillRef idx="1">
         <a:scrgbClr r="0" g="0" b="0"/>
       </a:fillRef>
-      <a:effectRef idx="2">
+      <a:effectRef idx="0">
         <a:scrgbClr r="0" g="0" b="0"/>
       </a:effectRef>
       <a:fontRef idx="minor"/>
@@ -5002,13 +4869,13 @@
     <dgm:sp3d/>
     <dgm:txPr/>
     <dgm:style>
-      <a:lnRef idx="0">
+      <a:lnRef idx="3">
         <a:scrgbClr r="0" g="0" b="0"/>
       </a:lnRef>
-      <a:fillRef idx="3">
+      <a:fillRef idx="1">
         <a:scrgbClr r="0" g="0" b="0"/>
       </a:fillRef>
-      <a:effectRef idx="2">
+      <a:effectRef idx="1">
         <a:scrgbClr r="0" g="0" b="0"/>
       </a:effectRef>
       <a:fontRef idx="minor"/>
@@ -6128,7 +5995,7 @@
           <a:noFill/>
           <a:extLst>
             <a:ext uri="{909E8E84-426E-40dd-AFC4-6F175D3DCCD1}">
-              <a14:hiddenFill xmlns="" xmlns:a14="http://schemas.microsoft.com/office/drawing/2010/main">
+              <a14:hiddenFill xmlns:a14="http://schemas.microsoft.com/office/drawing/2010/main" xmlns="">
                 <a:solidFill>
                   <a:srgbClr val="FFFFFF"/>
                 </a:solidFill>
@@ -6187,7 +6054,7 @@
             </a:ln>
             <a:extLst>
               <a:ext uri="{91240B29-F687-4f45-9708-019B960494DF}">
-                <a14:hiddenLine xmlns="" xmlns:a14="http://schemas.microsoft.com/office/drawing/2010/main" w="9525">
+                <a14:hiddenLine xmlns:a14="http://schemas.microsoft.com/office/drawing/2010/main" xmlns="" w="9525">
                   <a:solidFill>
                     <a:srgbClr val="000000"/>
                   </a:solidFill>
@@ -6277,7 +6144,7 @@
             </a:ln>
             <a:extLst>
               <a:ext uri="{91240B29-F687-4f45-9708-019B960494DF}">
-                <a14:hiddenLine xmlns="" xmlns:a14="http://schemas.microsoft.com/office/drawing/2010/main" w="9525">
+                <a14:hiddenLine xmlns:a14="http://schemas.microsoft.com/office/drawing/2010/main" xmlns="" w="9525">
                   <a:solidFill>
                     <a:srgbClr val="000000"/>
                   </a:solidFill>
@@ -6367,7 +6234,7 @@
             </a:ln>
             <a:extLst>
               <a:ext uri="{91240B29-F687-4f45-9708-019B960494DF}">
-                <a14:hiddenLine xmlns="" xmlns:a14="http://schemas.microsoft.com/office/drawing/2010/main" w="9525">
+                <a14:hiddenLine xmlns:a14="http://schemas.microsoft.com/office/drawing/2010/main" xmlns="" w="9525">
                   <a:solidFill>
                     <a:srgbClr val="000000"/>
                   </a:solidFill>
@@ -6401,7 +6268,7 @@
             </a:ln>
             <a:extLst>
               <a:ext uri="{91240B29-F687-4f45-9708-019B960494DF}">
-                <a14:hiddenLine xmlns="" xmlns:a14="http://schemas.microsoft.com/office/drawing/2010/main" w="9525">
+                <a14:hiddenLine xmlns:a14="http://schemas.microsoft.com/office/drawing/2010/main" xmlns="" w="9525">
                   <a:solidFill>
                     <a:srgbClr val="000000"/>
                   </a:solidFill>
@@ -6491,7 +6358,7 @@
             </a:ln>
             <a:extLst>
               <a:ext uri="{91240B29-F687-4f45-9708-019B960494DF}">
-                <a14:hiddenLine xmlns="" xmlns:a14="http://schemas.microsoft.com/office/drawing/2010/main" w="9525">
+                <a14:hiddenLine xmlns:a14="http://schemas.microsoft.com/office/drawing/2010/main" xmlns="" w="9525">
                   <a:solidFill>
                     <a:srgbClr val="000000"/>
                   </a:solidFill>
@@ -6553,7 +6420,7 @@
             </a:ln>
             <a:extLst>
               <a:ext uri="{91240B29-F687-4f45-9708-019B960494DF}">
-                <a14:hiddenLine xmlns="" xmlns:a14="http://schemas.microsoft.com/office/drawing/2010/main" w="9525">
+                <a14:hiddenLine xmlns:a14="http://schemas.microsoft.com/office/drawing/2010/main" xmlns="" w="9525">
                   <a:solidFill>
                     <a:srgbClr val="000000"/>
                   </a:solidFill>
@@ -6615,7 +6482,7 @@
             </a:ln>
             <a:extLst>
               <a:ext uri="{91240B29-F687-4f45-9708-019B960494DF}">
-                <a14:hiddenLine xmlns="" xmlns:a14="http://schemas.microsoft.com/office/drawing/2010/main" w="9525">
+                <a14:hiddenLine xmlns:a14="http://schemas.microsoft.com/office/drawing/2010/main" xmlns="" w="9525">
                   <a:solidFill>
                     <a:srgbClr val="000000"/>
                   </a:solidFill>
@@ -6705,7 +6572,7 @@
             </a:ln>
             <a:extLst>
               <a:ext uri="{91240B29-F687-4f45-9708-019B960494DF}">
-                <a14:hiddenLine xmlns="" xmlns:a14="http://schemas.microsoft.com/office/drawing/2010/main" w="9525">
+                <a14:hiddenLine xmlns:a14="http://schemas.microsoft.com/office/drawing/2010/main" xmlns="" w="9525">
                   <a:solidFill>
                     <a:srgbClr val="000000"/>
                   </a:solidFill>
@@ -6767,7 +6634,7 @@
             </a:ln>
             <a:extLst>
               <a:ext uri="{91240B29-F687-4f45-9708-019B960494DF}">
-                <a14:hiddenLine xmlns="" xmlns:a14="http://schemas.microsoft.com/office/drawing/2010/main" w="9525">
+                <a14:hiddenLine xmlns:a14="http://schemas.microsoft.com/office/drawing/2010/main" xmlns="" w="9525">
                   <a:solidFill>
                     <a:srgbClr val="000000"/>
                   </a:solidFill>
@@ -6829,7 +6696,7 @@
             </a:ln>
             <a:extLst>
               <a:ext uri="{91240B29-F687-4f45-9708-019B960494DF}">
-                <a14:hiddenLine xmlns="" xmlns:a14="http://schemas.microsoft.com/office/drawing/2010/main" w="9525">
+                <a14:hiddenLine xmlns:a14="http://schemas.microsoft.com/office/drawing/2010/main" xmlns="" w="9525">
                   <a:solidFill>
                     <a:srgbClr val="000000"/>
                   </a:solidFill>
@@ -6919,7 +6786,7 @@
             </a:ln>
             <a:extLst>
               <a:ext uri="{91240B29-F687-4f45-9708-019B960494DF}">
-                <a14:hiddenLine xmlns="" xmlns:a14="http://schemas.microsoft.com/office/drawing/2010/main" w="9525">
+                <a14:hiddenLine xmlns:a14="http://schemas.microsoft.com/office/drawing/2010/main" xmlns="" w="9525">
                   <a:solidFill>
                     <a:srgbClr val="000000"/>
                   </a:solidFill>
@@ -7009,7 +6876,7 @@
             </a:ln>
             <a:extLst>
               <a:ext uri="{91240B29-F687-4f45-9708-019B960494DF}">
-                <a14:hiddenLine xmlns="" xmlns:a14="http://schemas.microsoft.com/office/drawing/2010/main" w="9525">
+                <a14:hiddenLine xmlns:a14="http://schemas.microsoft.com/office/drawing/2010/main" xmlns="" w="9525">
                   <a:solidFill>
                     <a:srgbClr val="000000"/>
                   </a:solidFill>
@@ -7071,7 +6938,7 @@
             </a:ln>
             <a:extLst>
               <a:ext uri="{91240B29-F687-4f45-9708-019B960494DF}">
-                <a14:hiddenLine xmlns="" xmlns:a14="http://schemas.microsoft.com/office/drawing/2010/main" w="9525">
+                <a14:hiddenLine xmlns:a14="http://schemas.microsoft.com/office/drawing/2010/main" xmlns="" w="9525">
                   <a:solidFill>
                     <a:srgbClr val="000000"/>
                   </a:solidFill>
@@ -7181,7 +7048,7 @@
             </a:ln>
             <a:extLst>
               <a:ext uri="{91240B29-F687-4f45-9708-019B960494DF}">
-                <a14:hiddenLine xmlns="" xmlns:a14="http://schemas.microsoft.com/office/drawing/2010/main" w="9525">
+                <a14:hiddenLine xmlns:a14="http://schemas.microsoft.com/office/drawing/2010/main" xmlns="" w="9525">
                   <a:solidFill>
                     <a:srgbClr val="000000"/>
                   </a:solidFill>
@@ -7243,7 +7110,7 @@
             </a:ln>
             <a:extLst>
               <a:ext uri="{91240B29-F687-4f45-9708-019B960494DF}">
-                <a14:hiddenLine xmlns="" xmlns:a14="http://schemas.microsoft.com/office/drawing/2010/main" w="9525">
+                <a14:hiddenLine xmlns:a14="http://schemas.microsoft.com/office/drawing/2010/main" xmlns="" w="9525">
                   <a:solidFill>
                     <a:srgbClr val="000000"/>
                   </a:solidFill>
@@ -7333,7 +7200,7 @@
             </a:ln>
             <a:extLst>
               <a:ext uri="{91240B29-F687-4f45-9708-019B960494DF}">
-                <a14:hiddenLine xmlns="" xmlns:a14="http://schemas.microsoft.com/office/drawing/2010/main" w="9525">
+                <a14:hiddenLine xmlns:a14="http://schemas.microsoft.com/office/drawing/2010/main" xmlns="" w="9525">
                   <a:solidFill>
                     <a:srgbClr val="000000"/>
                   </a:solidFill>
@@ -7423,7 +7290,7 @@
             </a:ln>
             <a:extLst>
               <a:ext uri="{91240B29-F687-4f45-9708-019B960494DF}">
-                <a14:hiddenLine xmlns="" xmlns:a14="http://schemas.microsoft.com/office/drawing/2010/main" w="9525">
+                <a14:hiddenLine xmlns:a14="http://schemas.microsoft.com/office/drawing/2010/main" xmlns="" w="9525">
                   <a:solidFill>
                     <a:srgbClr val="000000"/>
                   </a:solidFill>
@@ -7485,7 +7352,7 @@
             </a:ln>
             <a:extLst>
               <a:ext uri="{91240B29-F687-4f45-9708-019B960494DF}">
-                <a14:hiddenLine xmlns="" xmlns:a14="http://schemas.microsoft.com/office/drawing/2010/main" w="9525">
+                <a14:hiddenLine xmlns:a14="http://schemas.microsoft.com/office/drawing/2010/main" xmlns="" w="9525">
                   <a:solidFill>
                     <a:srgbClr val="000000"/>
                   </a:solidFill>
@@ -7575,7 +7442,7 @@
             </a:ln>
             <a:extLst>
               <a:ext uri="{91240B29-F687-4f45-9708-019B960494DF}">
-                <a14:hiddenLine xmlns="" xmlns:a14="http://schemas.microsoft.com/office/drawing/2010/main" w="9525">
+                <a14:hiddenLine xmlns:a14="http://schemas.microsoft.com/office/drawing/2010/main" xmlns="" w="9525">
                   <a:solidFill>
                     <a:srgbClr val="000000"/>
                   </a:solidFill>
@@ -7665,7 +7532,7 @@
             </a:ln>
             <a:extLst>
               <a:ext uri="{91240B29-F687-4f45-9708-019B960494DF}">
-                <a14:hiddenLine xmlns="" xmlns:a14="http://schemas.microsoft.com/office/drawing/2010/main" w="9525">
+                <a14:hiddenLine xmlns:a14="http://schemas.microsoft.com/office/drawing/2010/main" xmlns="" w="9525">
                   <a:solidFill>
                     <a:srgbClr val="000000"/>
                   </a:solidFill>
@@ -7721,7 +7588,7 @@
             </a:ln>
             <a:extLst>
               <a:ext uri="{91240B29-F687-4f45-9708-019B960494DF}">
-                <a14:hiddenLine xmlns="" xmlns:a14="http://schemas.microsoft.com/office/drawing/2010/main" w="9525">
+                <a14:hiddenLine xmlns:a14="http://schemas.microsoft.com/office/drawing/2010/main" xmlns="" w="9525">
                   <a:solidFill>
                     <a:srgbClr val="000000"/>
                   </a:solidFill>
@@ -7811,7 +7678,7 @@
             </a:ln>
             <a:extLst>
               <a:ext uri="{91240B29-F687-4f45-9708-019B960494DF}">
-                <a14:hiddenLine xmlns="" xmlns:a14="http://schemas.microsoft.com/office/drawing/2010/main" w="9525">
+                <a14:hiddenLine xmlns:a14="http://schemas.microsoft.com/office/drawing/2010/main" xmlns="" w="9525">
                   <a:solidFill>
                     <a:srgbClr val="000000"/>
                   </a:solidFill>
@@ -7867,7 +7734,7 @@
             </a:ln>
             <a:extLst>
               <a:ext uri="{91240B29-F687-4f45-9708-019B960494DF}">
-                <a14:hiddenLine xmlns="" xmlns:a14="http://schemas.microsoft.com/office/drawing/2010/main" w="9525">
+                <a14:hiddenLine xmlns:a14="http://schemas.microsoft.com/office/drawing/2010/main" xmlns="" w="9525">
                   <a:solidFill>
                     <a:srgbClr val="000000"/>
                   </a:solidFill>
@@ -7957,7 +7824,7 @@
             </a:ln>
             <a:extLst>
               <a:ext uri="{91240B29-F687-4f45-9708-019B960494DF}">
-                <a14:hiddenLine xmlns="" xmlns:a14="http://schemas.microsoft.com/office/drawing/2010/main" w="9525">
+                <a14:hiddenLine xmlns:a14="http://schemas.microsoft.com/office/drawing/2010/main" xmlns="" w="9525">
                   <a:solidFill>
                     <a:srgbClr val="000000"/>
                   </a:solidFill>
@@ -8025,7 +7892,7 @@
             </a:ln>
             <a:extLst>
               <a:ext uri="{91240B29-F687-4f45-9708-019B960494DF}">
-                <a14:hiddenLine xmlns="" xmlns:a14="http://schemas.microsoft.com/office/drawing/2010/main" w="9525">
+                <a14:hiddenLine xmlns:a14="http://schemas.microsoft.com/office/drawing/2010/main" xmlns="" w="9525">
                   <a:solidFill>
                     <a:srgbClr val="000000"/>
                   </a:solidFill>
@@ -8115,7 +7982,7 @@
             </a:ln>
             <a:extLst>
               <a:ext uri="{91240B29-F687-4f45-9708-019B960494DF}">
-                <a14:hiddenLine xmlns="" xmlns:a14="http://schemas.microsoft.com/office/drawing/2010/main" w="9525">
+                <a14:hiddenLine xmlns:a14="http://schemas.microsoft.com/office/drawing/2010/main" xmlns="" w="9525">
                   <a:solidFill>
                     <a:srgbClr val="000000"/>
                   </a:solidFill>
@@ -8183,7 +8050,7 @@
             </a:ln>
             <a:extLst>
               <a:ext uri="{91240B29-F687-4f45-9708-019B960494DF}">
-                <a14:hiddenLine xmlns="" xmlns:a14="http://schemas.microsoft.com/office/drawing/2010/main" w="9525">
+                <a14:hiddenLine xmlns:a14="http://schemas.microsoft.com/office/drawing/2010/main" xmlns="" w="9525">
                   <a:solidFill>
                     <a:srgbClr val="000000"/>
                   </a:solidFill>
@@ -8273,7 +8140,7 @@
             </a:ln>
             <a:extLst>
               <a:ext uri="{91240B29-F687-4f45-9708-019B960494DF}">
-                <a14:hiddenLine xmlns="" xmlns:a14="http://schemas.microsoft.com/office/drawing/2010/main" w="9525">
+                <a14:hiddenLine xmlns:a14="http://schemas.microsoft.com/office/drawing/2010/main" xmlns="" w="9525">
                   <a:solidFill>
                     <a:srgbClr val="000000"/>
                   </a:solidFill>
@@ -8307,7 +8174,7 @@
             </a:ln>
             <a:extLst>
               <a:ext uri="{91240B29-F687-4f45-9708-019B960494DF}">
-                <a14:hiddenLine xmlns="" xmlns:a14="http://schemas.microsoft.com/office/drawing/2010/main" w="9525">
+                <a14:hiddenLine xmlns:a14="http://schemas.microsoft.com/office/drawing/2010/main" xmlns="" w="9525">
                   <a:solidFill>
                     <a:srgbClr val="000000"/>
                   </a:solidFill>
@@ -8397,7 +8264,7 @@
             </a:ln>
             <a:extLst>
               <a:ext uri="{91240B29-F687-4f45-9708-019B960494DF}">
-                <a14:hiddenLine xmlns="" xmlns:a14="http://schemas.microsoft.com/office/drawing/2010/main" w="9525">
+                <a14:hiddenLine xmlns:a14="http://schemas.microsoft.com/office/drawing/2010/main" xmlns="" w="9525">
                   <a:solidFill>
                     <a:srgbClr val="000000"/>
                   </a:solidFill>
@@ -8459,7 +8326,7 @@
             </a:ln>
             <a:extLst>
               <a:ext uri="{91240B29-F687-4f45-9708-019B960494DF}">
-                <a14:hiddenLine xmlns="" xmlns:a14="http://schemas.microsoft.com/office/drawing/2010/main" w="9525">
+                <a14:hiddenLine xmlns:a14="http://schemas.microsoft.com/office/drawing/2010/main" xmlns="" w="9525">
                   <a:solidFill>
                     <a:srgbClr val="000000"/>
                   </a:solidFill>
@@ -8521,7 +8388,7 @@
             </a:ln>
             <a:extLst>
               <a:ext uri="{91240B29-F687-4f45-9708-019B960494DF}">
-                <a14:hiddenLine xmlns="" xmlns:a14="http://schemas.microsoft.com/office/drawing/2010/main" w="9525">
+                <a14:hiddenLine xmlns:a14="http://schemas.microsoft.com/office/drawing/2010/main" xmlns="" w="9525">
                   <a:solidFill>
                     <a:srgbClr val="000000"/>
                   </a:solidFill>
@@ -8611,7 +8478,7 @@
             </a:ln>
             <a:extLst>
               <a:ext uri="{91240B29-F687-4f45-9708-019B960494DF}">
-                <a14:hiddenLine xmlns="" xmlns:a14="http://schemas.microsoft.com/office/drawing/2010/main" w="9525">
+                <a14:hiddenLine xmlns:a14="http://schemas.microsoft.com/office/drawing/2010/main" xmlns="" w="9525">
                   <a:solidFill>
                     <a:srgbClr val="000000"/>
                   </a:solidFill>
@@ -8679,7 +8546,7 @@
             </a:ln>
             <a:extLst>
               <a:ext uri="{91240B29-F687-4f45-9708-019B960494DF}">
-                <a14:hiddenLine xmlns="" xmlns:a14="http://schemas.microsoft.com/office/drawing/2010/main" w="9525">
+                <a14:hiddenLine xmlns:a14="http://schemas.microsoft.com/office/drawing/2010/main" xmlns="" w="9525">
                   <a:solidFill>
                     <a:srgbClr val="000000"/>
                   </a:solidFill>
@@ -8741,7 +8608,7 @@
             </a:ln>
             <a:extLst>
               <a:ext uri="{91240B29-F687-4f45-9708-019B960494DF}">
-                <a14:hiddenLine xmlns="" xmlns:a14="http://schemas.microsoft.com/office/drawing/2010/main" w="9525">
+                <a14:hiddenLine xmlns:a14="http://schemas.microsoft.com/office/drawing/2010/main" xmlns="" w="9525">
                   <a:solidFill>
                     <a:srgbClr val="000000"/>
                   </a:solidFill>
@@ -8831,7 +8698,7 @@
             </a:ln>
             <a:extLst>
               <a:ext uri="{91240B29-F687-4f45-9708-019B960494DF}">
-                <a14:hiddenLine xmlns="" xmlns:a14="http://schemas.microsoft.com/office/drawing/2010/main" w="9525">
+                <a14:hiddenLine xmlns:a14="http://schemas.microsoft.com/office/drawing/2010/main" xmlns="" w="9525">
                   <a:solidFill>
                     <a:srgbClr val="000000"/>
                   </a:solidFill>
@@ -8893,7 +8760,7 @@
             </a:ln>
             <a:extLst>
               <a:ext uri="{91240B29-F687-4f45-9708-019B960494DF}">
-                <a14:hiddenLine xmlns="" xmlns:a14="http://schemas.microsoft.com/office/drawing/2010/main" w="9525">
+                <a14:hiddenLine xmlns:a14="http://schemas.microsoft.com/office/drawing/2010/main" xmlns="" w="9525">
                   <a:solidFill>
                     <a:srgbClr val="000000"/>
                   </a:solidFill>
@@ -8983,7 +8850,7 @@
             </a:ln>
             <a:extLst>
               <a:ext uri="{91240B29-F687-4f45-9708-019B960494DF}">
-                <a14:hiddenLine xmlns="" xmlns:a14="http://schemas.microsoft.com/office/drawing/2010/main" w="9525">
+                <a14:hiddenLine xmlns:a14="http://schemas.microsoft.com/office/drawing/2010/main" xmlns="" w="9525">
                   <a:solidFill>
                     <a:srgbClr val="000000"/>
                   </a:solidFill>
@@ -9045,7 +8912,7 @@
             </a:ln>
             <a:extLst>
               <a:ext uri="{91240B29-F687-4f45-9708-019B960494DF}">
-                <a14:hiddenLine xmlns="" xmlns:a14="http://schemas.microsoft.com/office/drawing/2010/main" w="9525">
+                <a14:hiddenLine xmlns:a14="http://schemas.microsoft.com/office/drawing/2010/main" xmlns="" w="9525">
                   <a:solidFill>
                     <a:srgbClr val="000000"/>
                   </a:solidFill>
@@ -9135,7 +9002,7 @@
             </a:ln>
             <a:extLst>
               <a:ext uri="{91240B29-F687-4f45-9708-019B960494DF}">
-                <a14:hiddenLine xmlns="" xmlns:a14="http://schemas.microsoft.com/office/drawing/2010/main" w="9525">
+                <a14:hiddenLine xmlns:a14="http://schemas.microsoft.com/office/drawing/2010/main" xmlns="" w="9525">
                   <a:solidFill>
                     <a:srgbClr val="000000"/>
                   </a:solidFill>
@@ -9169,7 +9036,7 @@
             </a:ln>
             <a:extLst>
               <a:ext uri="{91240B29-F687-4f45-9708-019B960494DF}">
-                <a14:hiddenLine xmlns="" xmlns:a14="http://schemas.microsoft.com/office/drawing/2010/main" w="9525">
+                <a14:hiddenLine xmlns:a14="http://schemas.microsoft.com/office/drawing/2010/main" xmlns="" w="9525">
                   <a:solidFill>
                     <a:srgbClr val="000000"/>
                   </a:solidFill>
@@ -9234,7 +9101,7 @@
             </a:ln>
             <a:extLst>
               <a:ext uri="{91240B29-F687-4f45-9708-019B960494DF}">
-                <a14:hiddenLine xmlns="" xmlns:a14="http://schemas.microsoft.com/office/drawing/2010/main" w="9525">
+                <a14:hiddenLine xmlns:a14="http://schemas.microsoft.com/office/drawing/2010/main" xmlns="" w="9525">
                   <a:solidFill>
                     <a:srgbClr val="000000"/>
                   </a:solidFill>
@@ -9324,7 +9191,7 @@
             </a:ln>
             <a:extLst>
               <a:ext uri="{91240B29-F687-4f45-9708-019B960494DF}">
-                <a14:hiddenLine xmlns="" xmlns:a14="http://schemas.microsoft.com/office/drawing/2010/main" w="9525">
+                <a14:hiddenLine xmlns:a14="http://schemas.microsoft.com/office/drawing/2010/main" xmlns="" w="9525">
                   <a:solidFill>
                     <a:srgbClr val="000000"/>
                   </a:solidFill>
@@ -9386,7 +9253,7 @@
             </a:ln>
             <a:extLst>
               <a:ext uri="{91240B29-F687-4f45-9708-019B960494DF}">
-                <a14:hiddenLine xmlns="" xmlns:a14="http://schemas.microsoft.com/office/drawing/2010/main" w="9525">
+                <a14:hiddenLine xmlns:a14="http://schemas.microsoft.com/office/drawing/2010/main" xmlns="" w="9525">
                   <a:solidFill>
                     <a:srgbClr val="000000"/>
                   </a:solidFill>
@@ -9476,7 +9343,7 @@
             </a:ln>
             <a:extLst>
               <a:ext uri="{91240B29-F687-4f45-9708-019B960494DF}">
-                <a14:hiddenLine xmlns="" xmlns:a14="http://schemas.microsoft.com/office/drawing/2010/main" w="9525">
+                <a14:hiddenLine xmlns:a14="http://schemas.microsoft.com/office/drawing/2010/main" xmlns="" w="9525">
                   <a:solidFill>
                     <a:srgbClr val="000000"/>
                   </a:solidFill>
@@ -9566,7 +9433,7 @@
             </a:ln>
             <a:extLst>
               <a:ext uri="{91240B29-F687-4f45-9708-019B960494DF}">
-                <a14:hiddenLine xmlns="" xmlns:a14="http://schemas.microsoft.com/office/drawing/2010/main" w="9525">
+                <a14:hiddenLine xmlns:a14="http://schemas.microsoft.com/office/drawing/2010/main" xmlns="" w="9525">
                   <a:solidFill>
                     <a:srgbClr val="000000"/>
                   </a:solidFill>
@@ -9631,7 +9498,7 @@
             </a:ln>
             <a:extLst>
               <a:ext uri="{91240B29-F687-4f45-9708-019B960494DF}">
-                <a14:hiddenLine xmlns="" xmlns:a14="http://schemas.microsoft.com/office/drawing/2010/main" w="9525">
+                <a14:hiddenLine xmlns:a14="http://schemas.microsoft.com/office/drawing/2010/main" xmlns="" w="9525">
                   <a:solidFill>
                     <a:srgbClr val="000000"/>
                   </a:solidFill>
@@ -9693,7 +9560,7 @@
             </a:ln>
             <a:extLst>
               <a:ext uri="{91240B29-F687-4f45-9708-019B960494DF}">
-                <a14:hiddenLine xmlns="" xmlns:a14="http://schemas.microsoft.com/office/drawing/2010/main" w="9525">
+                <a14:hiddenLine xmlns:a14="http://schemas.microsoft.com/office/drawing/2010/main" xmlns="" w="9525">
                   <a:solidFill>
                     <a:srgbClr val="000000"/>
                   </a:solidFill>
@@ -9783,7 +9650,7 @@
             </a:ln>
             <a:extLst>
               <a:ext uri="{91240B29-F687-4f45-9708-019B960494DF}">
-                <a14:hiddenLine xmlns="" xmlns:a14="http://schemas.microsoft.com/office/drawing/2010/main" w="9525">
+                <a14:hiddenLine xmlns:a14="http://schemas.microsoft.com/office/drawing/2010/main" xmlns="" w="9525">
                   <a:solidFill>
                     <a:srgbClr val="000000"/>
                   </a:solidFill>
@@ -9873,7 +9740,7 @@
             </a:ln>
             <a:extLst>
               <a:ext uri="{91240B29-F687-4f45-9708-019B960494DF}">
-                <a14:hiddenLine xmlns="" xmlns:a14="http://schemas.microsoft.com/office/drawing/2010/main" w="9525">
+                <a14:hiddenLine xmlns:a14="http://schemas.microsoft.com/office/drawing/2010/main" xmlns="" w="9525">
                   <a:solidFill>
                     <a:srgbClr val="000000"/>
                   </a:solidFill>
@@ -9935,7 +9802,7 @@
             </a:ln>
             <a:extLst>
               <a:ext uri="{91240B29-F687-4f45-9708-019B960494DF}">
-                <a14:hiddenLine xmlns="" xmlns:a14="http://schemas.microsoft.com/office/drawing/2010/main" w="9525">
+                <a14:hiddenLine xmlns:a14="http://schemas.microsoft.com/office/drawing/2010/main" xmlns="" w="9525">
                   <a:solidFill>
                     <a:srgbClr val="000000"/>
                   </a:solidFill>
@@ -10055,7 +9922,7 @@
             </a:ln>
             <a:extLst>
               <a:ext uri="{91240B29-F687-4f45-9708-019B960494DF}">
-                <a14:hiddenLine xmlns="" xmlns:a14="http://schemas.microsoft.com/office/drawing/2010/main" w="9525">
+                <a14:hiddenLine xmlns:a14="http://schemas.microsoft.com/office/drawing/2010/main" xmlns="" w="9525">
                   <a:solidFill>
                     <a:srgbClr val="000000"/>
                   </a:solidFill>
@@ -10123,7 +9990,7 @@
             </a:ln>
             <a:extLst>
               <a:ext uri="{91240B29-F687-4f45-9708-019B960494DF}">
-                <a14:hiddenLine xmlns="" xmlns:a14="http://schemas.microsoft.com/office/drawing/2010/main" w="9525">
+                <a14:hiddenLine xmlns:a14="http://schemas.microsoft.com/office/drawing/2010/main" xmlns="" w="9525">
                   <a:solidFill>
                     <a:srgbClr val="000000"/>
                   </a:solidFill>
@@ -10213,7 +10080,7 @@
             </a:ln>
             <a:extLst>
               <a:ext uri="{91240B29-F687-4f45-9708-019B960494DF}">
-                <a14:hiddenLine xmlns="" xmlns:a14="http://schemas.microsoft.com/office/drawing/2010/main" w="9525">
+                <a14:hiddenLine xmlns:a14="http://schemas.microsoft.com/office/drawing/2010/main" xmlns="" w="9525">
                   <a:solidFill>
                     <a:srgbClr val="000000"/>
                   </a:solidFill>
@@ -10353,7 +10220,7 @@
           <a:p>
             <a:fld id="{76CF0794-4B23-4231-8A4A-0B8130EE2095}" type="datetimeFigureOut">
               <a:rPr lang="it-IT" smtClean="0"/>
-              <a:t>23/04/2024</a:t>
+              <a:t>24/04/2024</a:t>
             </a:fld>
             <a:endParaRPr lang="it-IT"/>
           </a:p>
@@ -10620,7 +10487,7 @@
           <a:p>
             <a:fld id="{76CF0794-4B23-4231-8A4A-0B8130EE2095}" type="datetimeFigureOut">
               <a:rPr lang="it-IT" smtClean="0"/>
-              <a:t>23/04/2024</a:t>
+              <a:t>24/04/2024</a:t>
             </a:fld>
             <a:endParaRPr lang="it-IT"/>
           </a:p>
@@ -10816,7 +10683,7 @@
           <a:p>
             <a:fld id="{76CF0794-4B23-4231-8A4A-0B8130EE2095}" type="datetimeFigureOut">
               <a:rPr lang="it-IT" smtClean="0"/>
-              <a:t>23/04/2024</a:t>
+              <a:t>24/04/2024</a:t>
             </a:fld>
             <a:endParaRPr lang="it-IT"/>
           </a:p>
@@ -11079,7 +10946,7 @@
           <a:p>
             <a:fld id="{76CF0794-4B23-4231-8A4A-0B8130EE2095}" type="datetimeFigureOut">
               <a:rPr lang="it-IT" smtClean="0"/>
-              <a:t>23/04/2024</a:t>
+              <a:t>24/04/2024</a:t>
             </a:fld>
             <a:endParaRPr lang="it-IT"/>
           </a:p>
@@ -11513,7 +11380,7 @@
           <a:p>
             <a:fld id="{76CF0794-4B23-4231-8A4A-0B8130EE2095}" type="datetimeFigureOut">
               <a:rPr lang="it-IT" smtClean="0"/>
-              <a:t>23/04/2024</a:t>
+              <a:t>24/04/2024</a:t>
             </a:fld>
             <a:endParaRPr lang="it-IT"/>
           </a:p>
@@ -12059,7 +11926,7 @@
           <a:p>
             <a:fld id="{76CF0794-4B23-4231-8A4A-0B8130EE2095}" type="datetimeFigureOut">
               <a:rPr lang="it-IT" smtClean="0"/>
-              <a:t>23/04/2024</a:t>
+              <a:t>24/04/2024</a:t>
             </a:fld>
             <a:endParaRPr lang="it-IT"/>
           </a:p>
@@ -12779,7 +12646,7 @@
           <a:p>
             <a:fld id="{76CF0794-4B23-4231-8A4A-0B8130EE2095}" type="datetimeFigureOut">
               <a:rPr lang="it-IT" smtClean="0"/>
-              <a:t>23/04/2024</a:t>
+              <a:t>24/04/2024</a:t>
             </a:fld>
             <a:endParaRPr lang="it-IT"/>
           </a:p>
@@ -12949,7 +12816,7 @@
           <a:p>
             <a:fld id="{76CF0794-4B23-4231-8A4A-0B8130EE2095}" type="datetimeFigureOut">
               <a:rPr lang="it-IT" smtClean="0"/>
-              <a:t>23/04/2024</a:t>
+              <a:t>24/04/2024</a:t>
             </a:fld>
             <a:endParaRPr lang="it-IT"/>
           </a:p>
@@ -13129,7 +12996,7 @@
           <a:p>
             <a:fld id="{76CF0794-4B23-4231-8A4A-0B8130EE2095}" type="datetimeFigureOut">
               <a:rPr lang="it-IT" smtClean="0"/>
-              <a:t>23/04/2024</a:t>
+              <a:t>24/04/2024</a:t>
             </a:fld>
             <a:endParaRPr lang="it-IT"/>
           </a:p>
@@ -13299,7 +13166,7 @@
           <a:p>
             <a:fld id="{76CF0794-4B23-4231-8A4A-0B8130EE2095}" type="datetimeFigureOut">
               <a:rPr lang="it-IT" smtClean="0"/>
-              <a:t>23/04/2024</a:t>
+              <a:t>24/04/2024</a:t>
             </a:fld>
             <a:endParaRPr lang="it-IT"/>
           </a:p>
@@ -13549,7 +13416,7 @@
           <a:p>
             <a:fld id="{76CF0794-4B23-4231-8A4A-0B8130EE2095}" type="datetimeFigureOut">
               <a:rPr lang="it-IT" smtClean="0"/>
-              <a:t>23/04/2024</a:t>
+              <a:t>24/04/2024</a:t>
             </a:fld>
             <a:endParaRPr lang="it-IT"/>
           </a:p>
@@ -13781,7 +13648,7 @@
           <a:p>
             <a:fld id="{76CF0794-4B23-4231-8A4A-0B8130EE2095}" type="datetimeFigureOut">
               <a:rPr lang="it-IT" smtClean="0"/>
-              <a:t>23/04/2024</a:t>
+              <a:t>24/04/2024</a:t>
             </a:fld>
             <a:endParaRPr lang="it-IT"/>
           </a:p>
@@ -14162,7 +14029,7 @@
           <a:p>
             <a:fld id="{76CF0794-4B23-4231-8A4A-0B8130EE2095}" type="datetimeFigureOut">
               <a:rPr lang="it-IT" smtClean="0"/>
-              <a:t>23/04/2024</a:t>
+              <a:t>24/04/2024</a:t>
             </a:fld>
             <a:endParaRPr lang="it-IT"/>
           </a:p>
@@ -14280,7 +14147,7 @@
           <a:p>
             <a:fld id="{76CF0794-4B23-4231-8A4A-0B8130EE2095}" type="datetimeFigureOut">
               <a:rPr lang="it-IT" smtClean="0"/>
-              <a:t>23/04/2024</a:t>
+              <a:t>24/04/2024</a:t>
             </a:fld>
             <a:endParaRPr lang="it-IT"/>
           </a:p>
@@ -14375,7 +14242,7 @@
           <a:p>
             <a:fld id="{76CF0794-4B23-4231-8A4A-0B8130EE2095}" type="datetimeFigureOut">
               <a:rPr lang="it-IT" smtClean="0"/>
-              <a:t>23/04/2024</a:t>
+              <a:t>24/04/2024</a:t>
             </a:fld>
             <a:endParaRPr lang="it-IT"/>
           </a:p>
@@ -14624,7 +14491,7 @@
           <a:p>
             <a:fld id="{76CF0794-4B23-4231-8A4A-0B8130EE2095}" type="datetimeFigureOut">
               <a:rPr lang="it-IT" smtClean="0"/>
-              <a:t>23/04/2024</a:t>
+              <a:t>24/04/2024</a:t>
             </a:fld>
             <a:endParaRPr lang="it-IT"/>
           </a:p>
@@ -14904,7 +14771,7 @@
           <a:p>
             <a:fld id="{76CF0794-4B23-4231-8A4A-0B8130EE2095}" type="datetimeFigureOut">
               <a:rPr lang="it-IT" smtClean="0"/>
-              <a:t>23/04/2024</a:t>
+              <a:t>24/04/2024</a:t>
             </a:fld>
             <a:endParaRPr lang="it-IT"/>
           </a:p>
@@ -15027,7 +14894,7 @@
           <a:noFill/>
           <a:extLst>
             <a:ext uri="{909E8E84-426E-40dd-AFC4-6F175D3DCCD1}">
-              <a14:hiddenFill xmlns="" xmlns:a14="http://schemas.microsoft.com/office/drawing/2010/main">
+              <a14:hiddenFill xmlns:a14="http://schemas.microsoft.com/office/drawing/2010/main" xmlns="">
                 <a:solidFill>
                   <a:srgbClr val="FFFFFF"/>
                 </a:solidFill>
@@ -15101,7 +14968,7 @@
               </a:ln>
               <a:extLst>
                 <a:ext uri="{91240B29-F687-4f45-9708-019B960494DF}">
-                  <a14:hiddenLine xmlns="" xmlns:a14="http://schemas.microsoft.com/office/drawing/2010/main" w="9525">
+                  <a14:hiddenLine xmlns:a14="http://schemas.microsoft.com/office/drawing/2010/main" xmlns="" w="9525">
                     <a:solidFill>
                       <a:srgbClr val="000000"/>
                     </a:solidFill>
@@ -15191,7 +15058,7 @@
               </a:ln>
               <a:extLst>
                 <a:ext uri="{91240B29-F687-4f45-9708-019B960494DF}">
-                  <a14:hiddenLine xmlns="" xmlns:a14="http://schemas.microsoft.com/office/drawing/2010/main" w="9525">
+                  <a14:hiddenLine xmlns:a14="http://schemas.microsoft.com/office/drawing/2010/main" xmlns="" w="9525">
                     <a:solidFill>
                       <a:srgbClr val="000000"/>
                     </a:solidFill>
@@ -15281,7 +15148,7 @@
               </a:ln>
               <a:extLst>
                 <a:ext uri="{91240B29-F687-4f45-9708-019B960494DF}">
-                  <a14:hiddenLine xmlns="" xmlns:a14="http://schemas.microsoft.com/office/drawing/2010/main" w="9525">
+                  <a14:hiddenLine xmlns:a14="http://schemas.microsoft.com/office/drawing/2010/main" xmlns="" w="9525">
                     <a:solidFill>
                       <a:srgbClr val="000000"/>
                     </a:solidFill>
@@ -15343,7 +15210,7 @@
               </a:ln>
               <a:extLst>
                 <a:ext uri="{91240B29-F687-4f45-9708-019B960494DF}">
-                  <a14:hiddenLine xmlns="" xmlns:a14="http://schemas.microsoft.com/office/drawing/2010/main" w="9525">
+                  <a14:hiddenLine xmlns:a14="http://schemas.microsoft.com/office/drawing/2010/main" xmlns="" w="9525">
                     <a:solidFill>
                       <a:srgbClr val="000000"/>
                     </a:solidFill>
@@ -15433,7 +15300,7 @@
               </a:ln>
               <a:extLst>
                 <a:ext uri="{91240B29-F687-4f45-9708-019B960494DF}">
-                  <a14:hiddenLine xmlns="" xmlns:a14="http://schemas.microsoft.com/office/drawing/2010/main" w="9525">
+                  <a14:hiddenLine xmlns:a14="http://schemas.microsoft.com/office/drawing/2010/main" xmlns="" w="9525">
                     <a:solidFill>
                       <a:srgbClr val="000000"/>
                     </a:solidFill>
@@ -15495,7 +15362,7 @@
               </a:ln>
               <a:extLst>
                 <a:ext uri="{91240B29-F687-4f45-9708-019B960494DF}">
-                  <a14:hiddenLine xmlns="" xmlns:a14="http://schemas.microsoft.com/office/drawing/2010/main" w="9525">
+                  <a14:hiddenLine xmlns:a14="http://schemas.microsoft.com/office/drawing/2010/main" xmlns="" w="9525">
                     <a:solidFill>
                       <a:srgbClr val="000000"/>
                     </a:solidFill>
@@ -15557,7 +15424,7 @@
               </a:ln>
               <a:extLst>
                 <a:ext uri="{91240B29-F687-4f45-9708-019B960494DF}">
-                  <a14:hiddenLine xmlns="" xmlns:a14="http://schemas.microsoft.com/office/drawing/2010/main" w="9525">
+                  <a14:hiddenLine xmlns:a14="http://schemas.microsoft.com/office/drawing/2010/main" xmlns="" w="9525">
                     <a:solidFill>
                       <a:srgbClr val="000000"/>
                     </a:solidFill>
@@ -15647,7 +15514,7 @@
               </a:ln>
               <a:extLst>
                 <a:ext uri="{91240B29-F687-4f45-9708-019B960494DF}">
-                  <a14:hiddenLine xmlns="" xmlns:a14="http://schemas.microsoft.com/office/drawing/2010/main" w="9525">
+                  <a14:hiddenLine xmlns:a14="http://schemas.microsoft.com/office/drawing/2010/main" xmlns="" w="9525">
                     <a:solidFill>
                       <a:srgbClr val="000000"/>
                     </a:solidFill>
@@ -15737,7 +15604,7 @@
               </a:ln>
               <a:extLst>
                 <a:ext uri="{91240B29-F687-4f45-9708-019B960494DF}">
-                  <a14:hiddenLine xmlns="" xmlns:a14="http://schemas.microsoft.com/office/drawing/2010/main" w="9525">
+                  <a14:hiddenLine xmlns:a14="http://schemas.microsoft.com/office/drawing/2010/main" xmlns="" w="9525">
                     <a:solidFill>
                       <a:srgbClr val="000000"/>
                     </a:solidFill>
@@ -15799,7 +15666,7 @@
               </a:ln>
               <a:extLst>
                 <a:ext uri="{91240B29-F687-4f45-9708-019B960494DF}">
-                  <a14:hiddenLine xmlns="" xmlns:a14="http://schemas.microsoft.com/office/drawing/2010/main" w="9525">
+                  <a14:hiddenLine xmlns:a14="http://schemas.microsoft.com/office/drawing/2010/main" xmlns="" w="9525">
                     <a:solidFill>
                       <a:srgbClr val="000000"/>
                     </a:solidFill>
@@ -15909,7 +15776,7 @@
               </a:ln>
               <a:extLst>
                 <a:ext uri="{91240B29-F687-4f45-9708-019B960494DF}">
-                  <a14:hiddenLine xmlns="" xmlns:a14="http://schemas.microsoft.com/office/drawing/2010/main" w="9525">
+                  <a14:hiddenLine xmlns:a14="http://schemas.microsoft.com/office/drawing/2010/main" xmlns="" w="9525">
                     <a:solidFill>
                       <a:srgbClr val="000000"/>
                     </a:solidFill>
@@ -15993,7 +15860,7 @@
               </a:ln>
               <a:extLst>
                 <a:ext uri="{91240B29-F687-4f45-9708-019B960494DF}">
-                  <a14:hiddenLine xmlns="" xmlns:a14="http://schemas.microsoft.com/office/drawing/2010/main" w="9525">
+                  <a14:hiddenLine xmlns:a14="http://schemas.microsoft.com/office/drawing/2010/main" xmlns="" w="9525">
                     <a:solidFill>
                       <a:srgbClr val="000000"/>
                     </a:solidFill>
@@ -16055,7 +15922,7 @@
               </a:ln>
               <a:extLst>
                 <a:ext uri="{91240B29-F687-4f45-9708-019B960494DF}">
-                  <a14:hiddenLine xmlns="" xmlns:a14="http://schemas.microsoft.com/office/drawing/2010/main" w="9525">
+                  <a14:hiddenLine xmlns:a14="http://schemas.microsoft.com/office/drawing/2010/main" xmlns="" w="9525">
                     <a:solidFill>
                       <a:srgbClr val="000000"/>
                     </a:solidFill>
@@ -16117,7 +15984,7 @@
               </a:ln>
               <a:extLst>
                 <a:ext uri="{91240B29-F687-4f45-9708-019B960494DF}">
-                  <a14:hiddenLine xmlns="" xmlns:a14="http://schemas.microsoft.com/office/drawing/2010/main" w="9525">
+                  <a14:hiddenLine xmlns:a14="http://schemas.microsoft.com/office/drawing/2010/main" xmlns="" w="9525">
                     <a:solidFill>
                       <a:srgbClr val="000000"/>
                     </a:solidFill>
@@ -16207,7 +16074,7 @@
               </a:ln>
               <a:extLst>
                 <a:ext uri="{91240B29-F687-4f45-9708-019B960494DF}">
-                  <a14:hiddenLine xmlns="" xmlns:a14="http://schemas.microsoft.com/office/drawing/2010/main" w="9525">
+                  <a14:hiddenLine xmlns:a14="http://schemas.microsoft.com/office/drawing/2010/main" xmlns="" w="9525">
                     <a:solidFill>
                       <a:srgbClr val="000000"/>
                     </a:solidFill>
@@ -16241,7 +16108,7 @@
               </a:ln>
               <a:extLst>
                 <a:ext uri="{91240B29-F687-4f45-9708-019B960494DF}">
-                  <a14:hiddenLine xmlns="" xmlns:a14="http://schemas.microsoft.com/office/drawing/2010/main" w="9525">
+                  <a14:hiddenLine xmlns:a14="http://schemas.microsoft.com/office/drawing/2010/main" xmlns="" w="9525">
                     <a:solidFill>
                       <a:srgbClr val="000000"/>
                     </a:solidFill>
@@ -16306,7 +16173,7 @@
               </a:ln>
               <a:extLst>
                 <a:ext uri="{91240B29-F687-4f45-9708-019B960494DF}">
-                  <a14:hiddenLine xmlns="" xmlns:a14="http://schemas.microsoft.com/office/drawing/2010/main" w="9525">
+                  <a14:hiddenLine xmlns:a14="http://schemas.microsoft.com/office/drawing/2010/main" xmlns="" w="9525">
                     <a:solidFill>
                       <a:srgbClr val="000000"/>
                     </a:solidFill>
@@ -16396,7 +16263,7 @@
               </a:ln>
               <a:extLst>
                 <a:ext uri="{91240B29-F687-4f45-9708-019B960494DF}">
-                  <a14:hiddenLine xmlns="" xmlns:a14="http://schemas.microsoft.com/office/drawing/2010/main" w="9525">
+                  <a14:hiddenLine xmlns:a14="http://schemas.microsoft.com/office/drawing/2010/main" xmlns="" w="9525">
                     <a:solidFill>
                       <a:srgbClr val="000000"/>
                     </a:solidFill>
@@ -16458,7 +16325,7 @@
               </a:ln>
               <a:extLst>
                 <a:ext uri="{91240B29-F687-4f45-9708-019B960494DF}">
-                  <a14:hiddenLine xmlns="" xmlns:a14="http://schemas.microsoft.com/office/drawing/2010/main" w="9525">
+                  <a14:hiddenLine xmlns:a14="http://schemas.microsoft.com/office/drawing/2010/main" xmlns="" w="9525">
                     <a:solidFill>
                       <a:srgbClr val="000000"/>
                     </a:solidFill>
@@ -16548,7 +16415,7 @@
               </a:ln>
               <a:extLst>
                 <a:ext uri="{91240B29-F687-4f45-9708-019B960494DF}">
-                  <a14:hiddenLine xmlns="" xmlns:a14="http://schemas.microsoft.com/office/drawing/2010/main" w="9525">
+                  <a14:hiddenLine xmlns:a14="http://schemas.microsoft.com/office/drawing/2010/main" xmlns="" w="9525">
                     <a:solidFill>
                       <a:srgbClr val="000000"/>
                     </a:solidFill>
@@ -16613,7 +16480,7 @@
               </a:ln>
               <a:extLst>
                 <a:ext uri="{91240B29-F687-4f45-9708-019B960494DF}">
-                  <a14:hiddenLine xmlns="" xmlns:a14="http://schemas.microsoft.com/office/drawing/2010/main" w="9525">
+                  <a14:hiddenLine xmlns:a14="http://schemas.microsoft.com/office/drawing/2010/main" xmlns="" w="9525">
                     <a:solidFill>
                       <a:srgbClr val="000000"/>
                     </a:solidFill>
@@ -16675,7 +16542,7 @@
               </a:ln>
               <a:extLst>
                 <a:ext uri="{91240B29-F687-4f45-9708-019B960494DF}">
-                  <a14:hiddenLine xmlns="" xmlns:a14="http://schemas.microsoft.com/office/drawing/2010/main" w="9525">
+                  <a14:hiddenLine xmlns:a14="http://schemas.microsoft.com/office/drawing/2010/main" xmlns="" w="9525">
                     <a:solidFill>
                       <a:srgbClr val="000000"/>
                     </a:solidFill>
@@ -16765,7 +16632,7 @@
               </a:ln>
               <a:extLst>
                 <a:ext uri="{91240B29-F687-4f45-9708-019B960494DF}">
-                  <a14:hiddenLine xmlns="" xmlns:a14="http://schemas.microsoft.com/office/drawing/2010/main" w="9525">
+                  <a14:hiddenLine xmlns:a14="http://schemas.microsoft.com/office/drawing/2010/main" xmlns="" w="9525">
                     <a:solidFill>
                       <a:srgbClr val="000000"/>
                     </a:solidFill>
@@ -16855,7 +16722,7 @@
               </a:ln>
               <a:extLst>
                 <a:ext uri="{91240B29-F687-4f45-9708-019B960494DF}">
-                  <a14:hiddenLine xmlns="" xmlns:a14="http://schemas.microsoft.com/office/drawing/2010/main" w="9525">
+                  <a14:hiddenLine xmlns:a14="http://schemas.microsoft.com/office/drawing/2010/main" xmlns="" w="9525">
                     <a:solidFill>
                       <a:srgbClr val="000000"/>
                     </a:solidFill>
@@ -16920,7 +16787,7 @@
               </a:ln>
               <a:extLst>
                 <a:ext uri="{91240B29-F687-4f45-9708-019B960494DF}">
-                  <a14:hiddenLine xmlns="" xmlns:a14="http://schemas.microsoft.com/office/drawing/2010/main" w="9525">
+                  <a14:hiddenLine xmlns:a14="http://schemas.microsoft.com/office/drawing/2010/main" xmlns="" w="9525">
                     <a:solidFill>
                       <a:srgbClr val="000000"/>
                     </a:solidFill>
@@ -17040,7 +16907,7 @@
               </a:ln>
               <a:extLst>
                 <a:ext uri="{91240B29-F687-4f45-9708-019B960494DF}">
-                  <a14:hiddenLine xmlns="" xmlns:a14="http://schemas.microsoft.com/office/drawing/2010/main" w="9525">
+                  <a14:hiddenLine xmlns:a14="http://schemas.microsoft.com/office/drawing/2010/main" xmlns="" w="9525">
                     <a:solidFill>
                       <a:srgbClr val="000000"/>
                     </a:solidFill>
@@ -17121,7 +16988,7 @@
               </a:ln>
               <a:extLst>
                 <a:ext uri="{91240B29-F687-4f45-9708-019B960494DF}">
-                  <a14:hiddenLine xmlns="" xmlns:a14="http://schemas.microsoft.com/office/drawing/2010/main" w="9525">
+                  <a14:hiddenLine xmlns:a14="http://schemas.microsoft.com/office/drawing/2010/main" xmlns="" w="9525">
                     <a:solidFill>
                       <a:srgbClr val="000000"/>
                     </a:solidFill>
@@ -17236,7 +17103,7 @@
               </a:ln>
               <a:extLst>
                 <a:ext uri="{91240B29-F687-4f45-9708-019B960494DF}">
-                  <a14:hiddenLine xmlns="" xmlns:a14="http://schemas.microsoft.com/office/drawing/2010/main" w="9525">
+                  <a14:hiddenLine xmlns:a14="http://schemas.microsoft.com/office/drawing/2010/main" xmlns="" w="9525">
                     <a:solidFill>
                       <a:srgbClr val="000000"/>
                     </a:solidFill>
@@ -17326,7 +17193,7 @@
               </a:ln>
               <a:extLst>
                 <a:ext uri="{91240B29-F687-4f45-9708-019B960494DF}">
-                  <a14:hiddenLine xmlns="" xmlns:a14="http://schemas.microsoft.com/office/drawing/2010/main" w="9525">
+                  <a14:hiddenLine xmlns:a14="http://schemas.microsoft.com/office/drawing/2010/main" xmlns="" w="9525">
                     <a:solidFill>
                       <a:srgbClr val="000000"/>
                     </a:solidFill>
@@ -17391,7 +17258,7 @@
               </a:ln>
               <a:extLst>
                 <a:ext uri="{91240B29-F687-4f45-9708-019B960494DF}">
-                  <a14:hiddenLine xmlns="" xmlns:a14="http://schemas.microsoft.com/office/drawing/2010/main" w="9525">
+                  <a14:hiddenLine xmlns:a14="http://schemas.microsoft.com/office/drawing/2010/main" xmlns="" w="9525">
                     <a:solidFill>
                       <a:srgbClr val="000000"/>
                     </a:solidFill>
@@ -17481,7 +17348,7 @@
               </a:ln>
               <a:extLst>
                 <a:ext uri="{91240B29-F687-4f45-9708-019B960494DF}">
-                  <a14:hiddenLine xmlns="" xmlns:a14="http://schemas.microsoft.com/office/drawing/2010/main" w="9525">
+                  <a14:hiddenLine xmlns:a14="http://schemas.microsoft.com/office/drawing/2010/main" xmlns="" w="9525">
                     <a:solidFill>
                       <a:srgbClr val="000000"/>
                     </a:solidFill>
@@ -17549,7 +17416,7 @@
               </a:ln>
               <a:extLst>
                 <a:ext uri="{91240B29-F687-4f45-9708-019B960494DF}">
-                  <a14:hiddenLine xmlns="" xmlns:a14="http://schemas.microsoft.com/office/drawing/2010/main" w="9525">
+                  <a14:hiddenLine xmlns:a14="http://schemas.microsoft.com/office/drawing/2010/main" xmlns="" w="9525">
                     <a:solidFill>
                       <a:srgbClr val="000000"/>
                     </a:solidFill>
@@ -17639,7 +17506,7 @@
               </a:ln>
               <a:extLst>
                 <a:ext uri="{91240B29-F687-4f45-9708-019B960494DF}">
-                  <a14:hiddenLine xmlns="" xmlns:a14="http://schemas.microsoft.com/office/drawing/2010/main" w="9525">
+                  <a14:hiddenLine xmlns:a14="http://schemas.microsoft.com/office/drawing/2010/main" xmlns="" w="9525">
                     <a:solidFill>
                       <a:srgbClr val="000000"/>
                     </a:solidFill>
@@ -17707,7 +17574,7 @@
               </a:ln>
               <a:extLst>
                 <a:ext uri="{91240B29-F687-4f45-9708-019B960494DF}">
-                  <a14:hiddenLine xmlns="" xmlns:a14="http://schemas.microsoft.com/office/drawing/2010/main" w="9525">
+                  <a14:hiddenLine xmlns:a14="http://schemas.microsoft.com/office/drawing/2010/main" xmlns="" w="9525">
                     <a:solidFill>
                       <a:srgbClr val="000000"/>
                     </a:solidFill>
@@ -17797,7 +17664,7 @@
               </a:ln>
               <a:extLst>
                 <a:ext uri="{91240B29-F687-4f45-9708-019B960494DF}">
-                  <a14:hiddenLine xmlns="" xmlns:a14="http://schemas.microsoft.com/office/drawing/2010/main" w="9525">
+                  <a14:hiddenLine xmlns:a14="http://schemas.microsoft.com/office/drawing/2010/main" xmlns="" w="9525">
                     <a:solidFill>
                       <a:srgbClr val="000000"/>
                     </a:solidFill>
@@ -17831,7 +17698,7 @@
               </a:ln>
               <a:extLst>
                 <a:ext uri="{91240B29-F687-4f45-9708-019B960494DF}">
-                  <a14:hiddenLine xmlns="" xmlns:a14="http://schemas.microsoft.com/office/drawing/2010/main" w="9525">
+                  <a14:hiddenLine xmlns:a14="http://schemas.microsoft.com/office/drawing/2010/main" xmlns="" w="9525">
                     <a:solidFill>
                       <a:srgbClr val="000000"/>
                     </a:solidFill>
@@ -17971,7 +17838,7 @@
           <a:p>
             <a:fld id="{76CF0794-4B23-4231-8A4A-0B8130EE2095}" type="datetimeFigureOut">
               <a:rPr lang="it-IT" smtClean="0"/>
-              <a:t>23/04/2024</a:t>
+              <a:t>24/04/2024</a:t>
             </a:fld>
             <a:endParaRPr lang="it-IT"/>
           </a:p>
@@ -18561,7 +18428,7 @@
             <a:noFill/>
             <a:extLst>
               <a:ext uri="{909E8E84-426E-40dd-AFC4-6F175D3DCCD1}">
-                <a14:hiddenFill xmlns:a14="http://schemas.microsoft.com/office/drawing/2010/main" xmlns:p14="http://schemas.microsoft.com/office/powerpoint/2010/main" xmlns:a16="http://schemas.microsoft.com/office/drawing/2014/main" xmlns="">
+                <a14:hiddenFill xmlns="" xmlns:a16="http://schemas.microsoft.com/office/drawing/2014/main" xmlns:p14="http://schemas.microsoft.com/office/powerpoint/2010/main" xmlns:a14="http://schemas.microsoft.com/office/drawing/2010/main">
                   <a:solidFill>
                     <a:srgbClr val="FFFFFF"/>
                   </a:solidFill>
@@ -20962,16 +20829,16 @@
           <a:blip r:embed="rId2">
             <a:duotone>
               <a:schemeClr val="bg2">
-                <a:shade val="48000"/>
+                <a:shade val="88000"/>
                 <a:hueMod val="106000"/>
                 <a:satMod val="140000"/>
-                <a:lumMod val="42000"/>
+                <a:lumMod val="54000"/>
               </a:schemeClr>
               <a:schemeClr val="bg2">
                 <a:tint val="98000"/>
-                <a:hueMod val="92000"/>
-                <a:satMod val="220000"/>
-                <a:lumMod val="90000"/>
+                <a:hueMod val="90000"/>
+                <a:satMod val="150000"/>
+                <a:lumMod val="160000"/>
               </a:schemeClr>
             </a:duotone>
           </a:blip>
@@ -21023,12 +20890,124 @@
           <a:lstStyle/>
           <a:p>
             <a:r>
-              <a:rPr lang="it-IT" dirty="0"/>
+              <a:rPr lang="it-IT"/>
               <a:t>IDEA</a:t>
             </a:r>
           </a:p>
         </p:txBody>
       </p:sp>
+      <p:pic>
+        <p:nvPicPr>
+          <p:cNvPr id="4" name="Immagine 3" descr="Immagine che contiene testo, schermata&#10;&#10;Descrizione generata automaticamente">
+            <a:extLst>
+              <a:ext uri="{FF2B5EF4-FFF2-40B4-BE49-F238E27FC236}">
+                <a16:creationId xmlns:a16="http://schemas.microsoft.com/office/drawing/2014/main" id="{3A08D714-C6CF-E22B-12C3-D7C98D464D85}"/>
+              </a:ext>
+            </a:extLst>
+          </p:cNvPr>
+          <p:cNvPicPr>
+            <a:picLocks noChangeAspect="1"/>
+          </p:cNvPicPr>
+          <p:nvPr/>
+        </p:nvPicPr>
+        <p:blipFill>
+          <a:blip r:embed="rId3">
+            <a:extLst>
+              <a:ext uri="{28A0092B-C50C-407E-A947-70E740481C1C}">
+                <a14:useLocalDpi xmlns:a14="http://schemas.microsoft.com/office/drawing/2010/main" val="0"/>
+              </a:ext>
+            </a:extLst>
+          </a:blip>
+          <a:stretch>
+            <a:fillRect/>
+          </a:stretch>
+        </p:blipFill>
+        <p:spPr>
+          <a:xfrm>
+            <a:off x="1474117" y="2249487"/>
+            <a:ext cx="1597342" cy="3549650"/>
+          </a:xfrm>
+          <a:prstGeom prst="round2DiagRect">
+            <a:avLst>
+              <a:gd name="adj1" fmla="val 5608"/>
+              <a:gd name="adj2" fmla="val 0"/>
+            </a:avLst>
+          </a:prstGeom>
+          <a:ln w="19050" cap="sq">
+            <a:solidFill>
+              <a:schemeClr val="tx2">
+                <a:lumMod val="60000"/>
+                <a:lumOff val="40000"/>
+                <a:alpha val="60000"/>
+              </a:schemeClr>
+            </a:solidFill>
+            <a:miter lim="800000"/>
+          </a:ln>
+          <a:effectLst>
+            <a:outerShdw blurRad="88900" dist="38100" dir="5400000" algn="t" rotWithShape="0">
+              <a:prstClr val="black">
+                <a:alpha val="40000"/>
+              </a:prstClr>
+            </a:outerShdw>
+          </a:effectLst>
+        </p:spPr>
+      </p:pic>
+      <p:pic>
+        <p:nvPicPr>
+          <p:cNvPr id="7" name="Immagine 6" descr="Immagine che contiene testo, schermata, software, Carattere&#10;&#10;Descrizione generata automaticamente">
+            <a:extLst>
+              <a:ext uri="{FF2B5EF4-FFF2-40B4-BE49-F238E27FC236}">
+                <a16:creationId xmlns:a16="http://schemas.microsoft.com/office/drawing/2014/main" id="{9E2E99A8-2C0C-93D2-3614-6095BDB80637}"/>
+              </a:ext>
+            </a:extLst>
+          </p:cNvPr>
+          <p:cNvPicPr>
+            <a:picLocks noChangeAspect="1"/>
+          </p:cNvPicPr>
+          <p:nvPr/>
+        </p:nvPicPr>
+        <p:blipFill>
+          <a:blip r:embed="rId4">
+            <a:extLst>
+              <a:ext uri="{28A0092B-C50C-407E-A947-70E740481C1C}">
+                <a14:useLocalDpi xmlns:a14="http://schemas.microsoft.com/office/drawing/2010/main" val="0"/>
+              </a:ext>
+            </a:extLst>
+          </a:blip>
+          <a:stretch>
+            <a:fillRect/>
+          </a:stretch>
+        </p:blipFill>
+        <p:spPr>
+          <a:xfrm>
+            <a:off x="3896160" y="2249487"/>
+            <a:ext cx="1606216" cy="3549650"/>
+          </a:xfrm>
+          <a:prstGeom prst="round2DiagRect">
+            <a:avLst>
+              <a:gd name="adj1" fmla="val 5608"/>
+              <a:gd name="adj2" fmla="val 0"/>
+            </a:avLst>
+          </a:prstGeom>
+          <a:ln w="19050" cap="sq">
+            <a:solidFill>
+              <a:schemeClr val="tx2">
+                <a:lumMod val="60000"/>
+                <a:lumOff val="40000"/>
+                <a:alpha val="60000"/>
+              </a:schemeClr>
+            </a:solidFill>
+            <a:miter lim="800000"/>
+          </a:ln>
+          <a:effectLst>
+            <a:outerShdw blurRad="88900" dist="38100" dir="5400000" algn="t" rotWithShape="0">
+              <a:prstClr val="black">
+                <a:alpha val="40000"/>
+              </a:prstClr>
+            </a:outerShdw>
+          </a:effectLst>
+        </p:spPr>
+      </p:pic>
       <p:graphicFrame>
         <p:nvGraphicFramePr>
           <p:cNvPr id="5" name="Segnaposto contenuto 2">
@@ -21045,18 +21024,18 @@
             <p:ph idx="1"/>
             <p:extLst>
               <p:ext uri="{D42A27DB-BD31-4B8C-83A1-F6EECF244321}">
-                <p14:modId xmlns:p14="http://schemas.microsoft.com/office/powerpoint/2010/main" val="637299286"/>
+                <p14:modId xmlns:p14="http://schemas.microsoft.com/office/powerpoint/2010/main" val="864994889"/>
               </p:ext>
             </p:extLst>
           </p:nvPr>
         </p:nvGraphicFramePr>
         <p:xfrm>
-          <a:off x="1141413" y="2418820"/>
-          <a:ext cx="9906000" cy="3142721"/>
+          <a:off x="6336727" y="2249487"/>
+          <a:ext cx="4710683" cy="3541714"/>
         </p:xfrm>
         <a:graphic>
           <a:graphicData uri="http://schemas.openxmlformats.org/drawingml/2006/diagram">
-            <dgm:relIds xmlns:dgm="http://schemas.openxmlformats.org/drawingml/2006/diagram" xmlns:r="http://schemas.openxmlformats.org/officeDocument/2006/relationships" r:dm="rId3" r:lo="rId4" r:qs="rId5" r:cs="rId6"/>
+            <dgm:relIds xmlns:dgm="http://schemas.openxmlformats.org/drawingml/2006/diagram" xmlns:r="http://schemas.openxmlformats.org/officeDocument/2006/relationships" r:dm="rId5" r:lo="rId6" r:qs="rId7" r:cs="rId8"/>
           </a:graphicData>
         </a:graphic>
       </p:graphicFrame>
